--- a/課題研究/2013/鈴木淳子/課題研究_ポスター.pptx
+++ b/課題研究/2013/鈴木淳子/課題研究_ポスター.pptx
@@ -193,7 +193,7 @@
           <a:p>
             <a:fld id="{F21D3B71-2F3A-44CC-8E34-1E9252633E21}" type="datetimeFigureOut">
               <a:rPr kumimoji="1" lang="ja-JP" altLang="en-US" smtClean="0"/>
-              <a:t>2013/12/11</a:t>
+              <a:t>2013/12/12</a:t>
             </a:fld>
             <a:endParaRPr kumimoji="1" lang="ja-JP" altLang="en-US"/>
           </a:p>
@@ -674,7 +674,7 @@
           <a:p>
             <a:fld id="{AF2C9282-7945-4632-B5B1-6A81F81D4F10}" type="datetimeFigureOut">
               <a:rPr kumimoji="1" lang="ja-JP" altLang="en-US" smtClean="0"/>
-              <a:t>2013/12/11</a:t>
+              <a:t>2013/12/12</a:t>
             </a:fld>
             <a:endParaRPr kumimoji="1" lang="ja-JP" altLang="en-US"/>
           </a:p>
@@ -876,7 +876,7 @@
           <a:p>
             <a:fld id="{AF2C9282-7945-4632-B5B1-6A81F81D4F10}" type="datetimeFigureOut">
               <a:rPr kumimoji="1" lang="ja-JP" altLang="en-US" smtClean="0"/>
-              <a:t>2013/12/11</a:t>
+              <a:t>2013/12/12</a:t>
             </a:fld>
             <a:endParaRPr kumimoji="1" lang="ja-JP" altLang="en-US"/>
           </a:p>
@@ -1088,7 +1088,7 @@
           <a:p>
             <a:fld id="{AF2C9282-7945-4632-B5B1-6A81F81D4F10}" type="datetimeFigureOut">
               <a:rPr kumimoji="1" lang="ja-JP" altLang="en-US" smtClean="0"/>
-              <a:t>2013/12/11</a:t>
+              <a:t>2013/12/12</a:t>
             </a:fld>
             <a:endParaRPr kumimoji="1" lang="ja-JP" altLang="en-US"/>
           </a:p>
@@ -1290,7 +1290,7 @@
           <a:p>
             <a:fld id="{AF2C9282-7945-4632-B5B1-6A81F81D4F10}" type="datetimeFigureOut">
               <a:rPr kumimoji="1" lang="ja-JP" altLang="en-US" smtClean="0"/>
-              <a:t>2013/12/11</a:t>
+              <a:t>2013/12/12</a:t>
             </a:fld>
             <a:endParaRPr kumimoji="1" lang="ja-JP" altLang="en-US"/>
           </a:p>
@@ -1536,7 +1536,7 @@
           <a:p>
             <a:fld id="{AF2C9282-7945-4632-B5B1-6A81F81D4F10}" type="datetimeFigureOut">
               <a:rPr kumimoji="1" lang="ja-JP" altLang="en-US" smtClean="0"/>
-              <a:t>2013/12/11</a:t>
+              <a:t>2013/12/12</a:t>
             </a:fld>
             <a:endParaRPr kumimoji="1" lang="ja-JP" altLang="en-US"/>
           </a:p>
@@ -1888,7 +1888,7 @@
           <a:p>
             <a:fld id="{AF2C9282-7945-4632-B5B1-6A81F81D4F10}" type="datetimeFigureOut">
               <a:rPr kumimoji="1" lang="ja-JP" altLang="en-US" smtClean="0"/>
-              <a:t>2013/12/11</a:t>
+              <a:t>2013/12/12</a:t>
             </a:fld>
             <a:endParaRPr kumimoji="1" lang="ja-JP" altLang="en-US"/>
           </a:p>
@@ -2379,7 +2379,7 @@
           <a:p>
             <a:fld id="{AF2C9282-7945-4632-B5B1-6A81F81D4F10}" type="datetimeFigureOut">
               <a:rPr kumimoji="1" lang="ja-JP" altLang="en-US" smtClean="0"/>
-              <a:t>2013/12/11</a:t>
+              <a:t>2013/12/12</a:t>
             </a:fld>
             <a:endParaRPr kumimoji="1" lang="ja-JP" altLang="en-US"/>
           </a:p>
@@ -2497,7 +2497,7 @@
           <a:p>
             <a:fld id="{AF2C9282-7945-4632-B5B1-6A81F81D4F10}" type="datetimeFigureOut">
               <a:rPr kumimoji="1" lang="ja-JP" altLang="en-US" smtClean="0"/>
-              <a:t>2013/12/11</a:t>
+              <a:t>2013/12/12</a:t>
             </a:fld>
             <a:endParaRPr kumimoji="1" lang="ja-JP" altLang="en-US"/>
           </a:p>
@@ -2592,7 +2592,7 @@
           <a:p>
             <a:fld id="{AF2C9282-7945-4632-B5B1-6A81F81D4F10}" type="datetimeFigureOut">
               <a:rPr kumimoji="1" lang="ja-JP" altLang="en-US" smtClean="0"/>
-              <a:t>2013/12/11</a:t>
+              <a:t>2013/12/12</a:t>
             </a:fld>
             <a:endParaRPr kumimoji="1" lang="ja-JP" altLang="en-US"/>
           </a:p>
@@ -2901,7 +2901,7 @@
           <a:p>
             <a:fld id="{AF2C9282-7945-4632-B5B1-6A81F81D4F10}" type="datetimeFigureOut">
               <a:rPr kumimoji="1" lang="ja-JP" altLang="en-US" smtClean="0"/>
-              <a:t>2013/12/11</a:t>
+              <a:t>2013/12/12</a:t>
             </a:fld>
             <a:endParaRPr kumimoji="1" lang="ja-JP" altLang="en-US"/>
           </a:p>
@@ -3154,7 +3154,7 @@
           <a:p>
             <a:fld id="{AF2C9282-7945-4632-B5B1-6A81F81D4F10}" type="datetimeFigureOut">
               <a:rPr kumimoji="1" lang="ja-JP" altLang="en-US" smtClean="0"/>
-              <a:t>2013/12/11</a:t>
+              <a:t>2013/12/12</a:t>
             </a:fld>
             <a:endParaRPr kumimoji="1" lang="ja-JP" altLang="en-US"/>
           </a:p>
@@ -3429,7 +3429,7 @@
           <a:p>
             <a:fld id="{AF2C9282-7945-4632-B5B1-6A81F81D4F10}" type="datetimeFigureOut">
               <a:rPr kumimoji="1" lang="ja-JP" altLang="en-US" smtClean="0"/>
-              <a:t>2013/12/11</a:t>
+              <a:t>2013/12/12</a:t>
             </a:fld>
             <a:endParaRPr kumimoji="1" lang="ja-JP" altLang="en-US"/>
           </a:p>
@@ -6003,7 +6003,7 @@
         <p:spPr>
           <a:xfrm>
             <a:off x="188640" y="2595266"/>
-            <a:ext cx="2011602" cy="576064"/>
+            <a:ext cx="2448272" cy="576064"/>
           </a:xfrm>
           <a:prstGeom prst="roundRect">
             <a:avLst/>
@@ -6047,7 +6047,7 @@
                 <a:latin typeface="小塚ゴシック Pr6N M" pitchFamily="34" charset="-128"/>
                 <a:ea typeface="小塚ゴシック Pr6N M" pitchFamily="34" charset="-128"/>
               </a:rPr>
-              <a:t>三匹の子豚</a:t>
+              <a:t>ＰＭ三匹の子豚</a:t>
             </a:r>
           </a:p>
         </p:txBody>
@@ -6060,8 +6060,8 @@
         </p:nvSpPr>
         <p:spPr>
           <a:xfrm>
-            <a:off x="2253360" y="2595266"/>
-            <a:ext cx="4295496" cy="576064"/>
+            <a:off x="2708920" y="2595266"/>
+            <a:ext cx="3839936" cy="576064"/>
           </a:xfrm>
           <a:prstGeom prst="roundRect">
             <a:avLst/>
@@ -6103,7 +6103,7 @@
                 <a:latin typeface="小塚ゴシック Pr6N M" pitchFamily="34" charset="-128"/>
                 <a:ea typeface="小塚ゴシック Pr6N M" pitchFamily="34" charset="-128"/>
               </a:rPr>
-              <a:t>ヘンゼルとグレーテル</a:t>
+              <a:t>ＰＭヘンゼルとグレーテル</a:t>
             </a:r>
           </a:p>
         </p:txBody>
@@ -6117,7 +6117,7 @@
         <p:spPr>
           <a:xfrm>
             <a:off x="265270" y="4211960"/>
-            <a:ext cx="6355595" cy="1323439"/>
+            <a:ext cx="6355595" cy="1631216"/>
           </a:xfrm>
           <a:prstGeom prst="rect">
             <a:avLst/>
@@ -6148,7 +6148,7 @@
                 <a:latin typeface="小塚ゴシック Pr6N M" pitchFamily="34" charset="-128"/>
                 <a:ea typeface="小塚ゴシック Pr6N M" pitchFamily="34" charset="-128"/>
               </a:rPr>
-              <a:t>①バックストーリーをチームで作成及び整理する</a:t>
+              <a:t>①プロジェクトマネジメントの概要を理解する</a:t>
             </a:r>
             <a:endParaRPr lang="en-US" altLang="ja-JP" sz="2000" b="1" dirty="0" smtClean="0">
               <a:latin typeface="小塚ゴシック Pr6N M" pitchFamily="34" charset="-128"/>
@@ -6161,7 +6161,7 @@
                 <a:latin typeface="小塚ゴシック Pr6N M" pitchFamily="34" charset="-128"/>
                 <a:ea typeface="小塚ゴシック Pr6N M" pitchFamily="34" charset="-128"/>
               </a:rPr>
-              <a:t>②基本計画書・ガントチャートの作成をする</a:t>
+              <a:t>②バックストーリーを作成し，プロジェクトに結びつける</a:t>
             </a:r>
             <a:endParaRPr lang="en-US" altLang="ja-JP" sz="2000" b="1" dirty="0" smtClean="0">
               <a:latin typeface="小塚ゴシック Pr6N M" pitchFamily="34" charset="-128"/>
@@ -6170,11 +6170,38 @@
           </a:p>
           <a:p>
             <a:r>
+              <a:rPr lang="ja-JP" altLang="en-US" sz="2000" b="1" dirty="0">
+                <a:latin typeface="小塚ゴシック Pr6N M" pitchFamily="34" charset="-128"/>
+                <a:ea typeface="小塚ゴシック Pr6N M" pitchFamily="34" charset="-128"/>
+              </a:rPr>
+              <a:t>③</a:t>
+            </a:r>
+            <a:r>
               <a:rPr lang="ja-JP" altLang="en-US" sz="2000" b="1" dirty="0" smtClean="0">
                 <a:latin typeface="小塚ゴシック Pr6N M" pitchFamily="34" charset="-128"/>
                 <a:ea typeface="小塚ゴシック Pr6N M" pitchFamily="34" charset="-128"/>
               </a:rPr>
-              <a:t>③行った作業の全てをまとめて</a:t>
+              <a:t>基本計画書・ガントチャートを作成をする</a:t>
+            </a:r>
+            <a:endParaRPr lang="en-US" altLang="ja-JP" sz="2000" b="1" dirty="0" smtClean="0">
+              <a:latin typeface="小塚ゴシック Pr6N M" pitchFamily="34" charset="-128"/>
+              <a:ea typeface="小塚ゴシック Pr6N M" pitchFamily="34" charset="-128"/>
+            </a:endParaRPr>
+          </a:p>
+          <a:p>
+            <a:r>
+              <a:rPr lang="ja-JP" altLang="en-US" sz="2000" b="1" dirty="0">
+                <a:latin typeface="小塚ゴシック Pr6N M" pitchFamily="34" charset="-128"/>
+                <a:ea typeface="小塚ゴシック Pr6N M" pitchFamily="34" charset="-128"/>
+              </a:rPr>
+              <a:t>④</a:t>
+            </a:r>
+            <a:r>
+              <a:rPr lang="ja-JP" altLang="en-US" sz="2000" b="1" dirty="0" smtClean="0">
+                <a:latin typeface="小塚ゴシック Pr6N M" pitchFamily="34" charset="-128"/>
+                <a:ea typeface="小塚ゴシック Pr6N M" pitchFamily="34" charset="-128"/>
+              </a:rPr>
+              <a:t>行った作業の全てをまとめて</a:t>
             </a:r>
             <a:r>
               <a:rPr lang="en-US" altLang="ja-JP" sz="2000" b="1" dirty="0" smtClean="0">
@@ -6197,11 +6224,18 @@
           </a:p>
           <a:p>
             <a:r>
+              <a:rPr lang="ja-JP" altLang="en-US" sz="2000" b="1" dirty="0">
+                <a:latin typeface="小塚ゴシック Pr6N M" pitchFamily="34" charset="-128"/>
+                <a:ea typeface="小塚ゴシック Pr6N M" pitchFamily="34" charset="-128"/>
+              </a:rPr>
+              <a:t>⑤</a:t>
+            </a:r>
+            <a:r>
               <a:rPr lang="ja-JP" altLang="en-US" sz="2000" b="1" dirty="0" smtClean="0">
                 <a:latin typeface="小塚ゴシック Pr6N M" pitchFamily="34" charset="-128"/>
                 <a:ea typeface="小塚ゴシック Pr6N M" pitchFamily="34" charset="-128"/>
               </a:rPr>
-              <a:t>④ワークショップに対する評価をする</a:t>
+              <a:t>ワークショップに対する評価をする</a:t>
             </a:r>
             <a:endParaRPr lang="en-US" altLang="ja-JP" sz="2000" b="1" dirty="0">
               <a:latin typeface="小塚ゴシック Pr6N M" pitchFamily="34" charset="-128"/>
@@ -6254,19 +6288,15 @@
         </p:nvSpPr>
         <p:spPr>
           <a:xfrm>
-            <a:off x="548680" y="3612089"/>
-            <a:ext cx="2736304" cy="455855"/>
+            <a:off x="116632" y="3612089"/>
+            <a:ext cx="2808311" cy="455855"/>
           </a:xfrm>
           <a:prstGeom prst="rect">
             <a:avLst/>
           </a:prstGeom>
-          <a:solidFill>
-            <a:schemeClr val="bg1"/>
-          </a:solidFill>
+          <a:noFill/>
           <a:ln>
-            <a:solidFill>
-              <a:schemeClr val="accent5"/>
-            </a:solidFill>
+            <a:noFill/>
           </a:ln>
         </p:spPr>
         <p:style>
@@ -6289,9 +6319,8 @@
           <a:bodyPr rtlCol="0" anchor="ctr"/>
           <a:lstStyle/>
           <a:p>
-            <a:pPr algn="ctr"/>
-            <a:r>
-              <a:rPr kumimoji="1" lang="ja-JP" altLang="en-US" sz="2800" b="1" cap="all" dirty="0" smtClean="0">
+            <a:r>
+              <a:rPr kumimoji="1" lang="ja-JP" altLang="en-US" sz="2400" b="1" cap="all" dirty="0" smtClean="0">
                 <a:ln w="9000" cmpd="sng">
                   <a:solidFill>
                     <a:srgbClr val="D6F1F6"/>
@@ -6309,7 +6338,7 @@
               </a:rPr>
               <a:t>ＴＤＬプロジェクト</a:t>
             </a:r>
-            <a:endParaRPr kumimoji="1" lang="ja-JP" altLang="en-US" sz="2800" b="1" cap="all" dirty="0">
+            <a:endParaRPr kumimoji="1" lang="ja-JP" altLang="en-US" sz="2400" b="1" cap="all" dirty="0">
               <a:ln w="9000" cmpd="sng">
                 <a:solidFill>
                   <a:srgbClr val="D6F1F6"/>
@@ -6337,13 +6366,13 @@
           <p:nvPr>
             <p:extLst>
               <p:ext uri="{D42A27DB-BD31-4B8C-83A1-F6EECF244321}">
-                <p14:modId xmlns:p14="http://schemas.microsoft.com/office/powerpoint/2010/main" val="4023637618"/>
+                <p14:modId xmlns:p14="http://schemas.microsoft.com/office/powerpoint/2010/main" val="3415965186"/>
               </p:ext>
             </p:extLst>
           </p:nvPr>
         </p:nvGraphicFramePr>
         <p:xfrm>
-          <a:off x="332656" y="6481896"/>
+          <a:off x="332656" y="6697920"/>
           <a:ext cx="6216200" cy="2194560"/>
         </p:xfrm>
         <a:graphic>
@@ -6421,7 +6450,7 @@
                     <a:bodyPr/>
                     <a:lstStyle/>
                     <a:p>
-                      <a:pPr algn="r"/>
+                      <a:pPr algn="l"/>
                       <a:r>
                         <a:rPr kumimoji="1" lang="ja-JP" altLang="en-US" b="1" dirty="0" smtClean="0">
                           <a:ea typeface="小塚ゴシック Pr6N M"/>
@@ -6461,7 +6490,7 @@
                     <a:bodyPr/>
                     <a:lstStyle/>
                     <a:p>
-                      <a:pPr algn="r"/>
+                      <a:pPr algn="l"/>
                       <a:r>
                         <a:rPr kumimoji="1" lang="ja-JP" altLang="en-US" b="1" dirty="0" smtClean="0">
                           <a:ea typeface="小塚ゴシック Pr6N M"/>
@@ -6501,7 +6530,7 @@
                     <a:bodyPr/>
                     <a:lstStyle/>
                     <a:p>
-                      <a:pPr algn="r"/>
+                      <a:pPr algn="l"/>
                       <a:r>
                         <a:rPr kumimoji="1" lang="ja-JP" altLang="en-US" b="1" dirty="0" smtClean="0">
                           <a:ea typeface="小塚ゴシック Pr6N M"/>
@@ -6541,7 +6570,7 @@
                     <a:bodyPr/>
                     <a:lstStyle/>
                     <a:p>
-                      <a:pPr algn="r"/>
+                      <a:pPr algn="l"/>
                       <a:r>
                         <a:rPr kumimoji="1" lang="ja-JP" altLang="en-US" b="1" dirty="0" smtClean="0">
                           <a:ea typeface="小塚ゴシック Pr6N M"/>
@@ -6581,7 +6610,7 @@
                     <a:bodyPr/>
                     <a:lstStyle/>
                     <a:p>
-                      <a:pPr algn="r"/>
+                      <a:pPr algn="l"/>
                       <a:r>
                         <a:rPr kumimoji="1" lang="ja-JP" altLang="en-US" b="1" dirty="0" smtClean="0">
                           <a:ea typeface="小塚ゴシック Pr6N M"/>
@@ -6623,8 +6652,8 @@
         </p:blipFill>
         <p:spPr bwMode="auto">
           <a:xfrm>
-            <a:off x="4758330" y="5204711"/>
-            <a:ext cx="1911030" cy="1383513"/>
+            <a:off x="5013176" y="5796007"/>
+            <a:ext cx="1790526" cy="1296273"/>
           </a:xfrm>
           <a:prstGeom prst="rect">
             <a:avLst/>
@@ -6649,12 +6678,13 @@
         </p:nvSpPr>
         <p:spPr>
           <a:xfrm>
-            <a:off x="332656" y="5868145"/>
-            <a:ext cx="1872208" cy="504055"/>
+            <a:off x="188640" y="6156177"/>
+            <a:ext cx="1435538" cy="504055"/>
           </a:xfrm>
           <a:prstGeom prst="rect">
             <a:avLst/>
           </a:prstGeom>
+          <a:noFill/>
           <a:ln>
             <a:noFill/>
           </a:ln>
@@ -6679,7 +6709,7 @@
           <a:p>
             <a:pPr algn="ctr"/>
             <a:r>
-              <a:rPr kumimoji="1" lang="ja-JP" altLang="en-US" sz="3600" b="1" cap="all" dirty="0" smtClean="0">
+              <a:rPr kumimoji="1" lang="ja-JP" altLang="en-US" sz="2400" b="1" cap="all" dirty="0" smtClean="0">
                 <a:ln w="9000" cmpd="sng">
                   <a:solidFill>
                     <a:srgbClr val="B3E5EF"/>
@@ -6697,7 +6727,7 @@
               </a:rPr>
               <a:t>これから</a:t>
             </a:r>
-            <a:endParaRPr kumimoji="1" lang="ja-JP" altLang="en-US" sz="3600" b="1" cap="all" dirty="0">
+            <a:endParaRPr kumimoji="1" lang="ja-JP" altLang="en-US" sz="2400" b="1" cap="all" dirty="0">
               <a:ln w="9000" cmpd="sng">
                 <a:solidFill>
                   <a:srgbClr val="B3E5EF"/>

--- a/課題研究/2013/鈴木淳子/課題研究_ポスター.pptx
+++ b/課題研究/2013/鈴木淳子/課題研究_ポスター.pptx
@@ -11,14 +11,14 @@
     <p:sldId id="256" r:id="rId2"/>
     <p:sldId id="258" r:id="rId3"/>
   </p:sldIdLst>
-  <p:sldSz cx="6858000" cy="9144000" type="screen4x3"/>
+  <p:sldSz cx="9601200" cy="12801600" type="A3"/>
   <p:notesSz cx="6797675" cy="9926638"/>
   <p:defaultTextStyle>
     <a:defPPr>
       <a:defRPr lang="ja-JP"/>
     </a:defPPr>
-    <a:lvl1pPr marL="0" algn="l" defTabSz="914400" rtl="0" eaLnBrk="1" latinLnBrk="0" hangingPunct="1">
-      <a:defRPr kumimoji="1" sz="1800" kern="1200">
+    <a:lvl1pPr marL="0" algn="l" defTabSz="1280160" rtl="0" eaLnBrk="1" latinLnBrk="0" hangingPunct="1">
+      <a:defRPr kumimoji="1" sz="2500" kern="1200">
         <a:solidFill>
           <a:schemeClr val="tx1"/>
         </a:solidFill>
@@ -27,8 +27,8 @@
         <a:cs typeface="+mn-cs"/>
       </a:defRPr>
     </a:lvl1pPr>
-    <a:lvl2pPr marL="457200" algn="l" defTabSz="914400" rtl="0" eaLnBrk="1" latinLnBrk="0" hangingPunct="1">
-      <a:defRPr kumimoji="1" sz="1800" kern="1200">
+    <a:lvl2pPr marL="640080" algn="l" defTabSz="1280160" rtl="0" eaLnBrk="1" latinLnBrk="0" hangingPunct="1">
+      <a:defRPr kumimoji="1" sz="2500" kern="1200">
         <a:solidFill>
           <a:schemeClr val="tx1"/>
         </a:solidFill>
@@ -37,8 +37,8 @@
         <a:cs typeface="+mn-cs"/>
       </a:defRPr>
     </a:lvl2pPr>
-    <a:lvl3pPr marL="914400" algn="l" defTabSz="914400" rtl="0" eaLnBrk="1" latinLnBrk="0" hangingPunct="1">
-      <a:defRPr kumimoji="1" sz="1800" kern="1200">
+    <a:lvl3pPr marL="1280160" algn="l" defTabSz="1280160" rtl="0" eaLnBrk="1" latinLnBrk="0" hangingPunct="1">
+      <a:defRPr kumimoji="1" sz="2500" kern="1200">
         <a:solidFill>
           <a:schemeClr val="tx1"/>
         </a:solidFill>
@@ -47,8 +47,8 @@
         <a:cs typeface="+mn-cs"/>
       </a:defRPr>
     </a:lvl3pPr>
-    <a:lvl4pPr marL="1371600" algn="l" defTabSz="914400" rtl="0" eaLnBrk="1" latinLnBrk="0" hangingPunct="1">
-      <a:defRPr kumimoji="1" sz="1800" kern="1200">
+    <a:lvl4pPr marL="1920240" algn="l" defTabSz="1280160" rtl="0" eaLnBrk="1" latinLnBrk="0" hangingPunct="1">
+      <a:defRPr kumimoji="1" sz="2500" kern="1200">
         <a:solidFill>
           <a:schemeClr val="tx1"/>
         </a:solidFill>
@@ -57,8 +57,8 @@
         <a:cs typeface="+mn-cs"/>
       </a:defRPr>
     </a:lvl4pPr>
-    <a:lvl5pPr marL="1828800" algn="l" defTabSz="914400" rtl="0" eaLnBrk="1" latinLnBrk="0" hangingPunct="1">
-      <a:defRPr kumimoji="1" sz="1800" kern="1200">
+    <a:lvl5pPr marL="2560320" algn="l" defTabSz="1280160" rtl="0" eaLnBrk="1" latinLnBrk="0" hangingPunct="1">
+      <a:defRPr kumimoji="1" sz="2500" kern="1200">
         <a:solidFill>
           <a:schemeClr val="tx1"/>
         </a:solidFill>
@@ -67,8 +67,8 @@
         <a:cs typeface="+mn-cs"/>
       </a:defRPr>
     </a:lvl5pPr>
-    <a:lvl6pPr marL="2286000" algn="l" defTabSz="914400" rtl="0" eaLnBrk="1" latinLnBrk="0" hangingPunct="1">
-      <a:defRPr kumimoji="1" sz="1800" kern="1200">
+    <a:lvl6pPr marL="3200400" algn="l" defTabSz="1280160" rtl="0" eaLnBrk="1" latinLnBrk="0" hangingPunct="1">
+      <a:defRPr kumimoji="1" sz="2500" kern="1200">
         <a:solidFill>
           <a:schemeClr val="tx1"/>
         </a:solidFill>
@@ -77,8 +77,8 @@
         <a:cs typeface="+mn-cs"/>
       </a:defRPr>
     </a:lvl6pPr>
-    <a:lvl7pPr marL="2743200" algn="l" defTabSz="914400" rtl="0" eaLnBrk="1" latinLnBrk="0" hangingPunct="1">
-      <a:defRPr kumimoji="1" sz="1800" kern="1200">
+    <a:lvl7pPr marL="3840480" algn="l" defTabSz="1280160" rtl="0" eaLnBrk="1" latinLnBrk="0" hangingPunct="1">
+      <a:defRPr kumimoji="1" sz="2500" kern="1200">
         <a:solidFill>
           <a:schemeClr val="tx1"/>
         </a:solidFill>
@@ -87,8 +87,8 @@
         <a:cs typeface="+mn-cs"/>
       </a:defRPr>
     </a:lvl7pPr>
-    <a:lvl8pPr marL="3200400" algn="l" defTabSz="914400" rtl="0" eaLnBrk="1" latinLnBrk="0" hangingPunct="1">
-      <a:defRPr kumimoji="1" sz="1800" kern="1200">
+    <a:lvl8pPr marL="4480560" algn="l" defTabSz="1280160" rtl="0" eaLnBrk="1" latinLnBrk="0" hangingPunct="1">
+      <a:defRPr kumimoji="1" sz="2500" kern="1200">
         <a:solidFill>
           <a:schemeClr val="tx1"/>
         </a:solidFill>
@@ -97,8 +97,8 @@
         <a:cs typeface="+mn-cs"/>
       </a:defRPr>
     </a:lvl8pPr>
-    <a:lvl9pPr marL="3657600" algn="l" defTabSz="914400" rtl="0" eaLnBrk="1" latinLnBrk="0" hangingPunct="1">
-      <a:defRPr kumimoji="1" sz="1800" kern="1200">
+    <a:lvl9pPr marL="5120640" algn="l" defTabSz="1280160" rtl="0" eaLnBrk="1" latinLnBrk="0" hangingPunct="1">
+      <a:defRPr kumimoji="1" sz="2500" kern="1200">
         <a:solidFill>
           <a:schemeClr val="tx1"/>
         </a:solidFill>
@@ -399,8 +399,8 @@
   </p:cSld>
   <p:clrMap bg1="lt1" tx1="dk1" bg2="lt2" tx2="dk2" accent1="accent1" accent2="accent2" accent3="accent3" accent4="accent4" accent5="accent5" accent6="accent6" hlink="hlink" folHlink="folHlink"/>
   <p:notesStyle>
-    <a:lvl1pPr marL="0" algn="l" defTabSz="914400" rtl="0" eaLnBrk="1" latinLnBrk="0" hangingPunct="1">
-      <a:defRPr kumimoji="1" sz="1200" kern="1200">
+    <a:lvl1pPr marL="0" algn="l" defTabSz="1280160" rtl="0" eaLnBrk="1" latinLnBrk="0" hangingPunct="1">
+      <a:defRPr kumimoji="1" sz="1700" kern="1200">
         <a:solidFill>
           <a:schemeClr val="tx1"/>
         </a:solidFill>
@@ -409,8 +409,8 @@
         <a:cs typeface="+mn-cs"/>
       </a:defRPr>
     </a:lvl1pPr>
-    <a:lvl2pPr marL="457200" algn="l" defTabSz="914400" rtl="0" eaLnBrk="1" latinLnBrk="0" hangingPunct="1">
-      <a:defRPr kumimoji="1" sz="1200" kern="1200">
+    <a:lvl2pPr marL="640080" algn="l" defTabSz="1280160" rtl="0" eaLnBrk="1" latinLnBrk="0" hangingPunct="1">
+      <a:defRPr kumimoji="1" sz="1700" kern="1200">
         <a:solidFill>
           <a:schemeClr val="tx1"/>
         </a:solidFill>
@@ -419,8 +419,8 @@
         <a:cs typeface="+mn-cs"/>
       </a:defRPr>
     </a:lvl2pPr>
-    <a:lvl3pPr marL="914400" algn="l" defTabSz="914400" rtl="0" eaLnBrk="1" latinLnBrk="0" hangingPunct="1">
-      <a:defRPr kumimoji="1" sz="1200" kern="1200">
+    <a:lvl3pPr marL="1280160" algn="l" defTabSz="1280160" rtl="0" eaLnBrk="1" latinLnBrk="0" hangingPunct="1">
+      <a:defRPr kumimoji="1" sz="1700" kern="1200">
         <a:solidFill>
           <a:schemeClr val="tx1"/>
         </a:solidFill>
@@ -429,8 +429,8 @@
         <a:cs typeface="+mn-cs"/>
       </a:defRPr>
     </a:lvl3pPr>
-    <a:lvl4pPr marL="1371600" algn="l" defTabSz="914400" rtl="0" eaLnBrk="1" latinLnBrk="0" hangingPunct="1">
-      <a:defRPr kumimoji="1" sz="1200" kern="1200">
+    <a:lvl4pPr marL="1920240" algn="l" defTabSz="1280160" rtl="0" eaLnBrk="1" latinLnBrk="0" hangingPunct="1">
+      <a:defRPr kumimoji="1" sz="1700" kern="1200">
         <a:solidFill>
           <a:schemeClr val="tx1"/>
         </a:solidFill>
@@ -439,8 +439,8 @@
         <a:cs typeface="+mn-cs"/>
       </a:defRPr>
     </a:lvl4pPr>
-    <a:lvl5pPr marL="1828800" algn="l" defTabSz="914400" rtl="0" eaLnBrk="1" latinLnBrk="0" hangingPunct="1">
-      <a:defRPr kumimoji="1" sz="1200" kern="1200">
+    <a:lvl5pPr marL="2560320" algn="l" defTabSz="1280160" rtl="0" eaLnBrk="1" latinLnBrk="0" hangingPunct="1">
+      <a:defRPr kumimoji="1" sz="1700" kern="1200">
         <a:solidFill>
           <a:schemeClr val="tx1"/>
         </a:solidFill>
@@ -449,8 +449,8 @@
         <a:cs typeface="+mn-cs"/>
       </a:defRPr>
     </a:lvl5pPr>
-    <a:lvl6pPr marL="2286000" algn="l" defTabSz="914400" rtl="0" eaLnBrk="1" latinLnBrk="0" hangingPunct="1">
-      <a:defRPr kumimoji="1" sz="1200" kern="1200">
+    <a:lvl6pPr marL="3200400" algn="l" defTabSz="1280160" rtl="0" eaLnBrk="1" latinLnBrk="0" hangingPunct="1">
+      <a:defRPr kumimoji="1" sz="1700" kern="1200">
         <a:solidFill>
           <a:schemeClr val="tx1"/>
         </a:solidFill>
@@ -459,8 +459,8 @@
         <a:cs typeface="+mn-cs"/>
       </a:defRPr>
     </a:lvl6pPr>
-    <a:lvl7pPr marL="2743200" algn="l" defTabSz="914400" rtl="0" eaLnBrk="1" latinLnBrk="0" hangingPunct="1">
-      <a:defRPr kumimoji="1" sz="1200" kern="1200">
+    <a:lvl7pPr marL="3840480" algn="l" defTabSz="1280160" rtl="0" eaLnBrk="1" latinLnBrk="0" hangingPunct="1">
+      <a:defRPr kumimoji="1" sz="1700" kern="1200">
         <a:solidFill>
           <a:schemeClr val="tx1"/>
         </a:solidFill>
@@ -469,8 +469,8 @@
         <a:cs typeface="+mn-cs"/>
       </a:defRPr>
     </a:lvl7pPr>
-    <a:lvl8pPr marL="3200400" algn="l" defTabSz="914400" rtl="0" eaLnBrk="1" latinLnBrk="0" hangingPunct="1">
-      <a:defRPr kumimoji="1" sz="1200" kern="1200">
+    <a:lvl8pPr marL="4480560" algn="l" defTabSz="1280160" rtl="0" eaLnBrk="1" latinLnBrk="0" hangingPunct="1">
+      <a:defRPr kumimoji="1" sz="1700" kern="1200">
         <a:solidFill>
           <a:schemeClr val="tx1"/>
         </a:solidFill>
@@ -479,8 +479,8 @@
         <a:cs typeface="+mn-cs"/>
       </a:defRPr>
     </a:lvl8pPr>
-    <a:lvl9pPr marL="3657600" algn="l" defTabSz="914400" rtl="0" eaLnBrk="1" latinLnBrk="0" hangingPunct="1">
-      <a:defRPr kumimoji="1" sz="1200" kern="1200">
+    <a:lvl9pPr marL="5120640" algn="l" defTabSz="1280160" rtl="0" eaLnBrk="1" latinLnBrk="0" hangingPunct="1">
+      <a:defRPr kumimoji="1" sz="1700" kern="1200">
         <a:solidFill>
           <a:schemeClr val="tx1"/>
         </a:solidFill>
@@ -522,8 +522,8 @@
         </p:nvSpPr>
         <p:spPr>
           <a:xfrm>
-            <a:off x="514350" y="2840568"/>
-            <a:ext cx="5829300" cy="1960033"/>
+            <a:off x="720090" y="3976796"/>
+            <a:ext cx="8161020" cy="2744046"/>
           </a:xfrm>
         </p:spPr>
         <p:txBody>
@@ -550,8 +550,8 @@
         </p:nvSpPr>
         <p:spPr>
           <a:xfrm>
-            <a:off x="1028700" y="5181600"/>
-            <a:ext cx="4800600" cy="2336800"/>
+            <a:off x="1440180" y="7254240"/>
+            <a:ext cx="6720840" cy="3271520"/>
           </a:xfrm>
         </p:spPr>
         <p:txBody>
@@ -567,7 +567,7 @@
                 </a:solidFill>
               </a:defRPr>
             </a:lvl1pPr>
-            <a:lvl2pPr marL="457200" indent="0" algn="ctr">
+            <a:lvl2pPr marL="640080" indent="0" algn="ctr">
               <a:buNone/>
               <a:defRPr>
                 <a:solidFill>
@@ -577,7 +577,7 @@
                 </a:solidFill>
               </a:defRPr>
             </a:lvl2pPr>
-            <a:lvl3pPr marL="914400" indent="0" algn="ctr">
+            <a:lvl3pPr marL="1280160" indent="0" algn="ctr">
               <a:buNone/>
               <a:defRPr>
                 <a:solidFill>
@@ -587,7 +587,7 @@
                 </a:solidFill>
               </a:defRPr>
             </a:lvl3pPr>
-            <a:lvl4pPr marL="1371600" indent="0" algn="ctr">
+            <a:lvl4pPr marL="1920240" indent="0" algn="ctr">
               <a:buNone/>
               <a:defRPr>
                 <a:solidFill>
@@ -597,7 +597,7 @@
                 </a:solidFill>
               </a:defRPr>
             </a:lvl4pPr>
-            <a:lvl5pPr marL="1828800" indent="0" algn="ctr">
+            <a:lvl5pPr marL="2560320" indent="0" algn="ctr">
               <a:buNone/>
               <a:defRPr>
                 <a:solidFill>
@@ -607,7 +607,7 @@
                 </a:solidFill>
               </a:defRPr>
             </a:lvl5pPr>
-            <a:lvl6pPr marL="2286000" indent="0" algn="ctr">
+            <a:lvl6pPr marL="3200400" indent="0" algn="ctr">
               <a:buNone/>
               <a:defRPr>
                 <a:solidFill>
@@ -617,7 +617,7 @@
                 </a:solidFill>
               </a:defRPr>
             </a:lvl6pPr>
-            <a:lvl7pPr marL="2743200" indent="0" algn="ctr">
+            <a:lvl7pPr marL="3840480" indent="0" algn="ctr">
               <a:buNone/>
               <a:defRPr>
                 <a:solidFill>
@@ -627,7 +627,7 @@
                 </a:solidFill>
               </a:defRPr>
             </a:lvl7pPr>
-            <a:lvl8pPr marL="3200400" indent="0" algn="ctr">
+            <a:lvl8pPr marL="4480560" indent="0" algn="ctr">
               <a:buNone/>
               <a:defRPr>
                 <a:solidFill>
@@ -637,7 +637,7 @@
                 </a:solidFill>
               </a:defRPr>
             </a:lvl8pPr>
-            <a:lvl9pPr marL="3657600" indent="0" algn="ctr">
+            <a:lvl9pPr marL="5120640" indent="0" algn="ctr">
               <a:buNone/>
               <a:defRPr>
                 <a:solidFill>
@@ -966,8 +966,8 @@
         </p:nvSpPr>
         <p:spPr>
           <a:xfrm>
-            <a:off x="3729037" y="488951"/>
-            <a:ext cx="1157288" cy="10401300"/>
+            <a:off x="5220652" y="684531"/>
+            <a:ext cx="1620203" cy="14561820"/>
           </a:xfrm>
         </p:spPr>
         <p:txBody>
@@ -994,8 +994,8 @@
         </p:nvSpPr>
         <p:spPr>
           <a:xfrm>
-            <a:off x="257175" y="488951"/>
-            <a:ext cx="3357563" cy="10401300"/>
+            <a:off x="360046" y="684531"/>
+            <a:ext cx="4700588" cy="14561820"/>
           </a:xfrm>
         </p:spPr>
         <p:txBody>
@@ -1380,15 +1380,15 @@
         </p:nvSpPr>
         <p:spPr>
           <a:xfrm>
-            <a:off x="541735" y="5875867"/>
-            <a:ext cx="5829300" cy="1816100"/>
+            <a:off x="758429" y="8226214"/>
+            <a:ext cx="8161020" cy="2542540"/>
           </a:xfrm>
         </p:spPr>
         <p:txBody>
           <a:bodyPr anchor="t"/>
           <a:lstStyle>
             <a:lvl1pPr algn="l">
-              <a:defRPr sz="4000" b="1" cap="all"/>
+              <a:defRPr sz="5600" b="1" cap="all"/>
             </a:lvl1pPr>
           </a:lstStyle>
           <a:p>
@@ -1412,14 +1412,44 @@
         </p:nvSpPr>
         <p:spPr>
           <a:xfrm>
-            <a:off x="541735" y="3875618"/>
-            <a:ext cx="5829300" cy="2000249"/>
+            <a:off x="758429" y="5425866"/>
+            <a:ext cx="8161020" cy="2800349"/>
           </a:xfrm>
         </p:spPr>
         <p:txBody>
           <a:bodyPr anchor="b"/>
           <a:lstStyle>
             <a:lvl1pPr marL="0" indent="0">
+              <a:buNone/>
+              <a:defRPr sz="2800">
+                <a:solidFill>
+                  <a:schemeClr val="tx1">
+                    <a:tint val="75000"/>
+                  </a:schemeClr>
+                </a:solidFill>
+              </a:defRPr>
+            </a:lvl1pPr>
+            <a:lvl2pPr marL="640080" indent="0">
+              <a:buNone/>
+              <a:defRPr sz="2500">
+                <a:solidFill>
+                  <a:schemeClr val="tx1">
+                    <a:tint val="75000"/>
+                  </a:schemeClr>
+                </a:solidFill>
+              </a:defRPr>
+            </a:lvl2pPr>
+            <a:lvl3pPr marL="1280160" indent="0">
+              <a:buNone/>
+              <a:defRPr sz="2200">
+                <a:solidFill>
+                  <a:schemeClr val="tx1">
+                    <a:tint val="75000"/>
+                  </a:schemeClr>
+                </a:solidFill>
+              </a:defRPr>
+            </a:lvl3pPr>
+            <a:lvl4pPr marL="1920240" indent="0">
               <a:buNone/>
               <a:defRPr sz="2000">
                 <a:solidFill>
@@ -1428,40 +1458,10 @@
                   </a:schemeClr>
                 </a:solidFill>
               </a:defRPr>
-            </a:lvl1pPr>
-            <a:lvl2pPr marL="457200" indent="0">
+            </a:lvl4pPr>
+            <a:lvl5pPr marL="2560320" indent="0">
               <a:buNone/>
-              <a:defRPr sz="1800">
-                <a:solidFill>
-                  <a:schemeClr val="tx1">
-                    <a:tint val="75000"/>
-                  </a:schemeClr>
-                </a:solidFill>
-              </a:defRPr>
-            </a:lvl2pPr>
-            <a:lvl3pPr marL="914400" indent="0">
-              <a:buNone/>
-              <a:defRPr sz="1600">
-                <a:solidFill>
-                  <a:schemeClr val="tx1">
-                    <a:tint val="75000"/>
-                  </a:schemeClr>
-                </a:solidFill>
-              </a:defRPr>
-            </a:lvl3pPr>
-            <a:lvl4pPr marL="1371600" indent="0">
-              <a:buNone/>
-              <a:defRPr sz="1400">
-                <a:solidFill>
-                  <a:schemeClr val="tx1">
-                    <a:tint val="75000"/>
-                  </a:schemeClr>
-                </a:solidFill>
-              </a:defRPr>
-            </a:lvl4pPr>
-            <a:lvl5pPr marL="1828800" indent="0">
-              <a:buNone/>
-              <a:defRPr sz="1400">
+              <a:defRPr sz="2000">
                 <a:solidFill>
                   <a:schemeClr val="tx1">
                     <a:tint val="75000"/>
@@ -1469,9 +1469,9 @@
                 </a:solidFill>
               </a:defRPr>
             </a:lvl5pPr>
-            <a:lvl6pPr marL="2286000" indent="0">
+            <a:lvl6pPr marL="3200400" indent="0">
               <a:buNone/>
-              <a:defRPr sz="1400">
+              <a:defRPr sz="2000">
                 <a:solidFill>
                   <a:schemeClr val="tx1">
                     <a:tint val="75000"/>
@@ -1479,9 +1479,9 @@
                 </a:solidFill>
               </a:defRPr>
             </a:lvl6pPr>
-            <a:lvl7pPr marL="2743200" indent="0">
+            <a:lvl7pPr marL="3840480" indent="0">
               <a:buNone/>
-              <a:defRPr sz="1400">
+              <a:defRPr sz="2000">
                 <a:solidFill>
                   <a:schemeClr val="tx1">
                     <a:tint val="75000"/>
@@ -1489,9 +1489,9 @@
                 </a:solidFill>
               </a:defRPr>
             </a:lvl7pPr>
-            <a:lvl8pPr marL="3200400" indent="0">
+            <a:lvl8pPr marL="4480560" indent="0">
               <a:buNone/>
-              <a:defRPr sz="1400">
+              <a:defRPr sz="2000">
                 <a:solidFill>
                   <a:schemeClr val="tx1">
                     <a:tint val="75000"/>
@@ -1499,9 +1499,9 @@
                 </a:solidFill>
               </a:defRPr>
             </a:lvl8pPr>
-            <a:lvl9pPr marL="3657600" indent="0">
+            <a:lvl9pPr marL="5120640" indent="0">
               <a:buNone/>
-              <a:defRPr sz="1400">
+              <a:defRPr sz="2000">
                 <a:solidFill>
                   <a:schemeClr val="tx1">
                     <a:tint val="75000"/>
@@ -1649,39 +1649,39 @@
         </p:nvSpPr>
         <p:spPr>
           <a:xfrm>
-            <a:off x="257175" y="2844800"/>
-            <a:ext cx="2257425" cy="8045451"/>
+            <a:off x="360046" y="3982721"/>
+            <a:ext cx="3160395" cy="11263631"/>
           </a:xfrm>
         </p:spPr>
         <p:txBody>
           <a:bodyPr/>
           <a:lstStyle>
             <a:lvl1pPr>
-              <a:defRPr sz="2800"/>
+              <a:defRPr sz="3900"/>
             </a:lvl1pPr>
             <a:lvl2pPr>
-              <a:defRPr sz="2400"/>
+              <a:defRPr sz="3400"/>
             </a:lvl2pPr>
             <a:lvl3pPr>
-              <a:defRPr sz="2000"/>
+              <a:defRPr sz="2800"/>
             </a:lvl3pPr>
             <a:lvl4pPr>
-              <a:defRPr sz="1800"/>
+              <a:defRPr sz="2500"/>
             </a:lvl4pPr>
             <a:lvl5pPr>
-              <a:defRPr sz="1800"/>
+              <a:defRPr sz="2500"/>
             </a:lvl5pPr>
             <a:lvl6pPr>
-              <a:defRPr sz="1800"/>
+              <a:defRPr sz="2500"/>
             </a:lvl6pPr>
             <a:lvl7pPr>
-              <a:defRPr sz="1800"/>
+              <a:defRPr sz="2500"/>
             </a:lvl7pPr>
             <a:lvl8pPr>
-              <a:defRPr sz="1800"/>
+              <a:defRPr sz="2500"/>
             </a:lvl8pPr>
             <a:lvl9pPr>
-              <a:defRPr sz="1800"/>
+              <a:defRPr sz="2500"/>
             </a:lvl9pPr>
           </a:lstStyle>
           <a:p>
@@ -1766,39 +1766,39 @@
         </p:nvSpPr>
         <p:spPr>
           <a:xfrm>
-            <a:off x="2628900" y="2844800"/>
-            <a:ext cx="2257425" cy="8045451"/>
+            <a:off x="3680461" y="3982721"/>
+            <a:ext cx="3160395" cy="11263631"/>
           </a:xfrm>
         </p:spPr>
         <p:txBody>
           <a:bodyPr/>
           <a:lstStyle>
             <a:lvl1pPr>
-              <a:defRPr sz="2800"/>
+              <a:defRPr sz="3900"/>
             </a:lvl1pPr>
             <a:lvl2pPr>
-              <a:defRPr sz="2400"/>
+              <a:defRPr sz="3400"/>
             </a:lvl2pPr>
             <a:lvl3pPr>
-              <a:defRPr sz="2000"/>
+              <a:defRPr sz="2800"/>
             </a:lvl3pPr>
             <a:lvl4pPr>
-              <a:defRPr sz="1800"/>
+              <a:defRPr sz="2500"/>
             </a:lvl4pPr>
             <a:lvl5pPr>
-              <a:defRPr sz="1800"/>
+              <a:defRPr sz="2500"/>
             </a:lvl5pPr>
             <a:lvl6pPr>
-              <a:defRPr sz="1800"/>
+              <a:defRPr sz="2500"/>
             </a:lvl6pPr>
             <a:lvl7pPr>
-              <a:defRPr sz="1800"/>
+              <a:defRPr sz="2500"/>
             </a:lvl7pPr>
             <a:lvl8pPr>
-              <a:defRPr sz="1800"/>
+              <a:defRPr sz="2500"/>
             </a:lvl8pPr>
             <a:lvl9pPr>
-              <a:defRPr sz="1800"/>
+              <a:defRPr sz="2500"/>
             </a:lvl9pPr>
           </a:lstStyle>
           <a:p>
@@ -1978,8 +1978,8 @@
         </p:nvSpPr>
         <p:spPr>
           <a:xfrm>
-            <a:off x="342900" y="366184"/>
-            <a:ext cx="6172200" cy="1524000"/>
+            <a:off x="480060" y="512658"/>
+            <a:ext cx="8641080" cy="2133600"/>
           </a:xfrm>
         </p:spPr>
         <p:txBody>
@@ -2010,8 +2010,8 @@
         </p:nvSpPr>
         <p:spPr>
           <a:xfrm>
-            <a:off x="342900" y="2046817"/>
-            <a:ext cx="3030141" cy="853016"/>
+            <a:off x="480061" y="2865544"/>
+            <a:ext cx="4242197" cy="1194222"/>
           </a:xfrm>
         </p:spPr>
         <p:txBody>
@@ -2019,39 +2019,39 @@
           <a:lstStyle>
             <a:lvl1pPr marL="0" indent="0">
               <a:buNone/>
-              <a:defRPr sz="2400" b="1"/>
+              <a:defRPr sz="3400" b="1"/>
             </a:lvl1pPr>
-            <a:lvl2pPr marL="457200" indent="0">
+            <a:lvl2pPr marL="640080" indent="0">
               <a:buNone/>
-              <a:defRPr sz="2000" b="1"/>
+              <a:defRPr sz="2800" b="1"/>
             </a:lvl2pPr>
-            <a:lvl3pPr marL="914400" indent="0">
+            <a:lvl3pPr marL="1280160" indent="0">
               <a:buNone/>
-              <a:defRPr sz="1800" b="1"/>
+              <a:defRPr sz="2500" b="1"/>
             </a:lvl3pPr>
-            <a:lvl4pPr marL="1371600" indent="0">
+            <a:lvl4pPr marL="1920240" indent="0">
               <a:buNone/>
-              <a:defRPr sz="1600" b="1"/>
+              <a:defRPr sz="2200" b="1"/>
             </a:lvl4pPr>
-            <a:lvl5pPr marL="1828800" indent="0">
+            <a:lvl5pPr marL="2560320" indent="0">
               <a:buNone/>
-              <a:defRPr sz="1600" b="1"/>
+              <a:defRPr sz="2200" b="1"/>
             </a:lvl5pPr>
-            <a:lvl6pPr marL="2286000" indent="0">
+            <a:lvl6pPr marL="3200400" indent="0">
               <a:buNone/>
-              <a:defRPr sz="1600" b="1"/>
+              <a:defRPr sz="2200" b="1"/>
             </a:lvl6pPr>
-            <a:lvl7pPr marL="2743200" indent="0">
+            <a:lvl7pPr marL="3840480" indent="0">
               <a:buNone/>
-              <a:defRPr sz="1600" b="1"/>
+              <a:defRPr sz="2200" b="1"/>
             </a:lvl7pPr>
-            <a:lvl8pPr marL="3200400" indent="0">
+            <a:lvl8pPr marL="4480560" indent="0">
               <a:buNone/>
-              <a:defRPr sz="1600" b="1"/>
+              <a:defRPr sz="2200" b="1"/>
             </a:lvl8pPr>
-            <a:lvl9pPr marL="3657600" indent="0">
+            <a:lvl9pPr marL="5120640" indent="0">
               <a:buNone/>
-              <a:defRPr sz="1600" b="1"/>
+              <a:defRPr sz="2200" b="1"/>
             </a:lvl9pPr>
           </a:lstStyle>
           <a:p>
@@ -2075,39 +2075,39 @@
         </p:nvSpPr>
         <p:spPr>
           <a:xfrm>
-            <a:off x="342900" y="2899833"/>
-            <a:ext cx="3030141" cy="5268384"/>
+            <a:off x="480061" y="4059766"/>
+            <a:ext cx="4242197" cy="7375738"/>
           </a:xfrm>
         </p:spPr>
         <p:txBody>
           <a:bodyPr/>
           <a:lstStyle>
             <a:lvl1pPr>
-              <a:defRPr sz="2400"/>
+              <a:defRPr sz="3400"/>
             </a:lvl1pPr>
             <a:lvl2pPr>
-              <a:defRPr sz="2000"/>
+              <a:defRPr sz="2800"/>
             </a:lvl2pPr>
             <a:lvl3pPr>
-              <a:defRPr sz="1800"/>
+              <a:defRPr sz="2500"/>
             </a:lvl3pPr>
             <a:lvl4pPr>
-              <a:defRPr sz="1600"/>
+              <a:defRPr sz="2200"/>
             </a:lvl4pPr>
             <a:lvl5pPr>
-              <a:defRPr sz="1600"/>
+              <a:defRPr sz="2200"/>
             </a:lvl5pPr>
             <a:lvl6pPr>
-              <a:defRPr sz="1600"/>
+              <a:defRPr sz="2200"/>
             </a:lvl6pPr>
             <a:lvl7pPr>
-              <a:defRPr sz="1600"/>
+              <a:defRPr sz="2200"/>
             </a:lvl7pPr>
             <a:lvl8pPr>
-              <a:defRPr sz="1600"/>
+              <a:defRPr sz="2200"/>
             </a:lvl8pPr>
             <a:lvl9pPr>
-              <a:defRPr sz="1600"/>
+              <a:defRPr sz="2200"/>
             </a:lvl9pPr>
           </a:lstStyle>
           <a:p>
@@ -2192,8 +2192,8 @@
         </p:nvSpPr>
         <p:spPr>
           <a:xfrm>
-            <a:off x="3483769" y="2046817"/>
-            <a:ext cx="3031331" cy="853016"/>
+            <a:off x="4877278" y="2865544"/>
+            <a:ext cx="4243863" cy="1194222"/>
           </a:xfrm>
         </p:spPr>
         <p:txBody>
@@ -2201,39 +2201,39 @@
           <a:lstStyle>
             <a:lvl1pPr marL="0" indent="0">
               <a:buNone/>
-              <a:defRPr sz="2400" b="1"/>
+              <a:defRPr sz="3400" b="1"/>
             </a:lvl1pPr>
-            <a:lvl2pPr marL="457200" indent="0">
+            <a:lvl2pPr marL="640080" indent="0">
               <a:buNone/>
-              <a:defRPr sz="2000" b="1"/>
+              <a:defRPr sz="2800" b="1"/>
             </a:lvl2pPr>
-            <a:lvl3pPr marL="914400" indent="0">
+            <a:lvl3pPr marL="1280160" indent="0">
               <a:buNone/>
-              <a:defRPr sz="1800" b="1"/>
+              <a:defRPr sz="2500" b="1"/>
             </a:lvl3pPr>
-            <a:lvl4pPr marL="1371600" indent="0">
+            <a:lvl4pPr marL="1920240" indent="0">
               <a:buNone/>
-              <a:defRPr sz="1600" b="1"/>
+              <a:defRPr sz="2200" b="1"/>
             </a:lvl4pPr>
-            <a:lvl5pPr marL="1828800" indent="0">
+            <a:lvl5pPr marL="2560320" indent="0">
               <a:buNone/>
-              <a:defRPr sz="1600" b="1"/>
+              <a:defRPr sz="2200" b="1"/>
             </a:lvl5pPr>
-            <a:lvl6pPr marL="2286000" indent="0">
+            <a:lvl6pPr marL="3200400" indent="0">
               <a:buNone/>
-              <a:defRPr sz="1600" b="1"/>
+              <a:defRPr sz="2200" b="1"/>
             </a:lvl6pPr>
-            <a:lvl7pPr marL="2743200" indent="0">
+            <a:lvl7pPr marL="3840480" indent="0">
               <a:buNone/>
-              <a:defRPr sz="1600" b="1"/>
+              <a:defRPr sz="2200" b="1"/>
             </a:lvl7pPr>
-            <a:lvl8pPr marL="3200400" indent="0">
+            <a:lvl8pPr marL="4480560" indent="0">
               <a:buNone/>
-              <a:defRPr sz="1600" b="1"/>
+              <a:defRPr sz="2200" b="1"/>
             </a:lvl8pPr>
-            <a:lvl9pPr marL="3657600" indent="0">
+            <a:lvl9pPr marL="5120640" indent="0">
               <a:buNone/>
-              <a:defRPr sz="1600" b="1"/>
+              <a:defRPr sz="2200" b="1"/>
             </a:lvl9pPr>
           </a:lstStyle>
           <a:p>
@@ -2257,39 +2257,39 @@
         </p:nvSpPr>
         <p:spPr>
           <a:xfrm>
-            <a:off x="3483769" y="2899833"/>
-            <a:ext cx="3031331" cy="5268384"/>
+            <a:off x="4877278" y="4059766"/>
+            <a:ext cx="4243863" cy="7375738"/>
           </a:xfrm>
         </p:spPr>
         <p:txBody>
           <a:bodyPr/>
           <a:lstStyle>
             <a:lvl1pPr>
-              <a:defRPr sz="2400"/>
+              <a:defRPr sz="3400"/>
             </a:lvl1pPr>
             <a:lvl2pPr>
-              <a:defRPr sz="2000"/>
+              <a:defRPr sz="2800"/>
             </a:lvl2pPr>
             <a:lvl3pPr>
-              <a:defRPr sz="1800"/>
+              <a:defRPr sz="2500"/>
             </a:lvl3pPr>
             <a:lvl4pPr>
-              <a:defRPr sz="1600"/>
+              <a:defRPr sz="2200"/>
             </a:lvl4pPr>
             <a:lvl5pPr>
-              <a:defRPr sz="1600"/>
+              <a:defRPr sz="2200"/>
             </a:lvl5pPr>
             <a:lvl6pPr>
-              <a:defRPr sz="1600"/>
+              <a:defRPr sz="2200"/>
             </a:lvl6pPr>
             <a:lvl7pPr>
-              <a:defRPr sz="1600"/>
+              <a:defRPr sz="2200"/>
             </a:lvl7pPr>
             <a:lvl8pPr>
-              <a:defRPr sz="1600"/>
+              <a:defRPr sz="2200"/>
             </a:lvl8pPr>
             <a:lvl9pPr>
-              <a:defRPr sz="1600"/>
+              <a:defRPr sz="2200"/>
             </a:lvl9pPr>
           </a:lstStyle>
           <a:p>
@@ -2682,15 +2682,15 @@
         </p:nvSpPr>
         <p:spPr>
           <a:xfrm>
-            <a:off x="342900" y="364067"/>
-            <a:ext cx="2256235" cy="1549400"/>
+            <a:off x="480061" y="509694"/>
+            <a:ext cx="3158729" cy="2169160"/>
           </a:xfrm>
         </p:spPr>
         <p:txBody>
           <a:bodyPr anchor="b"/>
           <a:lstStyle>
             <a:lvl1pPr algn="l">
-              <a:defRPr sz="2000" b="1"/>
+              <a:defRPr sz="2800" b="1"/>
             </a:lvl1pPr>
           </a:lstStyle>
           <a:p>
@@ -2714,39 +2714,39 @@
         </p:nvSpPr>
         <p:spPr>
           <a:xfrm>
-            <a:off x="2681287" y="364067"/>
-            <a:ext cx="3833813" cy="7804151"/>
+            <a:off x="3753803" y="509695"/>
+            <a:ext cx="5367338" cy="10925811"/>
           </a:xfrm>
         </p:spPr>
         <p:txBody>
           <a:bodyPr/>
           <a:lstStyle>
             <a:lvl1pPr>
-              <a:defRPr sz="3200"/>
+              <a:defRPr sz="4500"/>
             </a:lvl1pPr>
             <a:lvl2pPr>
-              <a:defRPr sz="2800"/>
+              <a:defRPr sz="3900"/>
             </a:lvl2pPr>
             <a:lvl3pPr>
-              <a:defRPr sz="2400"/>
+              <a:defRPr sz="3400"/>
             </a:lvl3pPr>
             <a:lvl4pPr>
-              <a:defRPr sz="2000"/>
+              <a:defRPr sz="2800"/>
             </a:lvl4pPr>
             <a:lvl5pPr>
-              <a:defRPr sz="2000"/>
+              <a:defRPr sz="2800"/>
             </a:lvl5pPr>
             <a:lvl6pPr>
-              <a:defRPr sz="2000"/>
+              <a:defRPr sz="2800"/>
             </a:lvl6pPr>
             <a:lvl7pPr>
-              <a:defRPr sz="2000"/>
+              <a:defRPr sz="2800"/>
             </a:lvl7pPr>
             <a:lvl8pPr>
-              <a:defRPr sz="2000"/>
+              <a:defRPr sz="2800"/>
             </a:lvl8pPr>
             <a:lvl9pPr>
-              <a:defRPr sz="2000"/>
+              <a:defRPr sz="2800"/>
             </a:lvl9pPr>
           </a:lstStyle>
           <a:p>
@@ -2831,8 +2831,8 @@
         </p:nvSpPr>
         <p:spPr>
           <a:xfrm>
-            <a:off x="342900" y="1913467"/>
-            <a:ext cx="2256235" cy="6254751"/>
+            <a:off x="480061" y="2678855"/>
+            <a:ext cx="3158729" cy="8756651"/>
           </a:xfrm>
         </p:spPr>
         <p:txBody>
@@ -2840,39 +2840,39 @@
           <a:lstStyle>
             <a:lvl1pPr marL="0" indent="0">
               <a:buNone/>
+              <a:defRPr sz="2000"/>
+            </a:lvl1pPr>
+            <a:lvl2pPr marL="640080" indent="0">
+              <a:buNone/>
+              <a:defRPr sz="1700"/>
+            </a:lvl2pPr>
+            <a:lvl3pPr marL="1280160" indent="0">
+              <a:buNone/>
               <a:defRPr sz="1400"/>
-            </a:lvl1pPr>
-            <a:lvl2pPr marL="457200" indent="0">
+            </a:lvl3pPr>
+            <a:lvl4pPr marL="1920240" indent="0">
               <a:buNone/>
-              <a:defRPr sz="1200"/>
-            </a:lvl2pPr>
-            <a:lvl3pPr marL="914400" indent="0">
+              <a:defRPr sz="1300"/>
+            </a:lvl4pPr>
+            <a:lvl5pPr marL="2560320" indent="0">
               <a:buNone/>
-              <a:defRPr sz="1000"/>
-            </a:lvl3pPr>
-            <a:lvl4pPr marL="1371600" indent="0">
+              <a:defRPr sz="1300"/>
+            </a:lvl5pPr>
+            <a:lvl6pPr marL="3200400" indent="0">
               <a:buNone/>
-              <a:defRPr sz="900"/>
-            </a:lvl4pPr>
-            <a:lvl5pPr marL="1828800" indent="0">
+              <a:defRPr sz="1300"/>
+            </a:lvl6pPr>
+            <a:lvl7pPr marL="3840480" indent="0">
               <a:buNone/>
-              <a:defRPr sz="900"/>
-            </a:lvl5pPr>
-            <a:lvl6pPr marL="2286000" indent="0">
+              <a:defRPr sz="1300"/>
+            </a:lvl7pPr>
+            <a:lvl8pPr marL="4480560" indent="0">
               <a:buNone/>
-              <a:defRPr sz="900"/>
-            </a:lvl6pPr>
-            <a:lvl7pPr marL="2743200" indent="0">
+              <a:defRPr sz="1300"/>
+            </a:lvl8pPr>
+            <a:lvl9pPr marL="5120640" indent="0">
               <a:buNone/>
-              <a:defRPr sz="900"/>
-            </a:lvl7pPr>
-            <a:lvl8pPr marL="3200400" indent="0">
-              <a:buNone/>
-              <a:defRPr sz="900"/>
-            </a:lvl8pPr>
-            <a:lvl9pPr marL="3657600" indent="0">
-              <a:buNone/>
-              <a:defRPr sz="900"/>
+              <a:defRPr sz="1300"/>
             </a:lvl9pPr>
           </a:lstStyle>
           <a:p>
@@ -2991,15 +2991,15 @@
         </p:nvSpPr>
         <p:spPr>
           <a:xfrm>
-            <a:off x="1344216" y="6400800"/>
-            <a:ext cx="4114800" cy="755651"/>
+            <a:off x="1881902" y="8961121"/>
+            <a:ext cx="5760720" cy="1057911"/>
           </a:xfrm>
         </p:spPr>
         <p:txBody>
           <a:bodyPr anchor="b"/>
           <a:lstStyle>
             <a:lvl1pPr algn="l">
-              <a:defRPr sz="2000" b="1"/>
+              <a:defRPr sz="2800" b="1"/>
             </a:lvl1pPr>
           </a:lstStyle>
           <a:p>
@@ -3023,8 +3023,8 @@
         </p:nvSpPr>
         <p:spPr>
           <a:xfrm>
-            <a:off x="1344216" y="817033"/>
-            <a:ext cx="4114800" cy="5486400"/>
+            <a:off x="1881902" y="1143846"/>
+            <a:ext cx="5760720" cy="7680960"/>
           </a:xfrm>
         </p:spPr>
         <p:txBody>
@@ -3032,39 +3032,39 @@
           <a:lstStyle>
             <a:lvl1pPr marL="0" indent="0">
               <a:buNone/>
-              <a:defRPr sz="3200"/>
+              <a:defRPr sz="4500"/>
             </a:lvl1pPr>
-            <a:lvl2pPr marL="457200" indent="0">
+            <a:lvl2pPr marL="640080" indent="0">
+              <a:buNone/>
+              <a:defRPr sz="3900"/>
+            </a:lvl2pPr>
+            <a:lvl3pPr marL="1280160" indent="0">
+              <a:buNone/>
+              <a:defRPr sz="3400"/>
+            </a:lvl3pPr>
+            <a:lvl4pPr marL="1920240" indent="0">
               <a:buNone/>
               <a:defRPr sz="2800"/>
-            </a:lvl2pPr>
-            <a:lvl3pPr marL="914400" indent="0">
+            </a:lvl4pPr>
+            <a:lvl5pPr marL="2560320" indent="0">
               <a:buNone/>
-              <a:defRPr sz="2400"/>
-            </a:lvl3pPr>
-            <a:lvl4pPr marL="1371600" indent="0">
+              <a:defRPr sz="2800"/>
+            </a:lvl5pPr>
+            <a:lvl6pPr marL="3200400" indent="0">
               <a:buNone/>
-              <a:defRPr sz="2000"/>
-            </a:lvl4pPr>
-            <a:lvl5pPr marL="1828800" indent="0">
+              <a:defRPr sz="2800"/>
+            </a:lvl6pPr>
+            <a:lvl7pPr marL="3840480" indent="0">
               <a:buNone/>
-              <a:defRPr sz="2000"/>
-            </a:lvl5pPr>
-            <a:lvl6pPr marL="2286000" indent="0">
+              <a:defRPr sz="2800"/>
+            </a:lvl7pPr>
+            <a:lvl8pPr marL="4480560" indent="0">
               <a:buNone/>
-              <a:defRPr sz="2000"/>
-            </a:lvl6pPr>
-            <a:lvl7pPr marL="2743200" indent="0">
+              <a:defRPr sz="2800"/>
+            </a:lvl8pPr>
+            <a:lvl9pPr marL="5120640" indent="0">
               <a:buNone/>
-              <a:defRPr sz="2000"/>
-            </a:lvl7pPr>
-            <a:lvl8pPr marL="3200400" indent="0">
-              <a:buNone/>
-              <a:defRPr sz="2000"/>
-            </a:lvl8pPr>
-            <a:lvl9pPr marL="3657600" indent="0">
-              <a:buNone/>
-              <a:defRPr sz="2000"/>
+              <a:defRPr sz="2800"/>
             </a:lvl9pPr>
           </a:lstStyle>
           <a:p>
@@ -3084,8 +3084,8 @@
         </p:nvSpPr>
         <p:spPr>
           <a:xfrm>
-            <a:off x="1344216" y="7156451"/>
-            <a:ext cx="4114800" cy="1073149"/>
+            <a:off x="1881902" y="10019032"/>
+            <a:ext cx="5760720" cy="1502409"/>
           </a:xfrm>
         </p:spPr>
         <p:txBody>
@@ -3093,39 +3093,39 @@
           <a:lstStyle>
             <a:lvl1pPr marL="0" indent="0">
               <a:buNone/>
+              <a:defRPr sz="2000"/>
+            </a:lvl1pPr>
+            <a:lvl2pPr marL="640080" indent="0">
+              <a:buNone/>
+              <a:defRPr sz="1700"/>
+            </a:lvl2pPr>
+            <a:lvl3pPr marL="1280160" indent="0">
+              <a:buNone/>
               <a:defRPr sz="1400"/>
-            </a:lvl1pPr>
-            <a:lvl2pPr marL="457200" indent="0">
+            </a:lvl3pPr>
+            <a:lvl4pPr marL="1920240" indent="0">
               <a:buNone/>
-              <a:defRPr sz="1200"/>
-            </a:lvl2pPr>
-            <a:lvl3pPr marL="914400" indent="0">
+              <a:defRPr sz="1300"/>
+            </a:lvl4pPr>
+            <a:lvl5pPr marL="2560320" indent="0">
               <a:buNone/>
-              <a:defRPr sz="1000"/>
-            </a:lvl3pPr>
-            <a:lvl4pPr marL="1371600" indent="0">
+              <a:defRPr sz="1300"/>
+            </a:lvl5pPr>
+            <a:lvl6pPr marL="3200400" indent="0">
               <a:buNone/>
-              <a:defRPr sz="900"/>
-            </a:lvl4pPr>
-            <a:lvl5pPr marL="1828800" indent="0">
+              <a:defRPr sz="1300"/>
+            </a:lvl6pPr>
+            <a:lvl7pPr marL="3840480" indent="0">
               <a:buNone/>
-              <a:defRPr sz="900"/>
-            </a:lvl5pPr>
-            <a:lvl6pPr marL="2286000" indent="0">
+              <a:defRPr sz="1300"/>
+            </a:lvl7pPr>
+            <a:lvl8pPr marL="4480560" indent="0">
               <a:buNone/>
-              <a:defRPr sz="900"/>
-            </a:lvl6pPr>
-            <a:lvl7pPr marL="2743200" indent="0">
+              <a:defRPr sz="1300"/>
+            </a:lvl8pPr>
+            <a:lvl9pPr marL="5120640" indent="0">
               <a:buNone/>
-              <a:defRPr sz="900"/>
-            </a:lvl7pPr>
-            <a:lvl8pPr marL="3200400" indent="0">
-              <a:buNone/>
-              <a:defRPr sz="900"/>
-            </a:lvl8pPr>
-            <a:lvl9pPr marL="3657600" indent="0">
-              <a:buNone/>
-              <a:defRPr sz="900"/>
+              <a:defRPr sz="1300"/>
             </a:lvl9pPr>
           </a:lstStyle>
           <a:p>
@@ -3279,15 +3279,15 @@
         </p:nvSpPr>
         <p:spPr>
           <a:xfrm>
-            <a:off x="342900" y="366184"/>
-            <a:ext cx="6172200" cy="1524000"/>
+            <a:off x="480060" y="512658"/>
+            <a:ext cx="8641080" cy="2133600"/>
           </a:xfrm>
           <a:prstGeom prst="rect">
             <a:avLst/>
           </a:prstGeom>
         </p:spPr>
         <p:txBody>
-          <a:bodyPr vert="horz" lIns="91440" tIns="45720" rIns="91440" bIns="45720" rtlCol="0" anchor="ctr">
+          <a:bodyPr vert="horz" lIns="128016" tIns="64008" rIns="128016" bIns="64008" rtlCol="0" anchor="ctr">
             <a:normAutofit/>
           </a:bodyPr>
           <a:lstStyle/>
@@ -3312,15 +3312,15 @@
         </p:nvSpPr>
         <p:spPr>
           <a:xfrm>
-            <a:off x="342900" y="2133601"/>
-            <a:ext cx="6172200" cy="6034617"/>
+            <a:off x="480060" y="2987042"/>
+            <a:ext cx="8641080" cy="8448464"/>
           </a:xfrm>
           <a:prstGeom prst="rect">
             <a:avLst/>
           </a:prstGeom>
         </p:spPr>
         <p:txBody>
-          <a:bodyPr vert="horz" lIns="91440" tIns="45720" rIns="91440" bIns="45720" rtlCol="0">
+          <a:bodyPr vert="horz" lIns="128016" tIns="64008" rIns="128016" bIns="64008" rtlCol="0">
             <a:normAutofit/>
           </a:bodyPr>
           <a:lstStyle/>
@@ -3406,18 +3406,18 @@
         </p:nvSpPr>
         <p:spPr>
           <a:xfrm>
-            <a:off x="342900" y="8475134"/>
-            <a:ext cx="1600200" cy="486833"/>
+            <a:off x="480060" y="11865188"/>
+            <a:ext cx="2240280" cy="681566"/>
           </a:xfrm>
           <a:prstGeom prst="rect">
             <a:avLst/>
           </a:prstGeom>
         </p:spPr>
         <p:txBody>
-          <a:bodyPr vert="horz" lIns="91440" tIns="45720" rIns="91440" bIns="45720" rtlCol="0" anchor="ctr"/>
+          <a:bodyPr vert="horz" lIns="128016" tIns="64008" rIns="128016" bIns="64008" rtlCol="0" anchor="ctr"/>
           <a:lstStyle>
             <a:lvl1pPr algn="l">
-              <a:defRPr sz="1200">
+              <a:defRPr sz="1700">
                 <a:solidFill>
                   <a:schemeClr val="tx1">
                     <a:tint val="75000"/>
@@ -3447,18 +3447,18 @@
         </p:nvSpPr>
         <p:spPr>
           <a:xfrm>
-            <a:off x="2343150" y="8475134"/>
-            <a:ext cx="2171700" cy="486833"/>
+            <a:off x="3280410" y="11865188"/>
+            <a:ext cx="3040380" cy="681566"/>
           </a:xfrm>
           <a:prstGeom prst="rect">
             <a:avLst/>
           </a:prstGeom>
         </p:spPr>
         <p:txBody>
-          <a:bodyPr vert="horz" lIns="91440" tIns="45720" rIns="91440" bIns="45720" rtlCol="0" anchor="ctr"/>
+          <a:bodyPr vert="horz" lIns="128016" tIns="64008" rIns="128016" bIns="64008" rtlCol="0" anchor="ctr"/>
           <a:lstStyle>
             <a:lvl1pPr algn="ctr">
-              <a:defRPr sz="1200">
+              <a:defRPr sz="1700">
                 <a:solidFill>
                   <a:schemeClr val="tx1">
                     <a:tint val="75000"/>
@@ -3484,18 +3484,18 @@
         </p:nvSpPr>
         <p:spPr>
           <a:xfrm>
-            <a:off x="4914900" y="8475134"/>
-            <a:ext cx="1600200" cy="486833"/>
+            <a:off x="6880860" y="11865188"/>
+            <a:ext cx="2240280" cy="681566"/>
           </a:xfrm>
           <a:prstGeom prst="rect">
             <a:avLst/>
           </a:prstGeom>
         </p:spPr>
         <p:txBody>
-          <a:bodyPr vert="horz" lIns="91440" tIns="45720" rIns="91440" bIns="45720" rtlCol="0" anchor="ctr"/>
+          <a:bodyPr vert="horz" lIns="128016" tIns="64008" rIns="128016" bIns="64008" rtlCol="0" anchor="ctr"/>
           <a:lstStyle>
             <a:lvl1pPr algn="r">
-              <a:defRPr sz="1200">
+              <a:defRPr sz="1700">
                 <a:solidFill>
                   <a:schemeClr val="tx1">
                     <a:tint val="75000"/>
@@ -3536,12 +3536,12 @@
   </p:sldLayoutIdLst>
   <p:txStyles>
     <p:titleStyle>
-      <a:lvl1pPr algn="ctr" defTabSz="914400" rtl="0" eaLnBrk="1" latinLnBrk="0" hangingPunct="1">
+      <a:lvl1pPr algn="ctr" defTabSz="1280160" rtl="0" eaLnBrk="1" latinLnBrk="0" hangingPunct="1">
         <a:spcBef>
           <a:spcPct val="0"/>
         </a:spcBef>
         <a:buNone/>
-        <a:defRPr kumimoji="1" sz="4400" kern="1200">
+        <a:defRPr kumimoji="1" sz="6200" kern="1200">
           <a:solidFill>
             <a:schemeClr val="tx1"/>
           </a:solidFill>
@@ -3552,13 +3552,13 @@
       </a:lvl1pPr>
     </p:titleStyle>
     <p:bodyStyle>
-      <a:lvl1pPr marL="342900" indent="-342900" algn="l" defTabSz="914400" rtl="0" eaLnBrk="1" latinLnBrk="0" hangingPunct="1">
+      <a:lvl1pPr marL="480060" indent="-480060" algn="l" defTabSz="1280160" rtl="0" eaLnBrk="1" latinLnBrk="0" hangingPunct="1">
         <a:spcBef>
           <a:spcPct val="20000"/>
         </a:spcBef>
         <a:buFont typeface="Arial" panose="020B0604020202020204" pitchFamily="34" charset="0"/>
         <a:buChar char="•"/>
-        <a:defRPr kumimoji="1" sz="3200" kern="1200">
+        <a:defRPr kumimoji="1" sz="4500" kern="1200">
           <a:solidFill>
             <a:schemeClr val="tx1"/>
           </a:solidFill>
@@ -3567,7 +3567,37 @@
           <a:cs typeface="+mn-cs"/>
         </a:defRPr>
       </a:lvl1pPr>
-      <a:lvl2pPr marL="742950" indent="-285750" algn="l" defTabSz="914400" rtl="0" eaLnBrk="1" latinLnBrk="0" hangingPunct="1">
+      <a:lvl2pPr marL="1040130" indent="-400050" algn="l" defTabSz="1280160" rtl="0" eaLnBrk="1" latinLnBrk="0" hangingPunct="1">
+        <a:spcBef>
+          <a:spcPct val="20000"/>
+        </a:spcBef>
+        <a:buFont typeface="Arial" panose="020B0604020202020204" pitchFamily="34" charset="0"/>
+        <a:buChar char="–"/>
+        <a:defRPr kumimoji="1" sz="3900" kern="1200">
+          <a:solidFill>
+            <a:schemeClr val="tx1"/>
+          </a:solidFill>
+          <a:latin typeface="+mn-lt"/>
+          <a:ea typeface="+mn-ea"/>
+          <a:cs typeface="+mn-cs"/>
+        </a:defRPr>
+      </a:lvl2pPr>
+      <a:lvl3pPr marL="1600200" indent="-320040" algn="l" defTabSz="1280160" rtl="0" eaLnBrk="1" latinLnBrk="0" hangingPunct="1">
+        <a:spcBef>
+          <a:spcPct val="20000"/>
+        </a:spcBef>
+        <a:buFont typeface="Arial" panose="020B0604020202020204" pitchFamily="34" charset="0"/>
+        <a:buChar char="•"/>
+        <a:defRPr kumimoji="1" sz="3400" kern="1200">
+          <a:solidFill>
+            <a:schemeClr val="tx1"/>
+          </a:solidFill>
+          <a:latin typeface="+mn-lt"/>
+          <a:ea typeface="+mn-ea"/>
+          <a:cs typeface="+mn-cs"/>
+        </a:defRPr>
+      </a:lvl3pPr>
+      <a:lvl4pPr marL="2240280" indent="-320040" algn="l" defTabSz="1280160" rtl="0" eaLnBrk="1" latinLnBrk="0" hangingPunct="1">
         <a:spcBef>
           <a:spcPct val="20000"/>
         </a:spcBef>
@@ -3581,44 +3611,14 @@
           <a:ea typeface="+mn-ea"/>
           <a:cs typeface="+mn-cs"/>
         </a:defRPr>
-      </a:lvl2pPr>
-      <a:lvl3pPr marL="1143000" indent="-228600" algn="l" defTabSz="914400" rtl="0" eaLnBrk="1" latinLnBrk="0" hangingPunct="1">
-        <a:spcBef>
-          <a:spcPct val="20000"/>
-        </a:spcBef>
-        <a:buFont typeface="Arial" panose="020B0604020202020204" pitchFamily="34" charset="0"/>
-        <a:buChar char="•"/>
-        <a:defRPr kumimoji="1" sz="2400" kern="1200">
-          <a:solidFill>
-            <a:schemeClr val="tx1"/>
-          </a:solidFill>
-          <a:latin typeface="+mn-lt"/>
-          <a:ea typeface="+mn-ea"/>
-          <a:cs typeface="+mn-cs"/>
-        </a:defRPr>
-      </a:lvl3pPr>
-      <a:lvl4pPr marL="1600200" indent="-228600" algn="l" defTabSz="914400" rtl="0" eaLnBrk="1" latinLnBrk="0" hangingPunct="1">
-        <a:spcBef>
-          <a:spcPct val="20000"/>
-        </a:spcBef>
-        <a:buFont typeface="Arial" panose="020B0604020202020204" pitchFamily="34" charset="0"/>
-        <a:buChar char="–"/>
-        <a:defRPr kumimoji="1" sz="2000" kern="1200">
-          <a:solidFill>
-            <a:schemeClr val="tx1"/>
-          </a:solidFill>
-          <a:latin typeface="+mn-lt"/>
-          <a:ea typeface="+mn-ea"/>
-          <a:cs typeface="+mn-cs"/>
-        </a:defRPr>
       </a:lvl4pPr>
-      <a:lvl5pPr marL="2057400" indent="-228600" algn="l" defTabSz="914400" rtl="0" eaLnBrk="1" latinLnBrk="0" hangingPunct="1">
+      <a:lvl5pPr marL="2880360" indent="-320040" algn="l" defTabSz="1280160" rtl="0" eaLnBrk="1" latinLnBrk="0" hangingPunct="1">
         <a:spcBef>
           <a:spcPct val="20000"/>
         </a:spcBef>
         <a:buFont typeface="Arial" panose="020B0604020202020204" pitchFamily="34" charset="0"/>
         <a:buChar char="»"/>
-        <a:defRPr kumimoji="1" sz="2000" kern="1200">
+        <a:defRPr kumimoji="1" sz="2800" kern="1200">
           <a:solidFill>
             <a:schemeClr val="tx1"/>
           </a:solidFill>
@@ -3627,13 +3627,13 @@
           <a:cs typeface="+mn-cs"/>
         </a:defRPr>
       </a:lvl5pPr>
-      <a:lvl6pPr marL="2514600" indent="-228600" algn="l" defTabSz="914400" rtl="0" eaLnBrk="1" latinLnBrk="0" hangingPunct="1">
+      <a:lvl6pPr marL="3520440" indent="-320040" algn="l" defTabSz="1280160" rtl="0" eaLnBrk="1" latinLnBrk="0" hangingPunct="1">
         <a:spcBef>
           <a:spcPct val="20000"/>
         </a:spcBef>
         <a:buFont typeface="Arial" panose="020B0604020202020204" pitchFamily="34" charset="0"/>
         <a:buChar char="•"/>
-        <a:defRPr kumimoji="1" sz="2000" kern="1200">
+        <a:defRPr kumimoji="1" sz="2800" kern="1200">
           <a:solidFill>
             <a:schemeClr val="tx1"/>
           </a:solidFill>
@@ -3642,13 +3642,13 @@
           <a:cs typeface="+mn-cs"/>
         </a:defRPr>
       </a:lvl6pPr>
-      <a:lvl7pPr marL="2971800" indent="-228600" algn="l" defTabSz="914400" rtl="0" eaLnBrk="1" latinLnBrk="0" hangingPunct="1">
+      <a:lvl7pPr marL="4160520" indent="-320040" algn="l" defTabSz="1280160" rtl="0" eaLnBrk="1" latinLnBrk="0" hangingPunct="1">
         <a:spcBef>
           <a:spcPct val="20000"/>
         </a:spcBef>
         <a:buFont typeface="Arial" panose="020B0604020202020204" pitchFamily="34" charset="0"/>
         <a:buChar char="•"/>
-        <a:defRPr kumimoji="1" sz="2000" kern="1200">
+        <a:defRPr kumimoji="1" sz="2800" kern="1200">
           <a:solidFill>
             <a:schemeClr val="tx1"/>
           </a:solidFill>
@@ -3657,13 +3657,13 @@
           <a:cs typeface="+mn-cs"/>
         </a:defRPr>
       </a:lvl7pPr>
-      <a:lvl8pPr marL="3429000" indent="-228600" algn="l" defTabSz="914400" rtl="0" eaLnBrk="1" latinLnBrk="0" hangingPunct="1">
+      <a:lvl8pPr marL="4800600" indent="-320040" algn="l" defTabSz="1280160" rtl="0" eaLnBrk="1" latinLnBrk="0" hangingPunct="1">
         <a:spcBef>
           <a:spcPct val="20000"/>
         </a:spcBef>
         <a:buFont typeface="Arial" panose="020B0604020202020204" pitchFamily="34" charset="0"/>
         <a:buChar char="•"/>
-        <a:defRPr kumimoji="1" sz="2000" kern="1200">
+        <a:defRPr kumimoji="1" sz="2800" kern="1200">
           <a:solidFill>
             <a:schemeClr val="tx1"/>
           </a:solidFill>
@@ -3672,13 +3672,13 @@
           <a:cs typeface="+mn-cs"/>
         </a:defRPr>
       </a:lvl8pPr>
-      <a:lvl9pPr marL="3886200" indent="-228600" algn="l" defTabSz="914400" rtl="0" eaLnBrk="1" latinLnBrk="0" hangingPunct="1">
+      <a:lvl9pPr marL="5440680" indent="-320040" algn="l" defTabSz="1280160" rtl="0" eaLnBrk="1" latinLnBrk="0" hangingPunct="1">
         <a:spcBef>
           <a:spcPct val="20000"/>
         </a:spcBef>
         <a:buFont typeface="Arial" panose="020B0604020202020204" pitchFamily="34" charset="0"/>
         <a:buChar char="•"/>
-        <a:defRPr kumimoji="1" sz="2000" kern="1200">
+        <a:defRPr kumimoji="1" sz="2800" kern="1200">
           <a:solidFill>
             <a:schemeClr val="tx1"/>
           </a:solidFill>
@@ -3692,8 +3692,8 @@
       <a:defPPr>
         <a:defRPr lang="ja-JP"/>
       </a:defPPr>
-      <a:lvl1pPr marL="0" algn="l" defTabSz="914400" rtl="0" eaLnBrk="1" latinLnBrk="0" hangingPunct="1">
-        <a:defRPr kumimoji="1" sz="1800" kern="1200">
+      <a:lvl1pPr marL="0" algn="l" defTabSz="1280160" rtl="0" eaLnBrk="1" latinLnBrk="0" hangingPunct="1">
+        <a:defRPr kumimoji="1" sz="2500" kern="1200">
           <a:solidFill>
             <a:schemeClr val="tx1"/>
           </a:solidFill>
@@ -3702,8 +3702,8 @@
           <a:cs typeface="+mn-cs"/>
         </a:defRPr>
       </a:lvl1pPr>
-      <a:lvl2pPr marL="457200" algn="l" defTabSz="914400" rtl="0" eaLnBrk="1" latinLnBrk="0" hangingPunct="1">
-        <a:defRPr kumimoji="1" sz="1800" kern="1200">
+      <a:lvl2pPr marL="640080" algn="l" defTabSz="1280160" rtl="0" eaLnBrk="1" latinLnBrk="0" hangingPunct="1">
+        <a:defRPr kumimoji="1" sz="2500" kern="1200">
           <a:solidFill>
             <a:schemeClr val="tx1"/>
           </a:solidFill>
@@ -3712,8 +3712,8 @@
           <a:cs typeface="+mn-cs"/>
         </a:defRPr>
       </a:lvl2pPr>
-      <a:lvl3pPr marL="914400" algn="l" defTabSz="914400" rtl="0" eaLnBrk="1" latinLnBrk="0" hangingPunct="1">
-        <a:defRPr kumimoji="1" sz="1800" kern="1200">
+      <a:lvl3pPr marL="1280160" algn="l" defTabSz="1280160" rtl="0" eaLnBrk="1" latinLnBrk="0" hangingPunct="1">
+        <a:defRPr kumimoji="1" sz="2500" kern="1200">
           <a:solidFill>
             <a:schemeClr val="tx1"/>
           </a:solidFill>
@@ -3722,8 +3722,8 @@
           <a:cs typeface="+mn-cs"/>
         </a:defRPr>
       </a:lvl3pPr>
-      <a:lvl4pPr marL="1371600" algn="l" defTabSz="914400" rtl="0" eaLnBrk="1" latinLnBrk="0" hangingPunct="1">
-        <a:defRPr kumimoji="1" sz="1800" kern="1200">
+      <a:lvl4pPr marL="1920240" algn="l" defTabSz="1280160" rtl="0" eaLnBrk="1" latinLnBrk="0" hangingPunct="1">
+        <a:defRPr kumimoji="1" sz="2500" kern="1200">
           <a:solidFill>
             <a:schemeClr val="tx1"/>
           </a:solidFill>
@@ -3732,8 +3732,8 @@
           <a:cs typeface="+mn-cs"/>
         </a:defRPr>
       </a:lvl4pPr>
-      <a:lvl5pPr marL="1828800" algn="l" defTabSz="914400" rtl="0" eaLnBrk="1" latinLnBrk="0" hangingPunct="1">
-        <a:defRPr kumimoji="1" sz="1800" kern="1200">
+      <a:lvl5pPr marL="2560320" algn="l" defTabSz="1280160" rtl="0" eaLnBrk="1" latinLnBrk="0" hangingPunct="1">
+        <a:defRPr kumimoji="1" sz="2500" kern="1200">
           <a:solidFill>
             <a:schemeClr val="tx1"/>
           </a:solidFill>
@@ -3742,8 +3742,8 @@
           <a:cs typeface="+mn-cs"/>
         </a:defRPr>
       </a:lvl5pPr>
-      <a:lvl6pPr marL="2286000" algn="l" defTabSz="914400" rtl="0" eaLnBrk="1" latinLnBrk="0" hangingPunct="1">
-        <a:defRPr kumimoji="1" sz="1800" kern="1200">
+      <a:lvl6pPr marL="3200400" algn="l" defTabSz="1280160" rtl="0" eaLnBrk="1" latinLnBrk="0" hangingPunct="1">
+        <a:defRPr kumimoji="1" sz="2500" kern="1200">
           <a:solidFill>
             <a:schemeClr val="tx1"/>
           </a:solidFill>
@@ -3752,8 +3752,8 @@
           <a:cs typeface="+mn-cs"/>
         </a:defRPr>
       </a:lvl6pPr>
-      <a:lvl7pPr marL="2743200" algn="l" defTabSz="914400" rtl="0" eaLnBrk="1" latinLnBrk="0" hangingPunct="1">
-        <a:defRPr kumimoji="1" sz="1800" kern="1200">
+      <a:lvl7pPr marL="3840480" algn="l" defTabSz="1280160" rtl="0" eaLnBrk="1" latinLnBrk="0" hangingPunct="1">
+        <a:defRPr kumimoji="1" sz="2500" kern="1200">
           <a:solidFill>
             <a:schemeClr val="tx1"/>
           </a:solidFill>
@@ -3762,8 +3762,8 @@
           <a:cs typeface="+mn-cs"/>
         </a:defRPr>
       </a:lvl7pPr>
-      <a:lvl8pPr marL="3200400" algn="l" defTabSz="914400" rtl="0" eaLnBrk="1" latinLnBrk="0" hangingPunct="1">
-        <a:defRPr kumimoji="1" sz="1800" kern="1200">
+      <a:lvl8pPr marL="4480560" algn="l" defTabSz="1280160" rtl="0" eaLnBrk="1" latinLnBrk="0" hangingPunct="1">
+        <a:defRPr kumimoji="1" sz="2500" kern="1200">
           <a:solidFill>
             <a:schemeClr val="tx1"/>
           </a:solidFill>
@@ -3772,8 +3772,8 @@
           <a:cs typeface="+mn-cs"/>
         </a:defRPr>
       </a:lvl8pPr>
-      <a:lvl9pPr marL="3657600" algn="l" defTabSz="914400" rtl="0" eaLnBrk="1" latinLnBrk="0" hangingPunct="1">
-        <a:defRPr kumimoji="1" sz="1800" kern="1200">
+      <a:lvl9pPr marL="5120640" algn="l" defTabSz="1280160" rtl="0" eaLnBrk="1" latinLnBrk="0" hangingPunct="1">
+        <a:defRPr kumimoji="1" sz="2500" kern="1200">
           <a:solidFill>
             <a:schemeClr val="tx1"/>
           </a:solidFill>
@@ -3812,8 +3812,8 @@
         </p:nvSpPr>
         <p:spPr>
           <a:xfrm>
-            <a:off x="116632" y="1155107"/>
-            <a:ext cx="6631936" cy="7881389"/>
+            <a:off x="163285" y="1617150"/>
+            <a:ext cx="9284710" cy="11033945"/>
           </a:xfrm>
           <a:prstGeom prst="roundRect">
             <a:avLst>
@@ -3847,7 +3847,7 @@
           </a:fontRef>
         </p:style>
         <p:txBody>
-          <a:bodyPr rtlCol="0" anchor="ctr"/>
+          <a:bodyPr lIns="128016" tIns="64008" rIns="128016" bIns="64008" rtlCol="0" anchor="ctr"/>
           <a:lstStyle/>
           <a:p>
             <a:pPr algn="ctr"/>
@@ -3863,8 +3863,8 @@
         </p:nvSpPr>
         <p:spPr>
           <a:xfrm>
-            <a:off x="109432" y="35496"/>
-            <a:ext cx="6631936" cy="1119610"/>
+            <a:off x="153205" y="49694"/>
+            <a:ext cx="9284710" cy="1701596"/>
           </a:xfrm>
           <a:prstGeom prst="horizontalScroll">
             <a:avLst/>
@@ -3896,7 +3896,7 @@
           </a:fontRef>
         </p:style>
         <p:txBody>
-          <a:bodyPr rtlCol="0" anchor="ctr"/>
+          <a:bodyPr lIns="128016" tIns="64008" rIns="128016" bIns="64008" rtlCol="0" anchor="ctr"/>
           <a:lstStyle/>
           <a:p>
             <a:pPr algn="ctr"/>
@@ -3912,8 +3912,8 @@
         </p:nvSpPr>
         <p:spPr>
           <a:xfrm>
-            <a:off x="4683330" y="643529"/>
-            <a:ext cx="2202054" cy="338554"/>
+            <a:off x="6556662" y="1000200"/>
+            <a:ext cx="3082876" cy="498598"/>
           </a:xfrm>
           <a:prstGeom prst="rect">
             <a:avLst/>
@@ -3921,27 +3921,27 @@
           <a:noFill/>
         </p:spPr>
         <p:txBody>
-          <a:bodyPr wrap="square" rtlCol="0">
+          <a:bodyPr wrap="square" lIns="128016" tIns="64008" rIns="128016" bIns="64008" rtlCol="0">
             <a:spAutoFit/>
           </a:bodyPr>
           <a:lstStyle/>
           <a:p>
             <a:pPr algn="ctr"/>
             <a:r>
-              <a:rPr kumimoji="1" lang="en-US" altLang="ja-JP" sz="1600" dirty="0" smtClean="0">
+              <a:rPr lang="en-US" altLang="ja-JP" sz="2400" b="1" dirty="0">
                 <a:latin typeface="小塚ゴシック Pr6N M" pitchFamily="34" charset="-128"/>
                 <a:ea typeface="小塚ゴシック Pr6N M" pitchFamily="34" charset="-128"/>
               </a:rPr>
               <a:t>1142064</a:t>
             </a:r>
             <a:r>
-              <a:rPr kumimoji="1" lang="ja-JP" altLang="en-US" sz="1600" dirty="0" smtClean="0">
+              <a:rPr lang="ja-JP" altLang="en-US" sz="2400" b="1" dirty="0">
                 <a:latin typeface="小塚ゴシック Pr6N M" pitchFamily="34" charset="-128"/>
                 <a:ea typeface="小塚ゴシック Pr6N M" pitchFamily="34" charset="-128"/>
               </a:rPr>
               <a:t>　鈴木淳子</a:t>
             </a:r>
-            <a:endParaRPr kumimoji="1" lang="ja-JP" altLang="en-US" sz="1600" dirty="0">
+            <a:endParaRPr lang="ja-JP" altLang="en-US" sz="2400" b="1" dirty="0">
               <a:latin typeface="小塚ゴシック Pr6N M" pitchFamily="34" charset="-128"/>
               <a:ea typeface="小塚ゴシック Pr6N M" pitchFamily="34" charset="-128"/>
             </a:endParaRPr>
@@ -3956,8 +3956,8 @@
         </p:nvSpPr>
         <p:spPr>
           <a:xfrm>
-            <a:off x="192367" y="212611"/>
-            <a:ext cx="5108841" cy="830997"/>
+            <a:off x="269315" y="297656"/>
+            <a:ext cx="7152377" cy="1237262"/>
           </a:xfrm>
           <a:prstGeom prst="rect">
             <a:avLst/>
@@ -3965,32 +3965,32 @@
           <a:noFill/>
         </p:spPr>
         <p:txBody>
-          <a:bodyPr wrap="square" rtlCol="0">
+          <a:bodyPr wrap="square" lIns="128016" tIns="64008" rIns="128016" bIns="64008" rtlCol="0">
             <a:spAutoFit/>
           </a:bodyPr>
           <a:lstStyle/>
           <a:p>
             <a:r>
-              <a:rPr kumimoji="1" lang="ja-JP" altLang="en-US" sz="2400" dirty="0" smtClean="0">
+              <a:rPr lang="ja-JP" altLang="en-US" sz="3600" dirty="0">
                 <a:latin typeface="小塚ゴシック Pr6N M" pitchFamily="34" charset="-128"/>
                 <a:ea typeface="小塚ゴシック Pr6N M" pitchFamily="34" charset="-128"/>
               </a:rPr>
               <a:t>物語を用いたプロジェクト</a:t>
             </a:r>
-            <a:endParaRPr lang="en-US" altLang="ja-JP" sz="2400" dirty="0">
+            <a:endParaRPr lang="en-US" altLang="ja-JP" sz="3600" dirty="0">
               <a:latin typeface="小塚ゴシック Pr6N M" pitchFamily="34" charset="-128"/>
               <a:ea typeface="小塚ゴシック Pr6N M" pitchFamily="34" charset="-128"/>
             </a:endParaRPr>
           </a:p>
           <a:p>
             <a:r>
-              <a:rPr kumimoji="1" lang="ja-JP" altLang="en-US" sz="2400" dirty="0" smtClean="0">
+              <a:rPr lang="ja-JP" altLang="en-US" sz="3600" dirty="0">
                 <a:latin typeface="小塚ゴシック Pr6N M" pitchFamily="34" charset="-128"/>
                 <a:ea typeface="小塚ゴシック Pr6N M" pitchFamily="34" charset="-128"/>
               </a:rPr>
               <a:t>マネジメント知識の取得について</a:t>
             </a:r>
-            <a:endParaRPr kumimoji="1" lang="ja-JP" altLang="en-US" sz="2400" dirty="0">
+            <a:endParaRPr lang="ja-JP" altLang="en-US" sz="3600" dirty="0">
               <a:latin typeface="小塚ゴシック Pr6N M" pitchFamily="34" charset="-128"/>
               <a:ea typeface="小塚ゴシック Pr6N M" pitchFamily="34" charset="-128"/>
             </a:endParaRPr>
@@ -4005,8 +4005,8 @@
         </p:nvGrpSpPr>
         <p:grpSpPr>
           <a:xfrm>
-            <a:off x="144818" y="1250921"/>
-            <a:ext cx="6452534" cy="2639357"/>
+            <a:off x="202745" y="1751290"/>
+            <a:ext cx="9033548" cy="3695100"/>
             <a:chOff x="224008" y="1170202"/>
             <a:chExt cx="5725272" cy="2639357"/>
           </a:xfrm>
@@ -4088,7 +4088,7 @@
           <p:spPr>
             <a:xfrm>
               <a:off x="224008" y="1170202"/>
-              <a:ext cx="5316932" cy="584775"/>
+              <a:ext cx="5316932" cy="560593"/>
             </a:xfrm>
             <a:prstGeom prst="rect">
               <a:avLst/>
@@ -4101,48 +4101,48 @@
             <a:lstStyle/>
             <a:p>
               <a:r>
-                <a:rPr lang="ja-JP" altLang="en-US" sz="3200" dirty="0" smtClean="0">
+                <a:rPr lang="ja-JP" altLang="en-US" sz="4500" b="1" dirty="0">
                   <a:latin typeface="小塚ゴシック Pr6N M" pitchFamily="34" charset="-128"/>
                   <a:ea typeface="小塚ゴシック Pr6N M" pitchFamily="34" charset="-128"/>
                 </a:rPr>
                 <a:t>物</a:t>
               </a:r>
               <a:r>
-                <a:rPr lang="ja-JP" altLang="en-US" sz="1600" dirty="0" smtClean="0">
+                <a:rPr lang="ja-JP" altLang="en-US" sz="2200" b="1" dirty="0">
                   <a:latin typeface="小塚ゴシック Pr6N M" pitchFamily="34" charset="-128"/>
                   <a:ea typeface="小塚ゴシック Pr6N M" pitchFamily="34" charset="-128"/>
                 </a:rPr>
                 <a:t>語</a:t>
               </a:r>
               <a:r>
-                <a:rPr lang="ja-JP" altLang="en-US" sz="1600" dirty="0">
+                <a:rPr lang="ja-JP" altLang="en-US" sz="2200" b="1" dirty="0">
                   <a:latin typeface="小塚ゴシック Pr6N M" pitchFamily="34" charset="-128"/>
                   <a:ea typeface="小塚ゴシック Pr6N M" pitchFamily="34" charset="-128"/>
                 </a:rPr>
                 <a:t>を用いた知識取得</a:t>
               </a:r>
               <a:r>
-                <a:rPr lang="ja-JP" altLang="en-US" sz="1600" dirty="0" smtClean="0">
+                <a:rPr lang="ja-JP" altLang="en-US" sz="2200" b="1" dirty="0">
                   <a:latin typeface="小塚ゴシック Pr6N M" pitchFamily="34" charset="-128"/>
                   <a:ea typeface="小塚ゴシック Pr6N M" pitchFamily="34" charset="-128"/>
                 </a:rPr>
                 <a:t>や能力の</a:t>
               </a:r>
               <a:r>
-                <a:rPr lang="ja-JP" altLang="en-US" sz="1600" dirty="0">
+                <a:rPr lang="ja-JP" altLang="en-US" sz="2200" b="1" dirty="0">
                   <a:latin typeface="小塚ゴシック Pr6N M" pitchFamily="34" charset="-128"/>
                   <a:ea typeface="小塚ゴシック Pr6N M" pitchFamily="34" charset="-128"/>
                 </a:rPr>
                 <a:t>向上方法に</a:t>
               </a:r>
               <a:r>
-                <a:rPr lang="ja-JP" altLang="en-US" sz="1600" dirty="0" smtClean="0">
+                <a:rPr lang="ja-JP" altLang="en-US" sz="2200" b="1" dirty="0">
                   <a:latin typeface="小塚ゴシック Pr6N M" pitchFamily="34" charset="-128"/>
                   <a:ea typeface="小塚ゴシック Pr6N M" pitchFamily="34" charset="-128"/>
                 </a:rPr>
                 <a:t>ついて</a:t>
               </a:r>
-              <a:endParaRPr lang="en-US" altLang="ja-JP" sz="1600" dirty="0" smtClean="0">
+              <a:endParaRPr lang="en-US" altLang="ja-JP" sz="2200" b="1" dirty="0">
                 <a:latin typeface="小塚ゴシック Pr6N M" pitchFamily="34" charset="-128"/>
                 <a:ea typeface="小塚ゴシック Pr6N M" pitchFamily="34" charset="-128"/>
               </a:endParaRPr>
@@ -4361,7 +4361,7 @@
             <a:lstStyle/>
             <a:p>
               <a:r>
-                <a:rPr lang="ja-JP" altLang="en-US" sz="1600" dirty="0" smtClean="0">
+                <a:rPr lang="ja-JP" altLang="en-US" sz="2200" b="1" dirty="0">
                   <a:solidFill>
                     <a:schemeClr val="tx1"/>
                   </a:solidFill>
@@ -4370,7 +4370,7 @@
                 </a:rPr>
                 <a:t>物語に沿って</a:t>
               </a:r>
-              <a:endParaRPr lang="en-US" altLang="ja-JP" sz="1600" dirty="0" smtClean="0">
+              <a:endParaRPr lang="en-US" altLang="ja-JP" sz="2200" b="1" dirty="0">
                 <a:solidFill>
                   <a:schemeClr val="tx1"/>
                 </a:solidFill>
@@ -4380,7 +4380,7 @@
             </a:p>
             <a:p>
               <a:r>
-                <a:rPr lang="ja-JP" altLang="en-US" sz="1600" dirty="0" smtClean="0">
+                <a:rPr lang="ja-JP" altLang="en-US" sz="2200" b="1" dirty="0">
                   <a:solidFill>
                     <a:schemeClr val="tx1"/>
                   </a:solidFill>
@@ -4389,7 +4389,7 @@
                 </a:rPr>
                 <a:t>プロジェクトマネジメントに触れる</a:t>
               </a:r>
-              <a:endParaRPr lang="en-US" altLang="ja-JP" sz="1600" dirty="0" smtClean="0">
+              <a:endParaRPr lang="en-US" altLang="ja-JP" sz="2200" b="1" dirty="0">
                 <a:solidFill>
                   <a:schemeClr val="tx1"/>
                 </a:solidFill>
@@ -4441,7 +4441,7 @@
             <a:lstStyle/>
             <a:p>
               <a:r>
-                <a:rPr lang="en-US" altLang="ja-JP" sz="3200" b="1" dirty="0" smtClean="0">
+                <a:rPr lang="en-US" altLang="ja-JP" sz="4500" b="1" dirty="0">
                   <a:solidFill>
                     <a:schemeClr val="tx1"/>
                   </a:solidFill>
@@ -4453,7 +4453,7 @@
             </a:p>
             <a:p>
               <a:r>
-                <a:rPr lang="ja-JP" altLang="en-US" sz="2400" b="1" dirty="0" smtClean="0">
+                <a:rPr lang="ja-JP" altLang="en-US" sz="3400" b="1" dirty="0">
                   <a:solidFill>
                     <a:schemeClr val="tx1"/>
                   </a:solidFill>
@@ -4462,7 +4462,7 @@
                 </a:rPr>
                 <a:t>　　桃太郎</a:t>
               </a:r>
-              <a:endParaRPr lang="en-US" altLang="ja-JP" sz="2400" b="1" dirty="0" smtClean="0">
+              <a:endParaRPr lang="en-US" altLang="ja-JP" sz="3400" b="1" dirty="0">
                 <a:solidFill>
                   <a:schemeClr val="tx1"/>
                 </a:solidFill>
@@ -4496,8 +4496,8 @@
         </p:blipFill>
         <p:spPr bwMode="auto">
           <a:xfrm>
-            <a:off x="5526161" y="1001066"/>
-            <a:ext cx="1215207" cy="1119898"/>
+            <a:off x="7736626" y="1401493"/>
+            <a:ext cx="1701290" cy="1567857"/>
           </a:xfrm>
           <a:prstGeom prst="rect">
             <a:avLst/>
@@ -4522,10 +4522,10 @@
         </p:nvGrpSpPr>
         <p:grpSpPr>
           <a:xfrm>
-            <a:off x="250074" y="4067944"/>
-            <a:ext cx="6369716" cy="1872208"/>
-            <a:chOff x="250074" y="4211960"/>
-            <a:chExt cx="6369716" cy="1872208"/>
+            <a:off x="350103" y="5695122"/>
+            <a:ext cx="8963562" cy="2621091"/>
+            <a:chOff x="250073" y="4211960"/>
+            <a:chExt cx="6402545" cy="1872208"/>
           </a:xfrm>
         </p:grpSpPr>
         <p:sp>
@@ -4536,8 +4536,8 @@
           </p:nvSpPr>
           <p:spPr>
             <a:xfrm>
-              <a:off x="250074" y="4211960"/>
-              <a:ext cx="6369716" cy="1872208"/>
+              <a:off x="250073" y="4211960"/>
+              <a:ext cx="6402545" cy="1872208"/>
             </a:xfrm>
             <a:prstGeom prst="rect">
               <a:avLst/>
@@ -4570,7 +4570,7 @@
             <a:lstStyle/>
             <a:p>
               <a:r>
-                <a:rPr lang="en-US" altLang="ja-JP" sz="3200" b="1" dirty="0" smtClean="0">
+                <a:rPr lang="en-US" altLang="ja-JP" sz="4500" b="1" dirty="0">
                   <a:solidFill>
                     <a:schemeClr val="tx1"/>
                   </a:solidFill>
@@ -4582,7 +4582,7 @@
             </a:p>
             <a:p>
               <a:r>
-                <a:rPr lang="ja-JP" altLang="en-US" sz="2400" b="1" dirty="0" smtClean="0">
+                <a:rPr lang="ja-JP" altLang="en-US" sz="3400" b="1" dirty="0">
                   <a:solidFill>
                     <a:schemeClr val="tx1"/>
                   </a:solidFill>
@@ -4591,7 +4591,7 @@
                 </a:rPr>
                 <a:t>桃太郎</a:t>
               </a:r>
-              <a:endParaRPr lang="en-US" altLang="ja-JP" sz="2400" b="1" dirty="0" smtClean="0">
+              <a:endParaRPr lang="en-US" altLang="ja-JP" sz="3400" b="1" dirty="0">
                 <a:solidFill>
                   <a:schemeClr val="tx1"/>
                 </a:solidFill>
@@ -4600,7 +4600,7 @@
               </a:endParaRPr>
             </a:p>
             <a:p>
-              <a:endParaRPr lang="en-US" altLang="ja-JP" sz="2000" b="1" dirty="0" smtClean="0">
+              <a:endParaRPr lang="en-US" altLang="ja-JP" sz="2800" b="1" dirty="0">
                 <a:solidFill>
                   <a:schemeClr val="tx1"/>
                 </a:solidFill>
@@ -4610,7 +4610,7 @@
             </a:p>
             <a:p>
               <a:r>
-                <a:rPr lang="en-US" altLang="ja-JP" sz="1400" b="1" dirty="0" smtClean="0">
+                <a:rPr lang="en-US" altLang="ja-JP" sz="2000" b="1" dirty="0">
                   <a:solidFill>
                     <a:schemeClr val="tx1"/>
                   </a:solidFill>
@@ -4622,7 +4622,7 @@
             </a:p>
             <a:p>
               <a:r>
-                <a:rPr lang="ja-JP" altLang="en-US" sz="1400" b="1" dirty="0" smtClean="0">
+                <a:rPr lang="ja-JP" altLang="en-US" sz="2000" b="1" dirty="0">
                   <a:solidFill>
                     <a:schemeClr val="tx1"/>
                   </a:solidFill>
@@ -4632,7 +4632,7 @@
                 <a:t>　　　～</a:t>
               </a:r>
               <a:r>
-                <a:rPr lang="en-US" altLang="ja-JP" sz="1400" b="1" dirty="0" smtClean="0">
+                <a:rPr lang="en-US" altLang="ja-JP" sz="2000" b="1" dirty="0">
                   <a:solidFill>
                     <a:schemeClr val="tx1"/>
                   </a:solidFill>
@@ -4652,10 +4652,10 @@
           </p:nvGrpSpPr>
           <p:grpSpPr>
             <a:xfrm>
-              <a:off x="2417156" y="4283968"/>
-              <a:ext cx="3995808" cy="1052757"/>
-              <a:chOff x="1700808" y="3618320"/>
-              <a:chExt cx="3995808" cy="1393168"/>
+              <a:off x="2417155" y="4283968"/>
+              <a:ext cx="4153190" cy="1052757"/>
+              <a:chOff x="1700807" y="3618320"/>
+              <a:chExt cx="4153190" cy="1393168"/>
             </a:xfrm>
           </p:grpSpPr>
           <p:sp>
@@ -4666,8 +4666,8 @@
             </p:nvSpPr>
             <p:spPr>
               <a:xfrm>
-                <a:off x="1700808" y="3618320"/>
-                <a:ext cx="1423130" cy="434890"/>
+                <a:off x="1700807" y="3618320"/>
+                <a:ext cx="1583238" cy="434890"/>
               </a:xfrm>
               <a:prstGeom prst="roundRect">
                 <a:avLst/>
@@ -4703,7 +4703,7 @@
               <a:p>
                 <a:pPr algn="ctr"/>
                 <a:r>
-                  <a:rPr kumimoji="1" lang="ja-JP" altLang="en-US" sz="1600" b="1" dirty="0" smtClean="0">
+                  <a:rPr lang="ja-JP" altLang="en-US" sz="2800" b="1" dirty="0">
                     <a:solidFill>
                       <a:schemeClr val="tx1"/>
                     </a:solidFill>
@@ -4712,7 +4712,7 @@
                   </a:rPr>
                   <a:t>物語の整理</a:t>
                 </a:r>
-                <a:endParaRPr kumimoji="1" lang="ja-JP" altLang="en-US" sz="1600" b="1" dirty="0">
+                <a:endParaRPr lang="ja-JP" altLang="en-US" sz="2800" b="1" dirty="0">
                   <a:solidFill>
                     <a:schemeClr val="tx1"/>
                   </a:solidFill>
@@ -4730,8 +4730,8 @@
             </p:nvSpPr>
             <p:spPr>
               <a:xfrm>
-                <a:off x="3566439" y="4111778"/>
-                <a:ext cx="2130177" cy="426168"/>
+                <a:off x="3484166" y="4111778"/>
+                <a:ext cx="2369831" cy="426168"/>
               </a:xfrm>
               <a:prstGeom prst="roundRect">
                 <a:avLst/>
@@ -4767,7 +4767,7 @@
               <a:p>
                 <a:pPr algn="ctr"/>
                 <a:r>
-                  <a:rPr kumimoji="1" lang="ja-JP" altLang="en-US" sz="1600" b="1" dirty="0" smtClean="0">
+                  <a:rPr lang="ja-JP" altLang="en-US" sz="2800" b="1" dirty="0">
                     <a:solidFill>
                       <a:schemeClr val="tx1"/>
                     </a:solidFill>
@@ -4777,7 +4777,7 @@
                   <a:t>基本計画書</a:t>
                 </a:r>
                 <a:r>
-                  <a:rPr lang="ja-JP" altLang="en-US" sz="1600" b="1" dirty="0">
+                  <a:rPr lang="ja-JP" altLang="en-US" sz="2800" b="1" dirty="0">
                     <a:solidFill>
                       <a:schemeClr val="tx1"/>
                     </a:solidFill>
@@ -4787,7 +4787,7 @@
                   <a:t>の</a:t>
                 </a:r>
                 <a:r>
-                  <a:rPr kumimoji="1" lang="ja-JP" altLang="en-US" sz="1600" b="1" dirty="0" smtClean="0">
+                  <a:rPr lang="ja-JP" altLang="en-US" sz="2800" b="1" dirty="0">
                     <a:solidFill>
                       <a:schemeClr val="tx1"/>
                     </a:solidFill>
@@ -4796,7 +4796,7 @@
                   </a:rPr>
                   <a:t>作成</a:t>
                 </a:r>
-                <a:endParaRPr kumimoji="1" lang="ja-JP" altLang="en-US" sz="1600" b="1" dirty="0">
+                <a:endParaRPr lang="ja-JP" altLang="en-US" sz="2800" b="1" dirty="0">
                   <a:solidFill>
                     <a:schemeClr val="tx1"/>
                   </a:solidFill>
@@ -4815,7 +4815,7 @@
             <p:spPr>
               <a:xfrm>
                 <a:off x="1700808" y="4576599"/>
-                <a:ext cx="1423130" cy="434889"/>
+                <a:ext cx="1583238" cy="434889"/>
               </a:xfrm>
               <a:prstGeom prst="roundRect">
                 <a:avLst/>
@@ -4851,7 +4851,7 @@
               <a:p>
                 <a:pPr algn="ctr"/>
                 <a:r>
-                  <a:rPr lang="ja-JP" altLang="en-US" sz="1600" b="1" dirty="0">
+                  <a:rPr lang="ja-JP" altLang="en-US" sz="2800" b="1" dirty="0">
                     <a:solidFill>
                       <a:schemeClr val="tx1"/>
                     </a:solidFill>
@@ -4861,7 +4861,7 @@
                   <a:t>役割</a:t>
                 </a:r>
                 <a:r>
-                  <a:rPr lang="ja-JP" altLang="en-US" sz="1600" b="1" dirty="0" smtClean="0">
+                  <a:rPr lang="ja-JP" altLang="en-US" sz="2800" b="1" dirty="0">
                     <a:solidFill>
                       <a:schemeClr val="tx1"/>
                     </a:solidFill>
@@ -4870,7 +4870,7 @@
                   </a:rPr>
                   <a:t>分担</a:t>
                 </a:r>
-                <a:endParaRPr kumimoji="1" lang="ja-JP" altLang="en-US" sz="1600" b="1" dirty="0">
+                <a:endParaRPr lang="ja-JP" altLang="en-US" sz="2800" b="1" dirty="0">
                   <a:solidFill>
                     <a:schemeClr val="tx1"/>
                   </a:solidFill>
@@ -4889,7 +4889,7 @@
             <p:spPr>
               <a:xfrm>
                 <a:off x="1700808" y="4103057"/>
-                <a:ext cx="1423130" cy="434889"/>
+                <a:ext cx="1583238" cy="434889"/>
               </a:xfrm>
               <a:prstGeom prst="roundRect">
                 <a:avLst/>
@@ -4925,7 +4925,7 @@
               <a:p>
                 <a:pPr algn="ctr"/>
                 <a:r>
-                  <a:rPr kumimoji="1" lang="ja-JP" altLang="en-US" sz="1600" b="1" dirty="0" smtClean="0">
+                  <a:rPr lang="ja-JP" altLang="en-US" sz="2800" b="1" dirty="0">
                     <a:solidFill>
                       <a:schemeClr val="tx1"/>
                     </a:solidFill>
@@ -4934,7 +4934,7 @@
                   </a:rPr>
                   <a:t>時系列</a:t>
                 </a:r>
-                <a:endParaRPr kumimoji="1" lang="ja-JP" altLang="en-US" sz="1600" b="1" dirty="0">
+                <a:endParaRPr lang="ja-JP" altLang="en-US" sz="2800" b="1" dirty="0">
                   <a:solidFill>
                     <a:schemeClr val="tx1"/>
                   </a:solidFill>
@@ -5038,7 +5038,7 @@
             <a:p>
               <a:pPr algn="ctr"/>
               <a:r>
-                <a:rPr kumimoji="1" lang="ja-JP" altLang="en-US" b="1" dirty="0" smtClean="0">
+                <a:rPr kumimoji="1" lang="ja-JP" altLang="en-US" sz="3200" b="1" dirty="0" smtClean="0">
                   <a:solidFill>
                     <a:schemeClr val="tx1"/>
                   </a:solidFill>
@@ -5047,7 +5047,7 @@
                 </a:rPr>
                 <a:t>絵本の作成（オリジナル）</a:t>
               </a:r>
-              <a:endParaRPr kumimoji="1" lang="ja-JP" altLang="en-US" b="1" dirty="0">
+              <a:endParaRPr kumimoji="1" lang="ja-JP" altLang="en-US" sz="3200" b="1" dirty="0">
                 <a:solidFill>
                   <a:schemeClr val="tx1"/>
                 </a:solidFill>
@@ -5096,8 +5096,8 @@
         </p:nvGrpSpPr>
         <p:grpSpPr>
           <a:xfrm>
-            <a:off x="281633" y="6228184"/>
-            <a:ext cx="6315719" cy="2501428"/>
+            <a:off x="394287" y="8719458"/>
+            <a:ext cx="8842007" cy="3501999"/>
             <a:chOff x="281633" y="5868144"/>
             <a:chExt cx="6315719" cy="2501428"/>
           </a:xfrm>
@@ -5141,7 +5141,7 @@
             <a:lstStyle/>
             <a:p>
               <a:pPr algn="ctr"/>
-              <a:endParaRPr kumimoji="1" lang="ja-JP" altLang="en-US" dirty="0">
+              <a:endParaRPr kumimoji="1" lang="ja-JP" altLang="en-US" sz="4800" dirty="0">
                 <a:latin typeface="小塚ゴシック Pr6N M" pitchFamily="34" charset="-128"/>
                 <a:ea typeface="小塚ゴシック Pr6N M" pitchFamily="34" charset="-128"/>
               </a:endParaRPr>
@@ -5156,8 +5156,8 @@
           </p:nvSpPr>
           <p:spPr>
             <a:xfrm>
-              <a:off x="440977" y="6903704"/>
-              <a:ext cx="2018358" cy="646331"/>
+              <a:off x="342942" y="6888616"/>
+              <a:ext cx="2126060" cy="769441"/>
             </a:xfrm>
             <a:prstGeom prst="rect">
               <a:avLst/>
@@ -5172,20 +5172,20 @@
             <a:p>
               <a:pPr algn="ctr"/>
               <a:r>
-                <a:rPr kumimoji="1" lang="en-US" altLang="ja-JP" b="1" dirty="0" smtClean="0">
+                <a:rPr kumimoji="1" lang="en-US" altLang="ja-JP" sz="3200" b="1" dirty="0" smtClean="0">
                   <a:latin typeface="小塚ゴシック Pr6N M" pitchFamily="34" charset="-128"/>
                   <a:ea typeface="小塚ゴシック Pr6N M" pitchFamily="34" charset="-128"/>
                 </a:rPr>
                 <a:t>1</a:t>
               </a:r>
               <a:r>
-                <a:rPr kumimoji="1" lang="ja-JP" altLang="en-US" b="1" dirty="0" smtClean="0">
+                <a:rPr kumimoji="1" lang="ja-JP" altLang="en-US" sz="3200" b="1" dirty="0" smtClean="0">
                   <a:latin typeface="小塚ゴシック Pr6N M" pitchFamily="34" charset="-128"/>
                   <a:ea typeface="小塚ゴシック Pr6N M" pitchFamily="34" charset="-128"/>
                 </a:rPr>
                 <a:t>年次</a:t>
               </a:r>
-              <a:endParaRPr kumimoji="1" lang="en-US" altLang="ja-JP" b="1" dirty="0" smtClean="0">
+              <a:endParaRPr kumimoji="1" lang="en-US" altLang="ja-JP" sz="3200" b="1" dirty="0" smtClean="0">
                 <a:latin typeface="小塚ゴシック Pr6N M" pitchFamily="34" charset="-128"/>
                 <a:ea typeface="小塚ゴシック Pr6N M" pitchFamily="34" charset="-128"/>
               </a:endParaRPr>
@@ -5193,20 +5193,20 @@
             <a:p>
               <a:pPr algn="ctr"/>
               <a:r>
-                <a:rPr kumimoji="1" lang="en-US" altLang="ja-JP" b="1" dirty="0" smtClean="0">
+                <a:rPr kumimoji="1" lang="en-US" altLang="ja-JP" sz="3200" b="1" dirty="0" smtClean="0">
                   <a:latin typeface="小塚ゴシック Pr6N M" pitchFamily="34" charset="-128"/>
                   <a:ea typeface="小塚ゴシック Pr6N M" pitchFamily="34" charset="-128"/>
                 </a:rPr>
                 <a:t>TDL</a:t>
               </a:r>
               <a:r>
-                <a:rPr kumimoji="1" lang="ja-JP" altLang="en-US" b="1" dirty="0" smtClean="0">
+                <a:rPr kumimoji="1" lang="ja-JP" altLang="en-US" sz="3200" b="1" dirty="0" smtClean="0">
                   <a:latin typeface="小塚ゴシック Pr6N M" pitchFamily="34" charset="-128"/>
                   <a:ea typeface="小塚ゴシック Pr6N M" pitchFamily="34" charset="-128"/>
                 </a:rPr>
                 <a:t>プロジェクト</a:t>
               </a:r>
-              <a:endParaRPr kumimoji="1" lang="ja-JP" altLang="en-US" b="1" dirty="0">
+              <a:endParaRPr kumimoji="1" lang="ja-JP" altLang="en-US" sz="3200" b="1" dirty="0">
                 <a:latin typeface="小塚ゴシック Pr6N M" pitchFamily="34" charset="-128"/>
                 <a:ea typeface="小塚ゴシック Pr6N M" pitchFamily="34" charset="-128"/>
               </a:endParaRPr>
@@ -5292,7 +5292,7 @@
           <p:spPr>
             <a:xfrm>
               <a:off x="2818200" y="5868144"/>
-              <a:ext cx="3779152" cy="2185214"/>
+              <a:ext cx="3779152" cy="2352292"/>
             </a:xfrm>
             <a:prstGeom prst="rect">
               <a:avLst/>
@@ -5311,141 +5311,141 @@
             <a:lstStyle/>
             <a:p>
               <a:r>
-                <a:rPr kumimoji="1" lang="ja-JP" altLang="en-US" sz="3200" dirty="0" smtClean="0">
+                <a:rPr lang="ja-JP" altLang="en-US" sz="4800" b="1" dirty="0">
                   <a:latin typeface="小塚ゴシック Pr6N M" pitchFamily="34" charset="-128"/>
                   <a:ea typeface="小塚ゴシック Pr6N M" pitchFamily="34" charset="-128"/>
                 </a:rPr>
                 <a:t>プ</a:t>
               </a:r>
               <a:r>
-                <a:rPr kumimoji="1" lang="ja-JP" altLang="en-US" b="1" dirty="0" smtClean="0">
+                <a:rPr kumimoji="1" lang="ja-JP" altLang="en-US" sz="2800" b="1" dirty="0" smtClean="0">
                   <a:latin typeface="小塚ゴシック Pr6N M" pitchFamily="34" charset="-128"/>
                   <a:ea typeface="小塚ゴシック Pr6N M" pitchFamily="34" charset="-128"/>
                 </a:rPr>
                 <a:t>ロジェクトの流れ</a:t>
               </a:r>
               <a:r>
-                <a:rPr lang="ja-JP" altLang="en-US" b="1" dirty="0" smtClean="0">
+                <a:rPr lang="ja-JP" altLang="en-US" sz="2800" b="1" dirty="0" smtClean="0">
                   <a:latin typeface="小塚ゴシック Pr6N M" pitchFamily="34" charset="-128"/>
                   <a:ea typeface="小塚ゴシック Pr6N M" pitchFamily="34" charset="-128"/>
                 </a:rPr>
                 <a:t>知識</a:t>
               </a:r>
-              <a:endParaRPr kumimoji="1" lang="en-US" altLang="ja-JP" b="1" dirty="0" smtClean="0">
+              <a:endParaRPr kumimoji="1" lang="en-US" altLang="ja-JP" sz="2800" b="1" dirty="0" smtClean="0">
                 <a:latin typeface="小塚ゴシック Pr6N M" pitchFamily="34" charset="-128"/>
                 <a:ea typeface="小塚ゴシック Pr6N M" pitchFamily="34" charset="-128"/>
               </a:endParaRPr>
             </a:p>
             <a:p>
-              <a:endParaRPr lang="en-US" altLang="ja-JP" b="1" dirty="0">
+              <a:endParaRPr lang="en-US" altLang="ja-JP" sz="2800" b="1" dirty="0">
                 <a:latin typeface="小塚ゴシック Pr6N M" pitchFamily="34" charset="-128"/>
                 <a:ea typeface="小塚ゴシック Pr6N M" pitchFamily="34" charset="-128"/>
               </a:endParaRPr>
             </a:p>
             <a:p>
               <a:r>
-                <a:rPr lang="ja-JP" altLang="en-US" sz="3200" dirty="0" smtClean="0">
+                <a:rPr lang="ja-JP" altLang="en-US" sz="4800" b="1" dirty="0">
                   <a:latin typeface="小塚ゴシック Pr6N M" pitchFamily="34" charset="-128"/>
                   <a:ea typeface="小塚ゴシック Pr6N M" pitchFamily="34" charset="-128"/>
                 </a:rPr>
                 <a:t>自</a:t>
               </a:r>
               <a:r>
-                <a:rPr lang="ja-JP" altLang="en-US" b="1" dirty="0" smtClean="0">
+                <a:rPr lang="ja-JP" altLang="en-US" sz="2800" b="1" dirty="0" smtClean="0">
                   <a:latin typeface="小塚ゴシック Pr6N M" pitchFamily="34" charset="-128"/>
                   <a:ea typeface="小塚ゴシック Pr6N M" pitchFamily="34" charset="-128"/>
                 </a:rPr>
                 <a:t>己</a:t>
               </a:r>
               <a:r>
-                <a:rPr lang="ja-JP" altLang="en-US" b="1" dirty="0">
+                <a:rPr lang="ja-JP" altLang="en-US" sz="2800" b="1" dirty="0">
                   <a:latin typeface="小塚ゴシック Pr6N M" pitchFamily="34" charset="-128"/>
                   <a:ea typeface="小塚ゴシック Pr6N M" pitchFamily="34" charset="-128"/>
                 </a:rPr>
                 <a:t>管理</a:t>
               </a:r>
               <a:r>
-                <a:rPr lang="ja-JP" altLang="en-US" b="1" dirty="0" smtClean="0">
+                <a:rPr lang="ja-JP" altLang="en-US" sz="2800" b="1" dirty="0" smtClean="0">
                   <a:latin typeface="小塚ゴシック Pr6N M" pitchFamily="34" charset="-128"/>
                   <a:ea typeface="小塚ゴシック Pr6N M" pitchFamily="34" charset="-128"/>
                 </a:rPr>
                 <a:t>能力</a:t>
               </a:r>
-              <a:endParaRPr lang="en-US" altLang="ja-JP" b="1" dirty="0">
+              <a:endParaRPr lang="en-US" altLang="ja-JP" sz="2800" b="1" dirty="0">
                 <a:latin typeface="小塚ゴシック Pr6N M" pitchFamily="34" charset="-128"/>
                 <a:ea typeface="小塚ゴシック Pr6N M" pitchFamily="34" charset="-128"/>
               </a:endParaRPr>
             </a:p>
             <a:p>
               <a:r>
-                <a:rPr lang="ja-JP" altLang="en-US" b="1" dirty="0">
+                <a:rPr lang="ja-JP" altLang="en-US" sz="2800" b="1" dirty="0">
                   <a:latin typeface="小塚ゴシック Pr6N M" pitchFamily="34" charset="-128"/>
                   <a:ea typeface="小塚ゴシック Pr6N M" pitchFamily="34" charset="-128"/>
                 </a:rPr>
                 <a:t>　</a:t>
               </a:r>
               <a:r>
-                <a:rPr lang="ja-JP" altLang="en-US" b="1" dirty="0" smtClean="0">
+                <a:rPr lang="ja-JP" altLang="en-US" sz="2800" b="1" dirty="0" smtClean="0">
                   <a:latin typeface="小塚ゴシック Pr6N M" pitchFamily="34" charset="-128"/>
                   <a:ea typeface="小塚ゴシック Pr6N M" pitchFamily="34" charset="-128"/>
                 </a:rPr>
                 <a:t>　</a:t>
               </a:r>
               <a:r>
-                <a:rPr kumimoji="1" lang="ja-JP" altLang="en-US" b="1" dirty="0" smtClean="0">
+                <a:rPr kumimoji="1" lang="ja-JP" altLang="en-US" sz="2800" b="1" dirty="0" smtClean="0">
                   <a:latin typeface="小塚ゴシック Pr6N M" pitchFamily="34" charset="-128"/>
                   <a:ea typeface="小塚ゴシック Pr6N M" pitchFamily="34" charset="-128"/>
                 </a:rPr>
                 <a:t>時間</a:t>
               </a:r>
               <a:r>
-                <a:rPr kumimoji="1" lang="ja-JP" altLang="en-US" b="1" dirty="0">
+                <a:rPr kumimoji="1" lang="ja-JP" altLang="en-US" sz="2800" b="1" dirty="0">
                   <a:latin typeface="小塚ゴシック Pr6N M" pitchFamily="34" charset="-128"/>
                   <a:ea typeface="小塚ゴシック Pr6N M" pitchFamily="34" charset="-128"/>
                 </a:rPr>
                 <a:t>管理</a:t>
               </a:r>
               <a:r>
-                <a:rPr kumimoji="1" lang="ja-JP" altLang="en-US" b="1" dirty="0" smtClean="0">
+                <a:rPr kumimoji="1" lang="ja-JP" altLang="en-US" sz="2800" b="1" dirty="0" smtClean="0">
                   <a:latin typeface="小塚ゴシック Pr6N M" pitchFamily="34" charset="-128"/>
                   <a:ea typeface="小塚ゴシック Pr6N M" pitchFamily="34" charset="-128"/>
                 </a:rPr>
                 <a:t>能力</a:t>
               </a:r>
-              <a:endParaRPr kumimoji="1" lang="en-US" altLang="ja-JP" b="1" dirty="0" smtClean="0">
+              <a:endParaRPr kumimoji="1" lang="en-US" altLang="ja-JP" sz="2800" b="1" dirty="0" smtClean="0">
                 <a:latin typeface="小塚ゴシック Pr6N M" pitchFamily="34" charset="-128"/>
                 <a:ea typeface="小塚ゴシック Pr6N M" pitchFamily="34" charset="-128"/>
               </a:endParaRPr>
             </a:p>
             <a:p>
               <a:r>
-                <a:rPr lang="ja-JP" altLang="en-US" b="1" dirty="0" smtClean="0">
+                <a:rPr lang="ja-JP" altLang="en-US" sz="2800" b="1" dirty="0" smtClean="0">
                   <a:latin typeface="小塚ゴシック Pr6N M" pitchFamily="34" charset="-128"/>
                   <a:ea typeface="小塚ゴシック Pr6N M" pitchFamily="34" charset="-128"/>
                 </a:rPr>
                 <a:t>　　　コミュニケーション能力</a:t>
               </a:r>
-              <a:endParaRPr lang="en-US" altLang="ja-JP" b="1" dirty="0" smtClean="0">
+              <a:endParaRPr lang="en-US" altLang="ja-JP" sz="2800" b="1" dirty="0" smtClean="0">
                 <a:latin typeface="小塚ゴシック Pr6N M" pitchFamily="34" charset="-128"/>
                 <a:ea typeface="小塚ゴシック Pr6N M" pitchFamily="34" charset="-128"/>
               </a:endParaRPr>
             </a:p>
             <a:p>
               <a:r>
-                <a:rPr kumimoji="1" lang="en-US" altLang="ja-JP" b="1" dirty="0" smtClean="0">
+                <a:rPr kumimoji="1" lang="en-US" altLang="ja-JP" sz="2800" b="1" dirty="0" smtClean="0">
                   <a:latin typeface="小塚ゴシック Pr6N M" pitchFamily="34" charset="-128"/>
                   <a:ea typeface="小塚ゴシック Pr6N M" pitchFamily="34" charset="-128"/>
                 </a:rPr>
                 <a:t>	</a:t>
               </a:r>
               <a:r>
-                <a:rPr kumimoji="1" lang="ja-JP" altLang="en-US" b="1" dirty="0" smtClean="0">
+                <a:rPr kumimoji="1" lang="ja-JP" altLang="en-US" sz="2800" b="1" dirty="0" smtClean="0">
                   <a:latin typeface="小塚ゴシック Pr6N M" pitchFamily="34" charset="-128"/>
                   <a:ea typeface="小塚ゴシック Pr6N M" pitchFamily="34" charset="-128"/>
                 </a:rPr>
                 <a:t>集中力</a:t>
               </a:r>
-              <a:endParaRPr kumimoji="1" lang="ja-JP" altLang="en-US" b="1" dirty="0">
+              <a:endParaRPr kumimoji="1" lang="ja-JP" altLang="en-US" sz="2800" b="1" dirty="0">
                 <a:latin typeface="小塚ゴシック Pr6N M" pitchFamily="34" charset="-128"/>
                 <a:ea typeface="小塚ゴシック Pr6N M" pitchFamily="34" charset="-128"/>
               </a:endParaRPr>
@@ -5498,8 +5498,8 @@
         </p:nvSpPr>
         <p:spPr>
           <a:xfrm>
-            <a:off x="116632" y="107504"/>
-            <a:ext cx="6631936" cy="8928991"/>
+            <a:off x="163285" y="150507"/>
+            <a:ext cx="9284710" cy="12500587"/>
           </a:xfrm>
           <a:prstGeom prst="roundRect">
             <a:avLst>
@@ -5533,7 +5533,7 @@
           </a:fontRef>
         </p:style>
         <p:txBody>
-          <a:bodyPr rtlCol="0" anchor="ctr"/>
+          <a:bodyPr lIns="128016" tIns="64008" rIns="128016" bIns="64008" rtlCol="0" anchor="ctr"/>
           <a:lstStyle/>
           <a:p>
             <a:pPr algn="ctr"/>
@@ -5549,113 +5549,113 @@
         </p:nvSpPr>
         <p:spPr>
           <a:xfrm>
-            <a:off x="116632" y="133053"/>
-            <a:ext cx="6624736" cy="1846659"/>
+            <a:off x="163285" y="186275"/>
+            <a:ext cx="9274630" cy="2585323"/>
           </a:xfrm>
           <a:prstGeom prst="rect">
             <a:avLst/>
           </a:prstGeom>
         </p:spPr>
         <p:txBody>
-          <a:bodyPr wrap="square">
+          <a:bodyPr wrap="square" lIns="128016" tIns="64008" rIns="128016" bIns="64008">
             <a:spAutoFit/>
           </a:bodyPr>
           <a:lstStyle/>
           <a:p>
             <a:r>
-              <a:rPr lang="en-US" altLang="ja-JP" sz="3600" b="1" dirty="0" smtClean="0">
+              <a:rPr lang="en-US" altLang="ja-JP" sz="5000" b="1" dirty="0">
                 <a:ea typeface="小塚ゴシック Pr6N M" pitchFamily="34" charset="-128"/>
               </a:rPr>
               <a:t>1</a:t>
             </a:r>
             <a:r>
-              <a:rPr lang="ja-JP" altLang="en-US" sz="1600" b="1" dirty="0" smtClean="0">
+              <a:rPr lang="ja-JP" altLang="en-US" sz="2200" b="1" dirty="0">
                 <a:latin typeface="小塚ゴシック Pr6N M" pitchFamily="34" charset="-128"/>
                 <a:ea typeface="小塚ゴシック Pr6N M" pitchFamily="34" charset="-128"/>
               </a:rPr>
               <a:t>日本</a:t>
             </a:r>
             <a:r>
-              <a:rPr lang="ja-JP" altLang="en-US" sz="1600" b="1" dirty="0">
+              <a:rPr lang="ja-JP" altLang="en-US" sz="2200" b="1" dirty="0">
                 <a:latin typeface="小塚ゴシック Pr6N M" pitchFamily="34" charset="-128"/>
                 <a:ea typeface="小塚ゴシック Pr6N M" pitchFamily="34" charset="-128"/>
               </a:rPr>
               <a:t>の様々な童話について調査し，整理</a:t>
             </a:r>
             <a:r>
-              <a:rPr lang="ja-JP" altLang="en-US" sz="1600" b="1" dirty="0" smtClean="0">
+              <a:rPr lang="ja-JP" altLang="en-US" sz="2200" b="1" dirty="0">
                 <a:latin typeface="小塚ゴシック Pr6N M" pitchFamily="34" charset="-128"/>
                 <a:ea typeface="小塚ゴシック Pr6N M" pitchFamily="34" charset="-128"/>
               </a:rPr>
               <a:t>する</a:t>
             </a:r>
-            <a:endParaRPr lang="en-US" altLang="ja-JP" sz="1600" b="1" dirty="0" smtClean="0">
+            <a:endParaRPr lang="en-US" altLang="ja-JP" sz="2200" b="1" dirty="0">
               <a:latin typeface="小塚ゴシック Pr6N M" pitchFamily="34" charset="-128"/>
               <a:ea typeface="小塚ゴシック Pr6N M" pitchFamily="34" charset="-128"/>
             </a:endParaRPr>
           </a:p>
           <a:p>
             <a:r>
-              <a:rPr lang="ja-JP" altLang="en-US" sz="2400" b="1" dirty="0">
+              <a:rPr lang="ja-JP" altLang="en-US" sz="3400" b="1" dirty="0">
                 <a:latin typeface="小塚ゴシック Pr6N M" pitchFamily="34" charset="-128"/>
                 <a:ea typeface="小塚ゴシック Pr6N M" pitchFamily="34" charset="-128"/>
               </a:rPr>
               <a:t> </a:t>
             </a:r>
             <a:r>
-              <a:rPr lang="ja-JP" altLang="en-US" sz="2400" b="1" dirty="0" smtClean="0">
+              <a:rPr lang="ja-JP" altLang="en-US" sz="3400" b="1" dirty="0">
                 <a:ea typeface="小塚ゴシック Pr6N M" pitchFamily="34" charset="-128"/>
               </a:rPr>
               <a:t>２</a:t>
             </a:r>
             <a:r>
-              <a:rPr lang="ja-JP" altLang="en-US" sz="1600" b="1" dirty="0" smtClean="0">
+              <a:rPr lang="ja-JP" altLang="en-US" sz="2200" b="1" dirty="0">
                 <a:latin typeface="小塚ゴシック Pr6N M" pitchFamily="34" charset="-128"/>
                 <a:ea typeface="小塚ゴシック Pr6N M" pitchFamily="34" charset="-128"/>
               </a:rPr>
               <a:t>プロジェクトマネジメント</a:t>
             </a:r>
             <a:r>
-              <a:rPr lang="ja-JP" altLang="en-US" sz="1600" b="1" dirty="0">
+              <a:rPr lang="ja-JP" altLang="en-US" sz="2200" b="1" dirty="0">
                 <a:latin typeface="小塚ゴシック Pr6N M" pitchFamily="34" charset="-128"/>
                 <a:ea typeface="小塚ゴシック Pr6N M" pitchFamily="34" charset="-128"/>
               </a:rPr>
               <a:t>知識を関連</a:t>
             </a:r>
             <a:r>
-              <a:rPr lang="ja-JP" altLang="en-US" sz="1600" b="1" dirty="0" smtClean="0">
+              <a:rPr lang="ja-JP" altLang="en-US" sz="2200" b="1" dirty="0">
                 <a:latin typeface="小塚ゴシック Pr6N M" pitchFamily="34" charset="-128"/>
                 <a:ea typeface="小塚ゴシック Pr6N M" pitchFamily="34" charset="-128"/>
               </a:rPr>
               <a:t>させる</a:t>
             </a:r>
-            <a:endParaRPr lang="en-US" altLang="ja-JP" sz="1600" b="1" dirty="0" smtClean="0">
+            <a:endParaRPr lang="en-US" altLang="ja-JP" sz="2200" b="1" dirty="0">
               <a:latin typeface="小塚ゴシック Pr6N M" pitchFamily="34" charset="-128"/>
               <a:ea typeface="小塚ゴシック Pr6N M" pitchFamily="34" charset="-128"/>
             </a:endParaRPr>
           </a:p>
           <a:p>
             <a:r>
-              <a:rPr lang="ja-JP" altLang="en-US" sz="2000" b="1" dirty="0" smtClean="0">
+              <a:rPr lang="ja-JP" altLang="en-US" sz="2800" b="1" dirty="0">
                 <a:latin typeface="小塚ゴシック Pr6N M" pitchFamily="34" charset="-128"/>
                 <a:ea typeface="小塚ゴシック Pr6N M" pitchFamily="34" charset="-128"/>
               </a:rPr>
               <a:t>   </a:t>
             </a:r>
             <a:r>
-              <a:rPr lang="ja-JP" altLang="en-US" sz="2000" b="1" dirty="0" smtClean="0">
+              <a:rPr lang="ja-JP" altLang="en-US" sz="2800" b="1" dirty="0">
                 <a:ea typeface="小塚ゴシック Pr6N M" pitchFamily="34" charset="-128"/>
               </a:rPr>
               <a:t>３</a:t>
             </a:r>
             <a:r>
-              <a:rPr lang="ja-JP" altLang="en-US" sz="1600" b="1" dirty="0" smtClean="0">
+              <a:rPr lang="ja-JP" altLang="en-US" sz="2200" b="1" dirty="0">
                 <a:latin typeface="小塚ゴシック Pr6N M" pitchFamily="34" charset="-128"/>
                 <a:ea typeface="小塚ゴシック Pr6N M" pitchFamily="34" charset="-128"/>
               </a:rPr>
               <a:t>世界の様々な童話について調査し，整理する</a:t>
             </a:r>
-            <a:endParaRPr lang="en-US" altLang="ja-JP" sz="1600" b="1" dirty="0" smtClean="0">
+            <a:endParaRPr lang="en-US" altLang="ja-JP" sz="2200" b="1" dirty="0">
               <a:latin typeface="小塚ゴシック Pr6N M" pitchFamily="34" charset="-128"/>
               <a:ea typeface="小塚ゴシック Pr6N M" pitchFamily="34" charset="-128"/>
             </a:endParaRPr>
@@ -5675,53 +5675,53 @@
               <a:t>４</a:t>
             </a:r>
             <a:r>
-              <a:rPr lang="ja-JP" altLang="en-US" sz="1600" b="1" dirty="0" smtClean="0">
+              <a:rPr lang="ja-JP" altLang="en-US" sz="2200" b="1" dirty="0">
                 <a:latin typeface="小塚ゴシック Pr6N M" pitchFamily="34" charset="-128"/>
                 <a:ea typeface="小塚ゴシック Pr6N M" pitchFamily="34" charset="-128"/>
               </a:rPr>
               <a:t>世界の童話について２と同様に作業する</a:t>
             </a:r>
-            <a:endParaRPr lang="en-US" altLang="ja-JP" sz="1600" b="1" dirty="0" smtClean="0">
+            <a:endParaRPr lang="en-US" altLang="ja-JP" sz="2200" b="1" dirty="0">
               <a:latin typeface="小塚ゴシック Pr6N M" pitchFamily="34" charset="-128"/>
               <a:ea typeface="小塚ゴシック Pr6N M" pitchFamily="34" charset="-128"/>
             </a:endParaRPr>
           </a:p>
           <a:p>
             <a:r>
-              <a:rPr lang="ja-JP" altLang="en-US" sz="1600" b="1" dirty="0" smtClean="0">
+              <a:rPr lang="ja-JP" altLang="en-US" sz="2200" b="1" dirty="0">
                 <a:latin typeface="小塚ゴシック Pr6N M" pitchFamily="34" charset="-128"/>
                 <a:ea typeface="小塚ゴシック Pr6N M" pitchFamily="34" charset="-128"/>
               </a:rPr>
               <a:t>       </a:t>
             </a:r>
             <a:r>
-              <a:rPr lang="ja-JP" altLang="en-US" sz="1600" b="1" dirty="0" smtClean="0">
+              <a:rPr lang="ja-JP" altLang="en-US" sz="2200" b="1" dirty="0">
                 <a:ea typeface="小塚ゴシック Pr6N M" pitchFamily="34" charset="-128"/>
               </a:rPr>
               <a:t>５</a:t>
             </a:r>
             <a:r>
-              <a:rPr lang="ja-JP" altLang="en-US" sz="1600" b="1" dirty="0" smtClean="0">
+              <a:rPr lang="ja-JP" altLang="en-US" sz="2200" b="1" dirty="0">
                 <a:latin typeface="小塚ゴシック Pr6N M" pitchFamily="34" charset="-128"/>
                 <a:ea typeface="小塚ゴシック Pr6N M" pitchFamily="34" charset="-128"/>
               </a:rPr>
               <a:t> </a:t>
             </a:r>
             <a:r>
-              <a:rPr lang="en-US" altLang="ja-JP" sz="1600" b="1" dirty="0" smtClean="0">
+              <a:rPr lang="en-US" altLang="ja-JP" sz="2200" b="1" dirty="0">
                 <a:latin typeface="小塚ゴシック Pr6N M" pitchFamily="34" charset="-128"/>
                 <a:ea typeface="小塚ゴシック Pr6N M" pitchFamily="34" charset="-128"/>
               </a:rPr>
               <a:t>1</a:t>
             </a:r>
             <a:r>
-              <a:rPr lang="ja-JP" altLang="en-US" sz="1600" b="1" dirty="0" smtClean="0">
+              <a:rPr lang="ja-JP" altLang="en-US" sz="2200" b="1" dirty="0">
                 <a:latin typeface="小塚ゴシック Pr6N M" pitchFamily="34" charset="-128"/>
                 <a:ea typeface="小塚ゴシック Pr6N M" pitchFamily="34" charset="-128"/>
               </a:rPr>
               <a:t>年次に行うプロジェクトに用いて検証する</a:t>
             </a:r>
-            <a:endParaRPr lang="en-US" altLang="ja-JP" sz="1600" b="1" dirty="0">
+            <a:endParaRPr lang="en-US" altLang="ja-JP" sz="2200" b="1" dirty="0">
               <a:latin typeface="小塚ゴシック Pr6N M" pitchFamily="34" charset="-128"/>
               <a:ea typeface="小塚ゴシック Pr6N M" pitchFamily="34" charset="-128"/>
             </a:endParaRPr>
@@ -5751,8 +5751,8 @@
         </p:blipFill>
         <p:spPr bwMode="auto">
           <a:xfrm>
-            <a:off x="4725144" y="314787"/>
-            <a:ext cx="1944216" cy="1599238"/>
+            <a:off x="6615202" y="440702"/>
+            <a:ext cx="2721902" cy="2238933"/>
           </a:xfrm>
           <a:prstGeom prst="rect">
             <a:avLst/>
@@ -5777,8 +5777,8 @@
         </p:nvSpPr>
         <p:spPr>
           <a:xfrm>
-            <a:off x="188640" y="1984809"/>
-            <a:ext cx="2088232" cy="543546"/>
+            <a:off x="264096" y="2778733"/>
+            <a:ext cx="2923525" cy="760964"/>
           </a:xfrm>
           <a:prstGeom prst="roundRect">
             <a:avLst/>
@@ -5808,12 +5808,12 @@
           </a:fontRef>
         </p:style>
         <p:txBody>
-          <a:bodyPr rtlCol="0" anchor="ctr"/>
+          <a:bodyPr lIns="128016" tIns="64008" rIns="128016" bIns="64008" rtlCol="0" anchor="ctr"/>
           <a:lstStyle/>
           <a:p>
             <a:pPr algn="ctr"/>
             <a:r>
-              <a:rPr lang="en-US" altLang="ja-JP" sz="2400" b="1" dirty="0" smtClean="0">
+              <a:rPr lang="en-US" altLang="ja-JP" sz="3400" b="1" dirty="0">
                 <a:solidFill>
                   <a:schemeClr val="accent6">
                     <a:lumMod val="75000"/>
@@ -5825,7 +5825,7 @@
               <a:t>PM</a:t>
             </a:r>
             <a:r>
-              <a:rPr lang="ja-JP" altLang="en-US" sz="2400" b="1" dirty="0" smtClean="0">
+              <a:rPr lang="ja-JP" altLang="en-US" sz="3400" b="1" dirty="0">
                 <a:solidFill>
                   <a:schemeClr val="accent6">
                     <a:lumMod val="75000"/>
@@ -5836,15 +5836,6 @@
               </a:rPr>
               <a:t>金太郎</a:t>
             </a:r>
-            <a:endParaRPr kumimoji="1" lang="ja-JP" altLang="en-US" sz="2400" b="1" dirty="0" smtClean="0">
-              <a:solidFill>
-                <a:schemeClr val="accent6">
-                  <a:lumMod val="75000"/>
-                </a:schemeClr>
-              </a:solidFill>
-              <a:latin typeface="小塚ゴシック Pr6N M" pitchFamily="34" charset="-128"/>
-              <a:ea typeface="小塚ゴシック Pr6N M" pitchFamily="34" charset="-128"/>
-            </a:endParaRPr>
           </a:p>
         </p:txBody>
       </p:sp>
@@ -5856,8 +5847,8 @@
         </p:nvSpPr>
         <p:spPr>
           <a:xfrm>
-            <a:off x="4437112" y="1979712"/>
-            <a:ext cx="2111744" cy="543546"/>
+            <a:off x="6211957" y="2771597"/>
+            <a:ext cx="2956442" cy="760964"/>
           </a:xfrm>
           <a:prstGeom prst="roundRect">
             <a:avLst/>
@@ -5887,12 +5878,12 @@
           </a:fontRef>
         </p:style>
         <p:txBody>
-          <a:bodyPr rtlCol="0" anchor="ctr"/>
+          <a:bodyPr lIns="128016" tIns="64008" rIns="128016" bIns="64008" rtlCol="0" anchor="ctr"/>
           <a:lstStyle/>
           <a:p>
             <a:pPr algn="ctr"/>
             <a:r>
-              <a:rPr lang="en-US" altLang="ja-JP" sz="2400" b="1" dirty="0" smtClean="0">
+              <a:rPr lang="en-US" altLang="ja-JP" sz="3400" b="1" dirty="0">
                 <a:solidFill>
                   <a:srgbClr val="0070C0"/>
                 </a:solidFill>
@@ -5902,7 +5893,7 @@
               <a:t>PM</a:t>
             </a:r>
             <a:r>
-              <a:rPr lang="ja-JP" altLang="en-US" sz="2400" b="1" dirty="0" smtClean="0">
+              <a:rPr lang="ja-JP" altLang="en-US" sz="3400" b="1" dirty="0">
                 <a:solidFill>
                   <a:srgbClr val="0070C0"/>
                 </a:solidFill>
@@ -5911,13 +5902,6 @@
               </a:rPr>
               <a:t>浦島太郎</a:t>
             </a:r>
-            <a:endParaRPr kumimoji="1" lang="ja-JP" altLang="en-US" sz="2400" b="1" dirty="0" smtClean="0">
-              <a:solidFill>
-                <a:srgbClr val="0070C0"/>
-              </a:solidFill>
-              <a:latin typeface="小塚ゴシック Pr6N M" pitchFamily="34" charset="-128"/>
-              <a:ea typeface="小塚ゴシック Pr6N M" pitchFamily="34" charset="-128"/>
-            </a:endParaRPr>
           </a:p>
         </p:txBody>
       </p:sp>
@@ -5929,8 +5913,8 @@
         </p:nvSpPr>
         <p:spPr>
           <a:xfrm>
-            <a:off x="2348880" y="1979712"/>
-            <a:ext cx="2016223" cy="543546"/>
+            <a:off x="3288433" y="2771597"/>
+            <a:ext cx="2822712" cy="760964"/>
           </a:xfrm>
           <a:prstGeom prst="roundRect">
             <a:avLst/>
@@ -5960,12 +5944,12 @@
           </a:fontRef>
         </p:style>
         <p:txBody>
-          <a:bodyPr rtlCol="0" anchor="ctr"/>
+          <a:bodyPr lIns="128016" tIns="64008" rIns="128016" bIns="64008" rtlCol="0" anchor="ctr"/>
           <a:lstStyle/>
           <a:p>
             <a:pPr algn="ctr"/>
             <a:r>
-              <a:rPr lang="en-US" altLang="ja-JP" sz="2400" b="1" dirty="0" smtClean="0">
+              <a:rPr lang="en-US" altLang="ja-JP" sz="3400" b="1" dirty="0">
                 <a:solidFill>
                   <a:srgbClr val="F7257F"/>
                 </a:solidFill>
@@ -5975,7 +5959,7 @@
               <a:t>PM</a:t>
             </a:r>
             <a:r>
-              <a:rPr lang="ja-JP" altLang="en-US" sz="2400" b="1" dirty="0" smtClean="0">
+              <a:rPr lang="ja-JP" altLang="en-US" sz="3400" b="1" dirty="0">
                 <a:solidFill>
                   <a:srgbClr val="F7257F"/>
                 </a:solidFill>
@@ -5984,13 +5968,6 @@
               </a:rPr>
               <a:t>桃太郎</a:t>
             </a:r>
-            <a:endParaRPr kumimoji="1" lang="ja-JP" altLang="en-US" sz="2400" b="1" dirty="0" smtClean="0">
-              <a:solidFill>
-                <a:srgbClr val="F7257F"/>
-              </a:solidFill>
-              <a:latin typeface="小塚ゴシック Pr6N M" pitchFamily="34" charset="-128"/>
-              <a:ea typeface="小塚ゴシック Pr6N M" pitchFamily="34" charset="-128"/>
-            </a:endParaRPr>
           </a:p>
         </p:txBody>
       </p:sp>
@@ -6002,8 +5979,8 @@
         </p:nvSpPr>
         <p:spPr>
           <a:xfrm>
-            <a:off x="188640" y="2595266"/>
-            <a:ext cx="2448272" cy="576064"/>
+            <a:off x="264096" y="3633372"/>
+            <a:ext cx="3427581" cy="806490"/>
           </a:xfrm>
           <a:prstGeom prst="roundRect">
             <a:avLst/>
@@ -6033,12 +6010,12 @@
           </a:fontRef>
         </p:style>
         <p:txBody>
-          <a:bodyPr rtlCol="0" anchor="ctr"/>
+          <a:bodyPr lIns="128016" tIns="64008" rIns="128016" bIns="64008" rtlCol="0" anchor="ctr"/>
           <a:lstStyle/>
           <a:p>
             <a:pPr algn="ctr"/>
             <a:r>
-              <a:rPr kumimoji="1" lang="ja-JP" altLang="en-US" sz="2400" b="1" dirty="0" smtClean="0">
+              <a:rPr lang="ja-JP" altLang="en-US" sz="3400" b="1" dirty="0">
                 <a:solidFill>
                   <a:schemeClr val="accent2">
                     <a:lumMod val="75000"/>
@@ -6060,8 +6037,8 @@
         </p:nvSpPr>
         <p:spPr>
           <a:xfrm>
-            <a:off x="2708920" y="2595266"/>
-            <a:ext cx="3839936" cy="576064"/>
+            <a:off x="3792488" y="3633372"/>
+            <a:ext cx="5375910" cy="806490"/>
           </a:xfrm>
           <a:prstGeom prst="roundRect">
             <a:avLst/>
@@ -6091,12 +6068,12 @@
           </a:fontRef>
         </p:style>
         <p:txBody>
-          <a:bodyPr rtlCol="0" anchor="ctr"/>
+          <a:bodyPr lIns="128016" tIns="64008" rIns="128016" bIns="64008" rtlCol="0" anchor="ctr"/>
           <a:lstStyle/>
           <a:p>
             <a:pPr algn="ctr"/>
             <a:r>
-              <a:rPr kumimoji="1" lang="ja-JP" altLang="en-US" sz="2400" b="1" dirty="0" smtClean="0">
+              <a:rPr lang="ja-JP" altLang="en-US" sz="3400" b="1" dirty="0">
                 <a:solidFill>
                   <a:srgbClr val="00B050"/>
                 </a:solidFill>
@@ -6116,8 +6093,8 @@
         </p:nvSpPr>
         <p:spPr>
           <a:xfrm>
-            <a:off x="265270" y="4211960"/>
-            <a:ext cx="6355595" cy="1631216"/>
+            <a:off x="371379" y="5896744"/>
+            <a:ext cx="8897833" cy="2283702"/>
           </a:xfrm>
           <a:prstGeom prst="rect">
             <a:avLst/>
@@ -6138,106 +6115,106 @@
           </a:fontRef>
         </p:style>
         <p:txBody>
-          <a:bodyPr wrap="square">
+          <a:bodyPr wrap="square" lIns="128016" tIns="64008" rIns="128016" bIns="64008">
             <a:spAutoFit/>
           </a:bodyPr>
           <a:lstStyle/>
           <a:p>
             <a:r>
-              <a:rPr lang="ja-JP" altLang="en-US" sz="2000" b="1" dirty="0" smtClean="0">
+              <a:rPr lang="ja-JP" altLang="en-US" sz="2800" b="1" dirty="0">
                 <a:latin typeface="小塚ゴシック Pr6N M" pitchFamily="34" charset="-128"/>
                 <a:ea typeface="小塚ゴシック Pr6N M" pitchFamily="34" charset="-128"/>
               </a:rPr>
               <a:t>①プロジェクトマネジメントの概要を理解する</a:t>
             </a:r>
-            <a:endParaRPr lang="en-US" altLang="ja-JP" sz="2000" b="1" dirty="0" smtClean="0">
+            <a:endParaRPr lang="en-US" altLang="ja-JP" sz="2800" b="1" dirty="0">
               <a:latin typeface="小塚ゴシック Pr6N M" pitchFamily="34" charset="-128"/>
               <a:ea typeface="小塚ゴシック Pr6N M" pitchFamily="34" charset="-128"/>
             </a:endParaRPr>
           </a:p>
           <a:p>
             <a:r>
-              <a:rPr lang="ja-JP" altLang="en-US" sz="2000" b="1" dirty="0" smtClean="0">
+              <a:rPr lang="ja-JP" altLang="en-US" sz="2800" b="1" dirty="0">
                 <a:latin typeface="小塚ゴシック Pr6N M" pitchFamily="34" charset="-128"/>
                 <a:ea typeface="小塚ゴシック Pr6N M" pitchFamily="34" charset="-128"/>
               </a:rPr>
               <a:t>②バックストーリーを作成し，プロジェクトに結びつける</a:t>
             </a:r>
-            <a:endParaRPr lang="en-US" altLang="ja-JP" sz="2000" b="1" dirty="0" smtClean="0">
+            <a:endParaRPr lang="en-US" altLang="ja-JP" sz="2800" b="1" dirty="0">
               <a:latin typeface="小塚ゴシック Pr6N M" pitchFamily="34" charset="-128"/>
               <a:ea typeface="小塚ゴシック Pr6N M" pitchFamily="34" charset="-128"/>
             </a:endParaRPr>
           </a:p>
           <a:p>
             <a:r>
-              <a:rPr lang="ja-JP" altLang="en-US" sz="2000" b="1" dirty="0">
+              <a:rPr lang="ja-JP" altLang="en-US" sz="2800" b="1" dirty="0">
                 <a:latin typeface="小塚ゴシック Pr6N M" pitchFamily="34" charset="-128"/>
                 <a:ea typeface="小塚ゴシック Pr6N M" pitchFamily="34" charset="-128"/>
               </a:rPr>
               <a:t>③</a:t>
             </a:r>
             <a:r>
-              <a:rPr lang="ja-JP" altLang="en-US" sz="2000" b="1" dirty="0" smtClean="0">
+              <a:rPr lang="ja-JP" altLang="en-US" sz="2800" b="1" dirty="0">
                 <a:latin typeface="小塚ゴシック Pr6N M" pitchFamily="34" charset="-128"/>
                 <a:ea typeface="小塚ゴシック Pr6N M" pitchFamily="34" charset="-128"/>
               </a:rPr>
               <a:t>基本計画書・ガントチャートを作成をする</a:t>
             </a:r>
-            <a:endParaRPr lang="en-US" altLang="ja-JP" sz="2000" b="1" dirty="0" smtClean="0">
+            <a:endParaRPr lang="en-US" altLang="ja-JP" sz="2800" b="1" dirty="0">
               <a:latin typeface="小塚ゴシック Pr6N M" pitchFamily="34" charset="-128"/>
               <a:ea typeface="小塚ゴシック Pr6N M" pitchFamily="34" charset="-128"/>
             </a:endParaRPr>
           </a:p>
           <a:p>
             <a:r>
-              <a:rPr lang="ja-JP" altLang="en-US" sz="2000" b="1" dirty="0">
+              <a:rPr lang="ja-JP" altLang="en-US" sz="2800" b="1" dirty="0">
                 <a:latin typeface="小塚ゴシック Pr6N M" pitchFamily="34" charset="-128"/>
                 <a:ea typeface="小塚ゴシック Pr6N M" pitchFamily="34" charset="-128"/>
               </a:rPr>
               <a:t>④</a:t>
             </a:r>
             <a:r>
-              <a:rPr lang="ja-JP" altLang="en-US" sz="2000" b="1" dirty="0" smtClean="0">
+              <a:rPr lang="ja-JP" altLang="en-US" sz="2800" b="1" dirty="0">
                 <a:latin typeface="小塚ゴシック Pr6N M" pitchFamily="34" charset="-128"/>
                 <a:ea typeface="小塚ゴシック Pr6N M" pitchFamily="34" charset="-128"/>
               </a:rPr>
               <a:t>行った作業の全てをまとめて</a:t>
             </a:r>
             <a:r>
-              <a:rPr lang="en-US" altLang="ja-JP" sz="2000" b="1" dirty="0" smtClean="0">
+              <a:rPr lang="en-US" altLang="ja-JP" sz="2800" b="1" dirty="0">
                 <a:latin typeface="小塚ゴシック Pr6N M" pitchFamily="34" charset="-128"/>
                 <a:ea typeface="小塚ゴシック Pr6N M" pitchFamily="34" charset="-128"/>
               </a:rPr>
               <a:t>1</a:t>
             </a:r>
             <a:r>
-              <a:rPr lang="ja-JP" altLang="en-US" sz="2000" b="1" dirty="0" smtClean="0">
+              <a:rPr lang="ja-JP" altLang="en-US" sz="2800" b="1" dirty="0">
                 <a:latin typeface="小塚ゴシック Pr6N M" pitchFamily="34" charset="-128"/>
                 <a:ea typeface="小塚ゴシック Pr6N M" pitchFamily="34" charset="-128"/>
               </a:rPr>
               <a:t>枚のマップを作成する</a:t>
             </a:r>
-            <a:endParaRPr lang="en-US" altLang="ja-JP" sz="2000" b="1" dirty="0" smtClean="0">
+            <a:endParaRPr lang="en-US" altLang="ja-JP" sz="2800" b="1" dirty="0">
               <a:latin typeface="小塚ゴシック Pr6N M" pitchFamily="34" charset="-128"/>
               <a:ea typeface="小塚ゴシック Pr6N M" pitchFamily="34" charset="-128"/>
             </a:endParaRPr>
           </a:p>
           <a:p>
             <a:r>
-              <a:rPr lang="ja-JP" altLang="en-US" sz="2000" b="1" dirty="0">
+              <a:rPr lang="ja-JP" altLang="en-US" sz="2800" b="1" dirty="0">
                 <a:latin typeface="小塚ゴシック Pr6N M" pitchFamily="34" charset="-128"/>
                 <a:ea typeface="小塚ゴシック Pr6N M" pitchFamily="34" charset="-128"/>
               </a:rPr>
               <a:t>⑤</a:t>
             </a:r>
             <a:r>
-              <a:rPr lang="ja-JP" altLang="en-US" sz="2000" b="1" dirty="0" smtClean="0">
+              <a:rPr lang="ja-JP" altLang="en-US" sz="2800" b="1" dirty="0">
                 <a:latin typeface="小塚ゴシック Pr6N M" pitchFamily="34" charset="-128"/>
                 <a:ea typeface="小塚ゴシック Pr6N M" pitchFamily="34" charset="-128"/>
               </a:rPr>
               <a:t>ワークショップに対する評価をする</a:t>
             </a:r>
-            <a:endParaRPr lang="en-US" altLang="ja-JP" sz="2000" b="1" dirty="0">
+            <a:endParaRPr lang="en-US" altLang="ja-JP" sz="2800" b="1" dirty="0">
               <a:latin typeface="小塚ゴシック Pr6N M" pitchFamily="34" charset="-128"/>
               <a:ea typeface="小塚ゴシック Pr6N M" pitchFamily="34" charset="-128"/>
             </a:endParaRPr>
@@ -6252,8 +6229,8 @@
         </p:nvCxnSpPr>
         <p:spPr>
           <a:xfrm>
-            <a:off x="260648" y="3419872"/>
-            <a:ext cx="6355595" cy="0"/>
+            <a:off x="364908" y="4787821"/>
+            <a:ext cx="8897833" cy="0"/>
           </a:xfrm>
           <a:prstGeom prst="line">
             <a:avLst/>
@@ -6288,8 +6265,8 @@
         </p:nvSpPr>
         <p:spPr>
           <a:xfrm>
-            <a:off x="116632" y="3612089"/>
-            <a:ext cx="2808311" cy="455855"/>
+            <a:off x="163286" y="5056925"/>
+            <a:ext cx="3931635" cy="638197"/>
           </a:xfrm>
           <a:prstGeom prst="rect">
             <a:avLst/>
@@ -6316,11 +6293,11 @@
           </a:fontRef>
         </p:style>
         <p:txBody>
-          <a:bodyPr rtlCol="0" anchor="ctr"/>
+          <a:bodyPr lIns="128016" tIns="64008" rIns="128016" bIns="64008" rtlCol="0" anchor="ctr"/>
           <a:lstStyle/>
           <a:p>
             <a:r>
-              <a:rPr kumimoji="1" lang="ja-JP" altLang="en-US" sz="2400" b="1" cap="all" dirty="0" smtClean="0">
+              <a:rPr lang="ja-JP" altLang="en-US" sz="3400" b="1" cap="all" dirty="0">
                 <a:ln w="9000" cmpd="sng">
                   <a:solidFill>
                     <a:srgbClr val="D6F1F6"/>
@@ -6338,7 +6315,7 @@
               </a:rPr>
               <a:t>ＴＤＬプロジェクト</a:t>
             </a:r>
-            <a:endParaRPr kumimoji="1" lang="ja-JP" altLang="en-US" sz="2400" b="1" cap="all" dirty="0">
+            <a:endParaRPr lang="ja-JP" altLang="en-US" sz="3400" b="1" cap="all" dirty="0">
               <a:ln w="9000" cmpd="sng">
                 <a:solidFill>
                   <a:srgbClr val="D6F1F6"/>
@@ -6372,8 +6349,8 @@
           </p:nvPr>
         </p:nvGraphicFramePr>
         <p:xfrm>
-          <a:off x="332656" y="6697920"/>
-          <a:ext cx="6216200" cy="2194560"/>
+          <a:off x="465718" y="9377088"/>
+          <a:ext cx="8702680" cy="3072384"/>
         </p:xfrm>
         <a:graphic>
           <a:graphicData uri="http://schemas.openxmlformats.org/drawingml/2006/table">
@@ -6382,10 +6359,10 @@
                 <a:tableStyleId>{5C22544A-7EE6-4342-B048-85BDC9FD1C3A}</a:tableStyleId>
               </a:tblPr>
               <a:tblGrid>
-                <a:gridCol w="2386680"/>
-                <a:gridCol w="3829520"/>
+                <a:gridCol w="3341352"/>
+                <a:gridCol w="5361328"/>
               </a:tblGrid>
-              <a:tr h="345305">
+              <a:tr h="512064">
                 <a:tc>
                   <a:txBody>
                     <a:bodyPr/>
@@ -6393,17 +6370,17 @@
                     <a:p>
                       <a:pPr algn="ctr"/>
                       <a:r>
-                        <a:rPr kumimoji="1" lang="ja-JP" altLang="en-US" b="1" dirty="0" smtClean="0">
+                        <a:rPr kumimoji="1" lang="ja-JP" altLang="en-US" sz="2500" b="1" dirty="0" smtClean="0">
                           <a:ea typeface="小塚ゴシック Pr6N M"/>
                         </a:rPr>
                         <a:t>期間　２０１４年～</a:t>
                       </a:r>
-                      <a:endParaRPr kumimoji="1" lang="ja-JP" altLang="en-US" b="1" dirty="0">
+                      <a:endParaRPr kumimoji="1" lang="ja-JP" altLang="en-US" sz="2500" b="1" dirty="0">
                         <a:ea typeface="小塚ゴシック Pr6N M"/>
                       </a:endParaRPr>
                     </a:p>
                   </a:txBody>
-                  <a:tcPr/>
+                  <a:tcPr marL="128016" marR="128016" marT="64008" marB="64008"/>
                 </a:tc>
                 <a:tc>
                   <a:txBody>
@@ -6412,20 +6389,20 @@
                     <a:p>
                       <a:pPr algn="ctr"/>
                       <a:r>
-                        <a:rPr kumimoji="1" lang="ja-JP" altLang="en-US" b="1" dirty="0" smtClean="0">
+                        <a:rPr kumimoji="1" lang="ja-JP" altLang="en-US" sz="2500" b="1" dirty="0" smtClean="0">
                           <a:ea typeface="小塚ゴシック Pr6N M"/>
                         </a:rPr>
                         <a:t>内容</a:t>
                       </a:r>
-                      <a:endParaRPr kumimoji="1" lang="ja-JP" altLang="en-US" b="1" dirty="0">
+                      <a:endParaRPr kumimoji="1" lang="ja-JP" altLang="en-US" sz="2500" b="1" dirty="0">
                         <a:ea typeface="小塚ゴシック Pr6N M"/>
                       </a:endParaRPr>
                     </a:p>
                   </a:txBody>
-                  <a:tcPr/>
+                  <a:tcPr marL="128016" marR="128016" marT="64008" marB="64008"/>
                 </a:tc>
               </a:tr>
-              <a:tr h="345305">
+              <a:tr h="512064">
                 <a:tc>
                   <a:txBody>
                     <a:bodyPr/>
@@ -6433,17 +6410,17 @@
                     <a:p>
                       <a:pPr algn="l"/>
                       <a:r>
-                        <a:rPr kumimoji="1" lang="ja-JP" altLang="en-US" b="1" dirty="0" smtClean="0">
+                        <a:rPr kumimoji="1" lang="ja-JP" altLang="en-US" sz="2500" b="1" dirty="0" smtClean="0">
                           <a:ea typeface="小塚ゴシック Pr6N M"/>
                         </a:rPr>
                         <a:t>１月～２月</a:t>
                       </a:r>
-                      <a:endParaRPr kumimoji="1" lang="ja-JP" altLang="en-US" b="1" dirty="0">
+                      <a:endParaRPr kumimoji="1" lang="ja-JP" altLang="en-US" sz="2500" b="1" dirty="0">
                         <a:ea typeface="小塚ゴシック Pr6N M"/>
                       </a:endParaRPr>
                     </a:p>
                   </a:txBody>
-                  <a:tcPr/>
+                  <a:tcPr marL="128016" marR="128016" marT="64008" marB="64008"/>
                 </a:tc>
                 <a:tc>
                   <a:txBody>
@@ -6452,20 +6429,20 @@
                     <a:p>
                       <a:pPr algn="l"/>
                       <a:r>
-                        <a:rPr kumimoji="1" lang="ja-JP" altLang="en-US" b="1" dirty="0" smtClean="0">
+                        <a:rPr kumimoji="1" lang="ja-JP" altLang="en-US" sz="2500" b="1" dirty="0" smtClean="0">
                           <a:ea typeface="小塚ゴシック Pr6N M"/>
                         </a:rPr>
                         <a:t>ＴＤＬワークショップを一人で行う</a:t>
                       </a:r>
-                      <a:endParaRPr kumimoji="1" lang="ja-JP" altLang="en-US" b="1" dirty="0">
+                      <a:endParaRPr kumimoji="1" lang="ja-JP" altLang="en-US" sz="2500" b="1" dirty="0">
                         <a:ea typeface="小塚ゴシック Pr6N M"/>
                       </a:endParaRPr>
                     </a:p>
                   </a:txBody>
-                  <a:tcPr/>
+                  <a:tcPr marL="128016" marR="128016" marT="64008" marB="64008"/>
                 </a:tc>
               </a:tr>
-              <a:tr h="345305">
+              <a:tr h="512064">
                 <a:tc>
                   <a:txBody>
                     <a:bodyPr/>
@@ -6473,17 +6450,17 @@
                     <a:p>
                       <a:pPr algn="l"/>
                       <a:r>
-                        <a:rPr kumimoji="1" lang="ja-JP" altLang="en-US" b="1" dirty="0" smtClean="0">
+                        <a:rPr kumimoji="1" lang="ja-JP" altLang="en-US" sz="2500" b="1" dirty="0" smtClean="0">
                           <a:ea typeface="小塚ゴシック Pr6N M"/>
                         </a:rPr>
                         <a:t>３月～４月</a:t>
                       </a:r>
-                      <a:endParaRPr kumimoji="1" lang="ja-JP" altLang="en-US" b="1" dirty="0">
+                      <a:endParaRPr kumimoji="1" lang="ja-JP" altLang="en-US" sz="2500" b="1" dirty="0">
                         <a:ea typeface="小塚ゴシック Pr6N M"/>
                       </a:endParaRPr>
                     </a:p>
                   </a:txBody>
-                  <a:tcPr/>
+                  <a:tcPr marL="128016" marR="128016" marT="64008" marB="64008"/>
                 </a:tc>
                 <a:tc>
                   <a:txBody>
@@ -6492,20 +6469,20 @@
                     <a:p>
                       <a:pPr algn="l"/>
                       <a:r>
-                        <a:rPr kumimoji="1" lang="ja-JP" altLang="en-US" b="1" dirty="0" smtClean="0">
+                        <a:rPr kumimoji="1" lang="ja-JP" altLang="en-US" sz="2500" b="1" dirty="0" smtClean="0">
                           <a:ea typeface="小塚ゴシック Pr6N M"/>
                         </a:rPr>
                         <a:t>ワークショップの計画及び準備</a:t>
                       </a:r>
-                      <a:endParaRPr kumimoji="1" lang="ja-JP" altLang="en-US" b="1" dirty="0">
+                      <a:endParaRPr kumimoji="1" lang="ja-JP" altLang="en-US" sz="2500" b="1" dirty="0">
                         <a:ea typeface="小塚ゴシック Pr6N M"/>
                       </a:endParaRPr>
                     </a:p>
                   </a:txBody>
-                  <a:tcPr/>
+                  <a:tcPr marL="128016" marR="128016" marT="64008" marB="64008"/>
                 </a:tc>
               </a:tr>
-              <a:tr h="345305">
+              <a:tr h="512064">
                 <a:tc>
                   <a:txBody>
                     <a:bodyPr/>
@@ -6513,17 +6490,17 @@
                     <a:p>
                       <a:pPr algn="l"/>
                       <a:r>
-                        <a:rPr kumimoji="1" lang="ja-JP" altLang="en-US" b="1" dirty="0" smtClean="0">
+                        <a:rPr kumimoji="1" lang="ja-JP" altLang="en-US" sz="2500" b="1" dirty="0" smtClean="0">
                           <a:ea typeface="小塚ゴシック Pr6N M"/>
                         </a:rPr>
                         <a:t>４月～７月</a:t>
                       </a:r>
-                      <a:endParaRPr kumimoji="1" lang="ja-JP" altLang="en-US" b="1" dirty="0">
+                      <a:endParaRPr kumimoji="1" lang="ja-JP" altLang="en-US" sz="2500" b="1" dirty="0">
                         <a:ea typeface="小塚ゴシック Pr6N M"/>
                       </a:endParaRPr>
                     </a:p>
                   </a:txBody>
-                  <a:tcPr/>
+                  <a:tcPr marL="128016" marR="128016" marT="64008" marB="64008"/>
                 </a:tc>
                 <a:tc>
                   <a:txBody>
@@ -6532,20 +6509,20 @@
                     <a:p>
                       <a:pPr algn="l"/>
                       <a:r>
-                        <a:rPr kumimoji="1" lang="ja-JP" altLang="en-US" b="1" dirty="0" smtClean="0">
+                        <a:rPr kumimoji="1" lang="ja-JP" altLang="en-US" sz="2500" b="1" dirty="0" smtClean="0">
                           <a:ea typeface="小塚ゴシック Pr6N M"/>
                         </a:rPr>
                         <a:t>ワークショップの実践</a:t>
                       </a:r>
-                      <a:endParaRPr kumimoji="1" lang="ja-JP" altLang="en-US" b="1" dirty="0">
+                      <a:endParaRPr kumimoji="1" lang="ja-JP" altLang="en-US" sz="2500" b="1" dirty="0">
                         <a:ea typeface="小塚ゴシック Pr6N M"/>
                       </a:endParaRPr>
                     </a:p>
                   </a:txBody>
-                  <a:tcPr/>
+                  <a:tcPr marL="128016" marR="128016" marT="64008" marB="64008"/>
                 </a:tc>
               </a:tr>
-              <a:tr h="345305">
+              <a:tr h="512064">
                 <a:tc>
                   <a:txBody>
                     <a:bodyPr/>
@@ -6553,17 +6530,17 @@
                     <a:p>
                       <a:pPr algn="l"/>
                       <a:r>
-                        <a:rPr kumimoji="1" lang="ja-JP" altLang="en-US" b="1" dirty="0" smtClean="0">
+                        <a:rPr kumimoji="1" lang="ja-JP" altLang="en-US" sz="2500" b="1" dirty="0" smtClean="0">
                           <a:ea typeface="小塚ゴシック Pr6N M"/>
                         </a:rPr>
                         <a:t>８月～９月</a:t>
                       </a:r>
-                      <a:endParaRPr kumimoji="1" lang="ja-JP" altLang="en-US" b="1" dirty="0">
+                      <a:endParaRPr kumimoji="1" lang="ja-JP" altLang="en-US" sz="2500" b="1" dirty="0">
                         <a:ea typeface="小塚ゴシック Pr6N M"/>
                       </a:endParaRPr>
                     </a:p>
                   </a:txBody>
-                  <a:tcPr/>
+                  <a:tcPr marL="128016" marR="128016" marT="64008" marB="64008"/>
                 </a:tc>
                 <a:tc>
                   <a:txBody>
@@ -6572,20 +6549,20 @@
                     <a:p>
                       <a:pPr algn="l"/>
                       <a:r>
-                        <a:rPr kumimoji="1" lang="ja-JP" altLang="en-US" b="1" dirty="0" smtClean="0">
+                        <a:rPr kumimoji="1" lang="ja-JP" altLang="en-US" sz="2500" b="1" dirty="0" smtClean="0">
                           <a:ea typeface="小塚ゴシック Pr6N M"/>
                         </a:rPr>
                         <a:t>ワークショップのまとめ</a:t>
                       </a:r>
-                      <a:endParaRPr kumimoji="1" lang="ja-JP" altLang="en-US" b="1" dirty="0">
+                      <a:endParaRPr kumimoji="1" lang="ja-JP" altLang="en-US" sz="2500" b="1" dirty="0">
                         <a:ea typeface="小塚ゴシック Pr6N M"/>
                       </a:endParaRPr>
                     </a:p>
                   </a:txBody>
-                  <a:tcPr/>
+                  <a:tcPr marL="128016" marR="128016" marT="64008" marB="64008"/>
                 </a:tc>
               </a:tr>
-              <a:tr h="345305">
+              <a:tr h="512064">
                 <a:tc>
                   <a:txBody>
                     <a:bodyPr/>
@@ -6593,17 +6570,17 @@
                     <a:p>
                       <a:pPr algn="l"/>
                       <a:r>
-                        <a:rPr kumimoji="1" lang="ja-JP" altLang="en-US" b="1" dirty="0" smtClean="0">
+                        <a:rPr kumimoji="1" lang="ja-JP" altLang="en-US" sz="2500" b="1" dirty="0" smtClean="0">
                           <a:ea typeface="小塚ゴシック Pr6N M"/>
                         </a:rPr>
                         <a:t>１０月～</a:t>
                       </a:r>
-                      <a:endParaRPr kumimoji="1" lang="ja-JP" altLang="en-US" b="1" dirty="0">
+                      <a:endParaRPr kumimoji="1" lang="ja-JP" altLang="en-US" sz="2500" b="1" dirty="0">
                         <a:ea typeface="小塚ゴシック Pr6N M"/>
                       </a:endParaRPr>
                     </a:p>
                   </a:txBody>
-                  <a:tcPr/>
+                  <a:tcPr marL="128016" marR="128016" marT="64008" marB="64008"/>
                 </a:tc>
                 <a:tc>
                   <a:txBody>
@@ -6612,17 +6589,17 @@
                     <a:p>
                       <a:pPr algn="l"/>
                       <a:r>
-                        <a:rPr kumimoji="1" lang="ja-JP" altLang="en-US" b="1" dirty="0" smtClean="0">
+                        <a:rPr kumimoji="1" lang="ja-JP" altLang="en-US" sz="2500" b="1" dirty="0" smtClean="0">
                           <a:ea typeface="小塚ゴシック Pr6N M"/>
                         </a:rPr>
                         <a:t>卒論執筆開始</a:t>
                       </a:r>
-                      <a:endParaRPr kumimoji="1" lang="ja-JP" altLang="en-US" b="1" dirty="0">
+                      <a:endParaRPr kumimoji="1" lang="ja-JP" altLang="en-US" sz="2500" b="1" dirty="0">
                         <a:ea typeface="小塚ゴシック Pr6N M"/>
                       </a:endParaRPr>
                     </a:p>
                   </a:txBody>
-                  <a:tcPr/>
+                  <a:tcPr marL="128016" marR="128016" marT="64008" marB="64008"/>
                 </a:tc>
               </a:tr>
             </a:tbl>
@@ -6652,8 +6629,8 @@
         </p:blipFill>
         <p:spPr bwMode="auto">
           <a:xfrm>
-            <a:off x="5013176" y="5796007"/>
-            <a:ext cx="1790526" cy="1296273"/>
+            <a:off x="7018447" y="8114411"/>
+            <a:ext cx="2506736" cy="1814782"/>
           </a:xfrm>
           <a:prstGeom prst="rect">
             <a:avLst/>
@@ -6678,8 +6655,8 @@
         </p:nvSpPr>
         <p:spPr>
           <a:xfrm>
-            <a:off x="188640" y="6156177"/>
-            <a:ext cx="1435538" cy="504055"/>
+            <a:off x="264096" y="8618649"/>
+            <a:ext cx="2009753" cy="705677"/>
           </a:xfrm>
           <a:prstGeom prst="rect">
             <a:avLst/>
@@ -6704,12 +6681,12 @@
           </a:fontRef>
         </p:style>
         <p:txBody>
-          <a:bodyPr rtlCol="0" anchor="ctr"/>
+          <a:bodyPr lIns="128016" tIns="64008" rIns="128016" bIns="64008" rtlCol="0" anchor="ctr"/>
           <a:lstStyle/>
           <a:p>
             <a:pPr algn="ctr"/>
             <a:r>
-              <a:rPr kumimoji="1" lang="ja-JP" altLang="en-US" sz="2400" b="1" cap="all" dirty="0" smtClean="0">
+              <a:rPr lang="ja-JP" altLang="en-US" sz="3400" b="1" cap="all" dirty="0">
                 <a:ln w="9000" cmpd="sng">
                   <a:solidFill>
                     <a:srgbClr val="B3E5EF"/>
@@ -6727,7 +6704,7 @@
               </a:rPr>
               <a:t>これから</a:t>
             </a:r>
-            <a:endParaRPr kumimoji="1" lang="ja-JP" altLang="en-US" sz="2400" b="1" cap="all" dirty="0">
+            <a:endParaRPr lang="ja-JP" altLang="en-US" sz="3400" b="1" cap="all" dirty="0">
               <a:ln w="9000" cmpd="sng">
                 <a:solidFill>
                   <a:srgbClr val="B3E5EF"/>

--- a/課題研究/2013/鈴木淳子/課題研究_ポスター.pptx
+++ b/課題研究/2013/鈴木淳子/課題研究_ポスター.pptx
@@ -11,14 +11,14 @@
     <p:sldId id="256" r:id="rId2"/>
     <p:sldId id="258" r:id="rId3"/>
   </p:sldIdLst>
-  <p:sldSz cx="6858000" cy="9144000" type="screen4x3"/>
+  <p:sldSz cx="9601200" cy="12801600" type="A3"/>
   <p:notesSz cx="6797675" cy="9926638"/>
   <p:defaultTextStyle>
     <a:defPPr>
       <a:defRPr lang="ja-JP"/>
     </a:defPPr>
-    <a:lvl1pPr marL="0" algn="l" defTabSz="914400" rtl="0" eaLnBrk="1" latinLnBrk="0" hangingPunct="1">
-      <a:defRPr kumimoji="1" sz="1800" kern="1200">
+    <a:lvl1pPr marL="0" algn="l" defTabSz="1280160" rtl="0" eaLnBrk="1" latinLnBrk="0" hangingPunct="1">
+      <a:defRPr kumimoji="1" sz="2500" kern="1200">
         <a:solidFill>
           <a:schemeClr val="tx1"/>
         </a:solidFill>
@@ -27,8 +27,8 @@
         <a:cs typeface="+mn-cs"/>
       </a:defRPr>
     </a:lvl1pPr>
-    <a:lvl2pPr marL="457200" algn="l" defTabSz="914400" rtl="0" eaLnBrk="1" latinLnBrk="0" hangingPunct="1">
-      <a:defRPr kumimoji="1" sz="1800" kern="1200">
+    <a:lvl2pPr marL="640080" algn="l" defTabSz="1280160" rtl="0" eaLnBrk="1" latinLnBrk="0" hangingPunct="1">
+      <a:defRPr kumimoji="1" sz="2500" kern="1200">
         <a:solidFill>
           <a:schemeClr val="tx1"/>
         </a:solidFill>
@@ -37,8 +37,8 @@
         <a:cs typeface="+mn-cs"/>
       </a:defRPr>
     </a:lvl2pPr>
-    <a:lvl3pPr marL="914400" algn="l" defTabSz="914400" rtl="0" eaLnBrk="1" latinLnBrk="0" hangingPunct="1">
-      <a:defRPr kumimoji="1" sz="1800" kern="1200">
+    <a:lvl3pPr marL="1280160" algn="l" defTabSz="1280160" rtl="0" eaLnBrk="1" latinLnBrk="0" hangingPunct="1">
+      <a:defRPr kumimoji="1" sz="2500" kern="1200">
         <a:solidFill>
           <a:schemeClr val="tx1"/>
         </a:solidFill>
@@ -47,8 +47,8 @@
         <a:cs typeface="+mn-cs"/>
       </a:defRPr>
     </a:lvl3pPr>
-    <a:lvl4pPr marL="1371600" algn="l" defTabSz="914400" rtl="0" eaLnBrk="1" latinLnBrk="0" hangingPunct="1">
-      <a:defRPr kumimoji="1" sz="1800" kern="1200">
+    <a:lvl4pPr marL="1920240" algn="l" defTabSz="1280160" rtl="0" eaLnBrk="1" latinLnBrk="0" hangingPunct="1">
+      <a:defRPr kumimoji="1" sz="2500" kern="1200">
         <a:solidFill>
           <a:schemeClr val="tx1"/>
         </a:solidFill>
@@ -57,8 +57,8 @@
         <a:cs typeface="+mn-cs"/>
       </a:defRPr>
     </a:lvl4pPr>
-    <a:lvl5pPr marL="1828800" algn="l" defTabSz="914400" rtl="0" eaLnBrk="1" latinLnBrk="0" hangingPunct="1">
-      <a:defRPr kumimoji="1" sz="1800" kern="1200">
+    <a:lvl5pPr marL="2560320" algn="l" defTabSz="1280160" rtl="0" eaLnBrk="1" latinLnBrk="0" hangingPunct="1">
+      <a:defRPr kumimoji="1" sz="2500" kern="1200">
         <a:solidFill>
           <a:schemeClr val="tx1"/>
         </a:solidFill>
@@ -67,8 +67,8 @@
         <a:cs typeface="+mn-cs"/>
       </a:defRPr>
     </a:lvl5pPr>
-    <a:lvl6pPr marL="2286000" algn="l" defTabSz="914400" rtl="0" eaLnBrk="1" latinLnBrk="0" hangingPunct="1">
-      <a:defRPr kumimoji="1" sz="1800" kern="1200">
+    <a:lvl6pPr marL="3200400" algn="l" defTabSz="1280160" rtl="0" eaLnBrk="1" latinLnBrk="0" hangingPunct="1">
+      <a:defRPr kumimoji="1" sz="2500" kern="1200">
         <a:solidFill>
           <a:schemeClr val="tx1"/>
         </a:solidFill>
@@ -77,8 +77,8 @@
         <a:cs typeface="+mn-cs"/>
       </a:defRPr>
     </a:lvl6pPr>
-    <a:lvl7pPr marL="2743200" algn="l" defTabSz="914400" rtl="0" eaLnBrk="1" latinLnBrk="0" hangingPunct="1">
-      <a:defRPr kumimoji="1" sz="1800" kern="1200">
+    <a:lvl7pPr marL="3840480" algn="l" defTabSz="1280160" rtl="0" eaLnBrk="1" latinLnBrk="0" hangingPunct="1">
+      <a:defRPr kumimoji="1" sz="2500" kern="1200">
         <a:solidFill>
           <a:schemeClr val="tx1"/>
         </a:solidFill>
@@ -87,8 +87,8 @@
         <a:cs typeface="+mn-cs"/>
       </a:defRPr>
     </a:lvl7pPr>
-    <a:lvl8pPr marL="3200400" algn="l" defTabSz="914400" rtl="0" eaLnBrk="1" latinLnBrk="0" hangingPunct="1">
-      <a:defRPr kumimoji="1" sz="1800" kern="1200">
+    <a:lvl8pPr marL="4480560" algn="l" defTabSz="1280160" rtl="0" eaLnBrk="1" latinLnBrk="0" hangingPunct="1">
+      <a:defRPr kumimoji="1" sz="2500" kern="1200">
         <a:solidFill>
           <a:schemeClr val="tx1"/>
         </a:solidFill>
@@ -97,8 +97,8 @@
         <a:cs typeface="+mn-cs"/>
       </a:defRPr>
     </a:lvl8pPr>
-    <a:lvl9pPr marL="3657600" algn="l" defTabSz="914400" rtl="0" eaLnBrk="1" latinLnBrk="0" hangingPunct="1">
-      <a:defRPr kumimoji="1" sz="1800" kern="1200">
+    <a:lvl9pPr marL="5120640" algn="l" defTabSz="1280160" rtl="0" eaLnBrk="1" latinLnBrk="0" hangingPunct="1">
+      <a:defRPr kumimoji="1" sz="2500" kern="1200">
         <a:solidFill>
           <a:schemeClr val="tx1"/>
         </a:solidFill>
@@ -193,7 +193,7 @@
           <a:p>
             <a:fld id="{F21D3B71-2F3A-44CC-8E34-1E9252633E21}" type="datetimeFigureOut">
               <a:rPr kumimoji="1" lang="ja-JP" altLang="en-US" smtClean="0"/>
-              <a:t>2013/12/11</a:t>
+              <a:t>2013/12/12</a:t>
             </a:fld>
             <a:endParaRPr kumimoji="1" lang="ja-JP" altLang="en-US"/>
           </a:p>
@@ -399,8 +399,8 @@
   </p:cSld>
   <p:clrMap bg1="lt1" tx1="dk1" bg2="lt2" tx2="dk2" accent1="accent1" accent2="accent2" accent3="accent3" accent4="accent4" accent5="accent5" accent6="accent6" hlink="hlink" folHlink="folHlink"/>
   <p:notesStyle>
-    <a:lvl1pPr marL="0" algn="l" defTabSz="914400" rtl="0" eaLnBrk="1" latinLnBrk="0" hangingPunct="1">
-      <a:defRPr kumimoji="1" sz="1200" kern="1200">
+    <a:lvl1pPr marL="0" algn="l" defTabSz="1280160" rtl="0" eaLnBrk="1" latinLnBrk="0" hangingPunct="1">
+      <a:defRPr kumimoji="1" sz="1700" kern="1200">
         <a:solidFill>
           <a:schemeClr val="tx1"/>
         </a:solidFill>
@@ -409,8 +409,8 @@
         <a:cs typeface="+mn-cs"/>
       </a:defRPr>
     </a:lvl1pPr>
-    <a:lvl2pPr marL="457200" algn="l" defTabSz="914400" rtl="0" eaLnBrk="1" latinLnBrk="0" hangingPunct="1">
-      <a:defRPr kumimoji="1" sz="1200" kern="1200">
+    <a:lvl2pPr marL="640080" algn="l" defTabSz="1280160" rtl="0" eaLnBrk="1" latinLnBrk="0" hangingPunct="1">
+      <a:defRPr kumimoji="1" sz="1700" kern="1200">
         <a:solidFill>
           <a:schemeClr val="tx1"/>
         </a:solidFill>
@@ -419,8 +419,8 @@
         <a:cs typeface="+mn-cs"/>
       </a:defRPr>
     </a:lvl2pPr>
-    <a:lvl3pPr marL="914400" algn="l" defTabSz="914400" rtl="0" eaLnBrk="1" latinLnBrk="0" hangingPunct="1">
-      <a:defRPr kumimoji="1" sz="1200" kern="1200">
+    <a:lvl3pPr marL="1280160" algn="l" defTabSz="1280160" rtl="0" eaLnBrk="1" latinLnBrk="0" hangingPunct="1">
+      <a:defRPr kumimoji="1" sz="1700" kern="1200">
         <a:solidFill>
           <a:schemeClr val="tx1"/>
         </a:solidFill>
@@ -429,8 +429,8 @@
         <a:cs typeface="+mn-cs"/>
       </a:defRPr>
     </a:lvl3pPr>
-    <a:lvl4pPr marL="1371600" algn="l" defTabSz="914400" rtl="0" eaLnBrk="1" latinLnBrk="0" hangingPunct="1">
-      <a:defRPr kumimoji="1" sz="1200" kern="1200">
+    <a:lvl4pPr marL="1920240" algn="l" defTabSz="1280160" rtl="0" eaLnBrk="1" latinLnBrk="0" hangingPunct="1">
+      <a:defRPr kumimoji="1" sz="1700" kern="1200">
         <a:solidFill>
           <a:schemeClr val="tx1"/>
         </a:solidFill>
@@ -439,8 +439,8 @@
         <a:cs typeface="+mn-cs"/>
       </a:defRPr>
     </a:lvl4pPr>
-    <a:lvl5pPr marL="1828800" algn="l" defTabSz="914400" rtl="0" eaLnBrk="1" latinLnBrk="0" hangingPunct="1">
-      <a:defRPr kumimoji="1" sz="1200" kern="1200">
+    <a:lvl5pPr marL="2560320" algn="l" defTabSz="1280160" rtl="0" eaLnBrk="1" latinLnBrk="0" hangingPunct="1">
+      <a:defRPr kumimoji="1" sz="1700" kern="1200">
         <a:solidFill>
           <a:schemeClr val="tx1"/>
         </a:solidFill>
@@ -449,8 +449,8 @@
         <a:cs typeface="+mn-cs"/>
       </a:defRPr>
     </a:lvl5pPr>
-    <a:lvl6pPr marL="2286000" algn="l" defTabSz="914400" rtl="0" eaLnBrk="1" latinLnBrk="0" hangingPunct="1">
-      <a:defRPr kumimoji="1" sz="1200" kern="1200">
+    <a:lvl6pPr marL="3200400" algn="l" defTabSz="1280160" rtl="0" eaLnBrk="1" latinLnBrk="0" hangingPunct="1">
+      <a:defRPr kumimoji="1" sz="1700" kern="1200">
         <a:solidFill>
           <a:schemeClr val="tx1"/>
         </a:solidFill>
@@ -459,8 +459,8 @@
         <a:cs typeface="+mn-cs"/>
       </a:defRPr>
     </a:lvl6pPr>
-    <a:lvl7pPr marL="2743200" algn="l" defTabSz="914400" rtl="0" eaLnBrk="1" latinLnBrk="0" hangingPunct="1">
-      <a:defRPr kumimoji="1" sz="1200" kern="1200">
+    <a:lvl7pPr marL="3840480" algn="l" defTabSz="1280160" rtl="0" eaLnBrk="1" latinLnBrk="0" hangingPunct="1">
+      <a:defRPr kumimoji="1" sz="1700" kern="1200">
         <a:solidFill>
           <a:schemeClr val="tx1"/>
         </a:solidFill>
@@ -469,8 +469,8 @@
         <a:cs typeface="+mn-cs"/>
       </a:defRPr>
     </a:lvl7pPr>
-    <a:lvl8pPr marL="3200400" algn="l" defTabSz="914400" rtl="0" eaLnBrk="1" latinLnBrk="0" hangingPunct="1">
-      <a:defRPr kumimoji="1" sz="1200" kern="1200">
+    <a:lvl8pPr marL="4480560" algn="l" defTabSz="1280160" rtl="0" eaLnBrk="1" latinLnBrk="0" hangingPunct="1">
+      <a:defRPr kumimoji="1" sz="1700" kern="1200">
         <a:solidFill>
           <a:schemeClr val="tx1"/>
         </a:solidFill>
@@ -479,8 +479,8 @@
         <a:cs typeface="+mn-cs"/>
       </a:defRPr>
     </a:lvl8pPr>
-    <a:lvl9pPr marL="3657600" algn="l" defTabSz="914400" rtl="0" eaLnBrk="1" latinLnBrk="0" hangingPunct="1">
-      <a:defRPr kumimoji="1" sz="1200" kern="1200">
+    <a:lvl9pPr marL="5120640" algn="l" defTabSz="1280160" rtl="0" eaLnBrk="1" latinLnBrk="0" hangingPunct="1">
+      <a:defRPr kumimoji="1" sz="1700" kern="1200">
         <a:solidFill>
           <a:schemeClr val="tx1"/>
         </a:solidFill>
@@ -522,8 +522,8 @@
         </p:nvSpPr>
         <p:spPr>
           <a:xfrm>
-            <a:off x="514350" y="2840568"/>
-            <a:ext cx="5829300" cy="1960033"/>
+            <a:off x="720090" y="3976796"/>
+            <a:ext cx="8161020" cy="2744046"/>
           </a:xfrm>
         </p:spPr>
         <p:txBody>
@@ -550,8 +550,8 @@
         </p:nvSpPr>
         <p:spPr>
           <a:xfrm>
-            <a:off x="1028700" y="5181600"/>
-            <a:ext cx="4800600" cy="2336800"/>
+            <a:off x="1440180" y="7254240"/>
+            <a:ext cx="6720840" cy="3271520"/>
           </a:xfrm>
         </p:spPr>
         <p:txBody>
@@ -567,7 +567,7 @@
                 </a:solidFill>
               </a:defRPr>
             </a:lvl1pPr>
-            <a:lvl2pPr marL="457200" indent="0" algn="ctr">
+            <a:lvl2pPr marL="640080" indent="0" algn="ctr">
               <a:buNone/>
               <a:defRPr>
                 <a:solidFill>
@@ -577,7 +577,7 @@
                 </a:solidFill>
               </a:defRPr>
             </a:lvl2pPr>
-            <a:lvl3pPr marL="914400" indent="0" algn="ctr">
+            <a:lvl3pPr marL="1280160" indent="0" algn="ctr">
               <a:buNone/>
               <a:defRPr>
                 <a:solidFill>
@@ -587,7 +587,7 @@
                 </a:solidFill>
               </a:defRPr>
             </a:lvl3pPr>
-            <a:lvl4pPr marL="1371600" indent="0" algn="ctr">
+            <a:lvl4pPr marL="1920240" indent="0" algn="ctr">
               <a:buNone/>
               <a:defRPr>
                 <a:solidFill>
@@ -597,7 +597,7 @@
                 </a:solidFill>
               </a:defRPr>
             </a:lvl4pPr>
-            <a:lvl5pPr marL="1828800" indent="0" algn="ctr">
+            <a:lvl5pPr marL="2560320" indent="0" algn="ctr">
               <a:buNone/>
               <a:defRPr>
                 <a:solidFill>
@@ -607,7 +607,7 @@
                 </a:solidFill>
               </a:defRPr>
             </a:lvl5pPr>
-            <a:lvl6pPr marL="2286000" indent="0" algn="ctr">
+            <a:lvl6pPr marL="3200400" indent="0" algn="ctr">
               <a:buNone/>
               <a:defRPr>
                 <a:solidFill>
@@ -617,7 +617,7 @@
                 </a:solidFill>
               </a:defRPr>
             </a:lvl6pPr>
-            <a:lvl7pPr marL="2743200" indent="0" algn="ctr">
+            <a:lvl7pPr marL="3840480" indent="0" algn="ctr">
               <a:buNone/>
               <a:defRPr>
                 <a:solidFill>
@@ -627,7 +627,7 @@
                 </a:solidFill>
               </a:defRPr>
             </a:lvl7pPr>
-            <a:lvl8pPr marL="3200400" indent="0" algn="ctr">
+            <a:lvl8pPr marL="4480560" indent="0" algn="ctr">
               <a:buNone/>
               <a:defRPr>
                 <a:solidFill>
@@ -637,7 +637,7 @@
                 </a:solidFill>
               </a:defRPr>
             </a:lvl8pPr>
-            <a:lvl9pPr marL="3657600" indent="0" algn="ctr">
+            <a:lvl9pPr marL="5120640" indent="0" algn="ctr">
               <a:buNone/>
               <a:defRPr>
                 <a:solidFill>
@@ -674,7 +674,7 @@
           <a:p>
             <a:fld id="{AF2C9282-7945-4632-B5B1-6A81F81D4F10}" type="datetimeFigureOut">
               <a:rPr kumimoji="1" lang="ja-JP" altLang="en-US" smtClean="0"/>
-              <a:t>2013/12/11</a:t>
+              <a:t>2013/12/12</a:t>
             </a:fld>
             <a:endParaRPr kumimoji="1" lang="ja-JP" altLang="en-US"/>
           </a:p>
@@ -876,7 +876,7 @@
           <a:p>
             <a:fld id="{AF2C9282-7945-4632-B5B1-6A81F81D4F10}" type="datetimeFigureOut">
               <a:rPr kumimoji="1" lang="ja-JP" altLang="en-US" smtClean="0"/>
-              <a:t>2013/12/11</a:t>
+              <a:t>2013/12/12</a:t>
             </a:fld>
             <a:endParaRPr kumimoji="1" lang="ja-JP" altLang="en-US"/>
           </a:p>
@@ -966,8 +966,8 @@
         </p:nvSpPr>
         <p:spPr>
           <a:xfrm>
-            <a:off x="3729037" y="488951"/>
-            <a:ext cx="1157288" cy="10401300"/>
+            <a:off x="5220652" y="684531"/>
+            <a:ext cx="1620203" cy="14561820"/>
           </a:xfrm>
         </p:spPr>
         <p:txBody>
@@ -994,8 +994,8 @@
         </p:nvSpPr>
         <p:spPr>
           <a:xfrm>
-            <a:off x="257175" y="488951"/>
-            <a:ext cx="3357563" cy="10401300"/>
+            <a:off x="360046" y="684531"/>
+            <a:ext cx="4700588" cy="14561820"/>
           </a:xfrm>
         </p:spPr>
         <p:txBody>
@@ -1088,7 +1088,7 @@
           <a:p>
             <a:fld id="{AF2C9282-7945-4632-B5B1-6A81F81D4F10}" type="datetimeFigureOut">
               <a:rPr kumimoji="1" lang="ja-JP" altLang="en-US" smtClean="0"/>
-              <a:t>2013/12/11</a:t>
+              <a:t>2013/12/12</a:t>
             </a:fld>
             <a:endParaRPr kumimoji="1" lang="ja-JP" altLang="en-US"/>
           </a:p>
@@ -1290,7 +1290,7 @@
           <a:p>
             <a:fld id="{AF2C9282-7945-4632-B5B1-6A81F81D4F10}" type="datetimeFigureOut">
               <a:rPr kumimoji="1" lang="ja-JP" altLang="en-US" smtClean="0"/>
-              <a:t>2013/12/11</a:t>
+              <a:t>2013/12/12</a:t>
             </a:fld>
             <a:endParaRPr kumimoji="1" lang="ja-JP" altLang="en-US"/>
           </a:p>
@@ -1380,15 +1380,15 @@
         </p:nvSpPr>
         <p:spPr>
           <a:xfrm>
-            <a:off x="541735" y="5875867"/>
-            <a:ext cx="5829300" cy="1816100"/>
+            <a:off x="758429" y="8226214"/>
+            <a:ext cx="8161020" cy="2542540"/>
           </a:xfrm>
         </p:spPr>
         <p:txBody>
           <a:bodyPr anchor="t"/>
           <a:lstStyle>
             <a:lvl1pPr algn="l">
-              <a:defRPr sz="4000" b="1" cap="all"/>
+              <a:defRPr sz="5600" b="1" cap="all"/>
             </a:lvl1pPr>
           </a:lstStyle>
           <a:p>
@@ -1412,14 +1412,44 @@
         </p:nvSpPr>
         <p:spPr>
           <a:xfrm>
-            <a:off x="541735" y="3875618"/>
-            <a:ext cx="5829300" cy="2000249"/>
+            <a:off x="758429" y="5425866"/>
+            <a:ext cx="8161020" cy="2800349"/>
           </a:xfrm>
         </p:spPr>
         <p:txBody>
           <a:bodyPr anchor="b"/>
           <a:lstStyle>
             <a:lvl1pPr marL="0" indent="0">
+              <a:buNone/>
+              <a:defRPr sz="2800">
+                <a:solidFill>
+                  <a:schemeClr val="tx1">
+                    <a:tint val="75000"/>
+                  </a:schemeClr>
+                </a:solidFill>
+              </a:defRPr>
+            </a:lvl1pPr>
+            <a:lvl2pPr marL="640080" indent="0">
+              <a:buNone/>
+              <a:defRPr sz="2500">
+                <a:solidFill>
+                  <a:schemeClr val="tx1">
+                    <a:tint val="75000"/>
+                  </a:schemeClr>
+                </a:solidFill>
+              </a:defRPr>
+            </a:lvl2pPr>
+            <a:lvl3pPr marL="1280160" indent="0">
+              <a:buNone/>
+              <a:defRPr sz="2200">
+                <a:solidFill>
+                  <a:schemeClr val="tx1">
+                    <a:tint val="75000"/>
+                  </a:schemeClr>
+                </a:solidFill>
+              </a:defRPr>
+            </a:lvl3pPr>
+            <a:lvl4pPr marL="1920240" indent="0">
               <a:buNone/>
               <a:defRPr sz="2000">
                 <a:solidFill>
@@ -1428,40 +1458,10 @@
                   </a:schemeClr>
                 </a:solidFill>
               </a:defRPr>
-            </a:lvl1pPr>
-            <a:lvl2pPr marL="457200" indent="0">
+            </a:lvl4pPr>
+            <a:lvl5pPr marL="2560320" indent="0">
               <a:buNone/>
-              <a:defRPr sz="1800">
-                <a:solidFill>
-                  <a:schemeClr val="tx1">
-                    <a:tint val="75000"/>
-                  </a:schemeClr>
-                </a:solidFill>
-              </a:defRPr>
-            </a:lvl2pPr>
-            <a:lvl3pPr marL="914400" indent="0">
-              <a:buNone/>
-              <a:defRPr sz="1600">
-                <a:solidFill>
-                  <a:schemeClr val="tx1">
-                    <a:tint val="75000"/>
-                  </a:schemeClr>
-                </a:solidFill>
-              </a:defRPr>
-            </a:lvl3pPr>
-            <a:lvl4pPr marL="1371600" indent="0">
-              <a:buNone/>
-              <a:defRPr sz="1400">
-                <a:solidFill>
-                  <a:schemeClr val="tx1">
-                    <a:tint val="75000"/>
-                  </a:schemeClr>
-                </a:solidFill>
-              </a:defRPr>
-            </a:lvl4pPr>
-            <a:lvl5pPr marL="1828800" indent="0">
-              <a:buNone/>
-              <a:defRPr sz="1400">
+              <a:defRPr sz="2000">
                 <a:solidFill>
                   <a:schemeClr val="tx1">
                     <a:tint val="75000"/>
@@ -1469,9 +1469,9 @@
                 </a:solidFill>
               </a:defRPr>
             </a:lvl5pPr>
-            <a:lvl6pPr marL="2286000" indent="0">
+            <a:lvl6pPr marL="3200400" indent="0">
               <a:buNone/>
-              <a:defRPr sz="1400">
+              <a:defRPr sz="2000">
                 <a:solidFill>
                   <a:schemeClr val="tx1">
                     <a:tint val="75000"/>
@@ -1479,9 +1479,9 @@
                 </a:solidFill>
               </a:defRPr>
             </a:lvl6pPr>
-            <a:lvl7pPr marL="2743200" indent="0">
+            <a:lvl7pPr marL="3840480" indent="0">
               <a:buNone/>
-              <a:defRPr sz="1400">
+              <a:defRPr sz="2000">
                 <a:solidFill>
                   <a:schemeClr val="tx1">
                     <a:tint val="75000"/>
@@ -1489,9 +1489,9 @@
                 </a:solidFill>
               </a:defRPr>
             </a:lvl7pPr>
-            <a:lvl8pPr marL="3200400" indent="0">
+            <a:lvl8pPr marL="4480560" indent="0">
               <a:buNone/>
-              <a:defRPr sz="1400">
+              <a:defRPr sz="2000">
                 <a:solidFill>
                   <a:schemeClr val="tx1">
                     <a:tint val="75000"/>
@@ -1499,9 +1499,9 @@
                 </a:solidFill>
               </a:defRPr>
             </a:lvl8pPr>
-            <a:lvl9pPr marL="3657600" indent="0">
+            <a:lvl9pPr marL="5120640" indent="0">
               <a:buNone/>
-              <a:defRPr sz="1400">
+              <a:defRPr sz="2000">
                 <a:solidFill>
                   <a:schemeClr val="tx1">
                     <a:tint val="75000"/>
@@ -1536,7 +1536,7 @@
           <a:p>
             <a:fld id="{AF2C9282-7945-4632-B5B1-6A81F81D4F10}" type="datetimeFigureOut">
               <a:rPr kumimoji="1" lang="ja-JP" altLang="en-US" smtClean="0"/>
-              <a:t>2013/12/11</a:t>
+              <a:t>2013/12/12</a:t>
             </a:fld>
             <a:endParaRPr kumimoji="1" lang="ja-JP" altLang="en-US"/>
           </a:p>
@@ -1649,39 +1649,39 @@
         </p:nvSpPr>
         <p:spPr>
           <a:xfrm>
-            <a:off x="257175" y="2844800"/>
-            <a:ext cx="2257425" cy="8045451"/>
+            <a:off x="360046" y="3982721"/>
+            <a:ext cx="3160395" cy="11263631"/>
           </a:xfrm>
         </p:spPr>
         <p:txBody>
           <a:bodyPr/>
           <a:lstStyle>
             <a:lvl1pPr>
-              <a:defRPr sz="2800"/>
+              <a:defRPr sz="3900"/>
             </a:lvl1pPr>
             <a:lvl2pPr>
-              <a:defRPr sz="2400"/>
+              <a:defRPr sz="3400"/>
             </a:lvl2pPr>
             <a:lvl3pPr>
-              <a:defRPr sz="2000"/>
+              <a:defRPr sz="2800"/>
             </a:lvl3pPr>
             <a:lvl4pPr>
-              <a:defRPr sz="1800"/>
+              <a:defRPr sz="2500"/>
             </a:lvl4pPr>
             <a:lvl5pPr>
-              <a:defRPr sz="1800"/>
+              <a:defRPr sz="2500"/>
             </a:lvl5pPr>
             <a:lvl6pPr>
-              <a:defRPr sz="1800"/>
+              <a:defRPr sz="2500"/>
             </a:lvl6pPr>
             <a:lvl7pPr>
-              <a:defRPr sz="1800"/>
+              <a:defRPr sz="2500"/>
             </a:lvl7pPr>
             <a:lvl8pPr>
-              <a:defRPr sz="1800"/>
+              <a:defRPr sz="2500"/>
             </a:lvl8pPr>
             <a:lvl9pPr>
-              <a:defRPr sz="1800"/>
+              <a:defRPr sz="2500"/>
             </a:lvl9pPr>
           </a:lstStyle>
           <a:p>
@@ -1766,39 +1766,39 @@
         </p:nvSpPr>
         <p:spPr>
           <a:xfrm>
-            <a:off x="2628900" y="2844800"/>
-            <a:ext cx="2257425" cy="8045451"/>
+            <a:off x="3680461" y="3982721"/>
+            <a:ext cx="3160395" cy="11263631"/>
           </a:xfrm>
         </p:spPr>
         <p:txBody>
           <a:bodyPr/>
           <a:lstStyle>
             <a:lvl1pPr>
-              <a:defRPr sz="2800"/>
+              <a:defRPr sz="3900"/>
             </a:lvl1pPr>
             <a:lvl2pPr>
-              <a:defRPr sz="2400"/>
+              <a:defRPr sz="3400"/>
             </a:lvl2pPr>
             <a:lvl3pPr>
-              <a:defRPr sz="2000"/>
+              <a:defRPr sz="2800"/>
             </a:lvl3pPr>
             <a:lvl4pPr>
-              <a:defRPr sz="1800"/>
+              <a:defRPr sz="2500"/>
             </a:lvl4pPr>
             <a:lvl5pPr>
-              <a:defRPr sz="1800"/>
+              <a:defRPr sz="2500"/>
             </a:lvl5pPr>
             <a:lvl6pPr>
-              <a:defRPr sz="1800"/>
+              <a:defRPr sz="2500"/>
             </a:lvl6pPr>
             <a:lvl7pPr>
-              <a:defRPr sz="1800"/>
+              <a:defRPr sz="2500"/>
             </a:lvl7pPr>
             <a:lvl8pPr>
-              <a:defRPr sz="1800"/>
+              <a:defRPr sz="2500"/>
             </a:lvl8pPr>
             <a:lvl9pPr>
-              <a:defRPr sz="1800"/>
+              <a:defRPr sz="2500"/>
             </a:lvl9pPr>
           </a:lstStyle>
           <a:p>
@@ -1888,7 +1888,7 @@
           <a:p>
             <a:fld id="{AF2C9282-7945-4632-B5B1-6A81F81D4F10}" type="datetimeFigureOut">
               <a:rPr kumimoji="1" lang="ja-JP" altLang="en-US" smtClean="0"/>
-              <a:t>2013/12/11</a:t>
+              <a:t>2013/12/12</a:t>
             </a:fld>
             <a:endParaRPr kumimoji="1" lang="ja-JP" altLang="en-US"/>
           </a:p>
@@ -1978,8 +1978,8 @@
         </p:nvSpPr>
         <p:spPr>
           <a:xfrm>
-            <a:off x="342900" y="366184"/>
-            <a:ext cx="6172200" cy="1524000"/>
+            <a:off x="480060" y="512658"/>
+            <a:ext cx="8641080" cy="2133600"/>
           </a:xfrm>
         </p:spPr>
         <p:txBody>
@@ -2010,8 +2010,8 @@
         </p:nvSpPr>
         <p:spPr>
           <a:xfrm>
-            <a:off x="342900" y="2046817"/>
-            <a:ext cx="3030141" cy="853016"/>
+            <a:off x="480061" y="2865544"/>
+            <a:ext cx="4242197" cy="1194222"/>
           </a:xfrm>
         </p:spPr>
         <p:txBody>
@@ -2019,39 +2019,39 @@
           <a:lstStyle>
             <a:lvl1pPr marL="0" indent="0">
               <a:buNone/>
-              <a:defRPr sz="2400" b="1"/>
+              <a:defRPr sz="3400" b="1"/>
             </a:lvl1pPr>
-            <a:lvl2pPr marL="457200" indent="0">
+            <a:lvl2pPr marL="640080" indent="0">
               <a:buNone/>
-              <a:defRPr sz="2000" b="1"/>
+              <a:defRPr sz="2800" b="1"/>
             </a:lvl2pPr>
-            <a:lvl3pPr marL="914400" indent="0">
+            <a:lvl3pPr marL="1280160" indent="0">
               <a:buNone/>
-              <a:defRPr sz="1800" b="1"/>
+              <a:defRPr sz="2500" b="1"/>
             </a:lvl3pPr>
-            <a:lvl4pPr marL="1371600" indent="0">
+            <a:lvl4pPr marL="1920240" indent="0">
               <a:buNone/>
-              <a:defRPr sz="1600" b="1"/>
+              <a:defRPr sz="2200" b="1"/>
             </a:lvl4pPr>
-            <a:lvl5pPr marL="1828800" indent="0">
+            <a:lvl5pPr marL="2560320" indent="0">
               <a:buNone/>
-              <a:defRPr sz="1600" b="1"/>
+              <a:defRPr sz="2200" b="1"/>
             </a:lvl5pPr>
-            <a:lvl6pPr marL="2286000" indent="0">
+            <a:lvl6pPr marL="3200400" indent="0">
               <a:buNone/>
-              <a:defRPr sz="1600" b="1"/>
+              <a:defRPr sz="2200" b="1"/>
             </a:lvl6pPr>
-            <a:lvl7pPr marL="2743200" indent="0">
+            <a:lvl7pPr marL="3840480" indent="0">
               <a:buNone/>
-              <a:defRPr sz="1600" b="1"/>
+              <a:defRPr sz="2200" b="1"/>
             </a:lvl7pPr>
-            <a:lvl8pPr marL="3200400" indent="0">
+            <a:lvl8pPr marL="4480560" indent="0">
               <a:buNone/>
-              <a:defRPr sz="1600" b="1"/>
+              <a:defRPr sz="2200" b="1"/>
             </a:lvl8pPr>
-            <a:lvl9pPr marL="3657600" indent="0">
+            <a:lvl9pPr marL="5120640" indent="0">
               <a:buNone/>
-              <a:defRPr sz="1600" b="1"/>
+              <a:defRPr sz="2200" b="1"/>
             </a:lvl9pPr>
           </a:lstStyle>
           <a:p>
@@ -2075,39 +2075,39 @@
         </p:nvSpPr>
         <p:spPr>
           <a:xfrm>
-            <a:off x="342900" y="2899833"/>
-            <a:ext cx="3030141" cy="5268384"/>
+            <a:off x="480061" y="4059766"/>
+            <a:ext cx="4242197" cy="7375738"/>
           </a:xfrm>
         </p:spPr>
         <p:txBody>
           <a:bodyPr/>
           <a:lstStyle>
             <a:lvl1pPr>
-              <a:defRPr sz="2400"/>
+              <a:defRPr sz="3400"/>
             </a:lvl1pPr>
             <a:lvl2pPr>
-              <a:defRPr sz="2000"/>
+              <a:defRPr sz="2800"/>
             </a:lvl2pPr>
             <a:lvl3pPr>
-              <a:defRPr sz="1800"/>
+              <a:defRPr sz="2500"/>
             </a:lvl3pPr>
             <a:lvl4pPr>
-              <a:defRPr sz="1600"/>
+              <a:defRPr sz="2200"/>
             </a:lvl4pPr>
             <a:lvl5pPr>
-              <a:defRPr sz="1600"/>
+              <a:defRPr sz="2200"/>
             </a:lvl5pPr>
             <a:lvl6pPr>
-              <a:defRPr sz="1600"/>
+              <a:defRPr sz="2200"/>
             </a:lvl6pPr>
             <a:lvl7pPr>
-              <a:defRPr sz="1600"/>
+              <a:defRPr sz="2200"/>
             </a:lvl7pPr>
             <a:lvl8pPr>
-              <a:defRPr sz="1600"/>
+              <a:defRPr sz="2200"/>
             </a:lvl8pPr>
             <a:lvl9pPr>
-              <a:defRPr sz="1600"/>
+              <a:defRPr sz="2200"/>
             </a:lvl9pPr>
           </a:lstStyle>
           <a:p>
@@ -2192,8 +2192,8 @@
         </p:nvSpPr>
         <p:spPr>
           <a:xfrm>
-            <a:off x="3483769" y="2046817"/>
-            <a:ext cx="3031331" cy="853016"/>
+            <a:off x="4877278" y="2865544"/>
+            <a:ext cx="4243863" cy="1194222"/>
           </a:xfrm>
         </p:spPr>
         <p:txBody>
@@ -2201,39 +2201,39 @@
           <a:lstStyle>
             <a:lvl1pPr marL="0" indent="0">
               <a:buNone/>
-              <a:defRPr sz="2400" b="1"/>
+              <a:defRPr sz="3400" b="1"/>
             </a:lvl1pPr>
-            <a:lvl2pPr marL="457200" indent="0">
+            <a:lvl2pPr marL="640080" indent="0">
               <a:buNone/>
-              <a:defRPr sz="2000" b="1"/>
+              <a:defRPr sz="2800" b="1"/>
             </a:lvl2pPr>
-            <a:lvl3pPr marL="914400" indent="0">
+            <a:lvl3pPr marL="1280160" indent="0">
               <a:buNone/>
-              <a:defRPr sz="1800" b="1"/>
+              <a:defRPr sz="2500" b="1"/>
             </a:lvl3pPr>
-            <a:lvl4pPr marL="1371600" indent="0">
+            <a:lvl4pPr marL="1920240" indent="0">
               <a:buNone/>
-              <a:defRPr sz="1600" b="1"/>
+              <a:defRPr sz="2200" b="1"/>
             </a:lvl4pPr>
-            <a:lvl5pPr marL="1828800" indent="0">
+            <a:lvl5pPr marL="2560320" indent="0">
               <a:buNone/>
-              <a:defRPr sz="1600" b="1"/>
+              <a:defRPr sz="2200" b="1"/>
             </a:lvl5pPr>
-            <a:lvl6pPr marL="2286000" indent="0">
+            <a:lvl6pPr marL="3200400" indent="0">
               <a:buNone/>
-              <a:defRPr sz="1600" b="1"/>
+              <a:defRPr sz="2200" b="1"/>
             </a:lvl6pPr>
-            <a:lvl7pPr marL="2743200" indent="0">
+            <a:lvl7pPr marL="3840480" indent="0">
               <a:buNone/>
-              <a:defRPr sz="1600" b="1"/>
+              <a:defRPr sz="2200" b="1"/>
             </a:lvl7pPr>
-            <a:lvl8pPr marL="3200400" indent="0">
+            <a:lvl8pPr marL="4480560" indent="0">
               <a:buNone/>
-              <a:defRPr sz="1600" b="1"/>
+              <a:defRPr sz="2200" b="1"/>
             </a:lvl8pPr>
-            <a:lvl9pPr marL="3657600" indent="0">
+            <a:lvl9pPr marL="5120640" indent="0">
               <a:buNone/>
-              <a:defRPr sz="1600" b="1"/>
+              <a:defRPr sz="2200" b="1"/>
             </a:lvl9pPr>
           </a:lstStyle>
           <a:p>
@@ -2257,39 +2257,39 @@
         </p:nvSpPr>
         <p:spPr>
           <a:xfrm>
-            <a:off x="3483769" y="2899833"/>
-            <a:ext cx="3031331" cy="5268384"/>
+            <a:off x="4877278" y="4059766"/>
+            <a:ext cx="4243863" cy="7375738"/>
           </a:xfrm>
         </p:spPr>
         <p:txBody>
           <a:bodyPr/>
           <a:lstStyle>
             <a:lvl1pPr>
-              <a:defRPr sz="2400"/>
+              <a:defRPr sz="3400"/>
             </a:lvl1pPr>
             <a:lvl2pPr>
-              <a:defRPr sz="2000"/>
+              <a:defRPr sz="2800"/>
             </a:lvl2pPr>
             <a:lvl3pPr>
-              <a:defRPr sz="1800"/>
+              <a:defRPr sz="2500"/>
             </a:lvl3pPr>
             <a:lvl4pPr>
-              <a:defRPr sz="1600"/>
+              <a:defRPr sz="2200"/>
             </a:lvl4pPr>
             <a:lvl5pPr>
-              <a:defRPr sz="1600"/>
+              <a:defRPr sz="2200"/>
             </a:lvl5pPr>
             <a:lvl6pPr>
-              <a:defRPr sz="1600"/>
+              <a:defRPr sz="2200"/>
             </a:lvl6pPr>
             <a:lvl7pPr>
-              <a:defRPr sz="1600"/>
+              <a:defRPr sz="2200"/>
             </a:lvl7pPr>
             <a:lvl8pPr>
-              <a:defRPr sz="1600"/>
+              <a:defRPr sz="2200"/>
             </a:lvl8pPr>
             <a:lvl9pPr>
-              <a:defRPr sz="1600"/>
+              <a:defRPr sz="2200"/>
             </a:lvl9pPr>
           </a:lstStyle>
           <a:p>
@@ -2379,7 +2379,7 @@
           <a:p>
             <a:fld id="{AF2C9282-7945-4632-B5B1-6A81F81D4F10}" type="datetimeFigureOut">
               <a:rPr kumimoji="1" lang="ja-JP" altLang="en-US" smtClean="0"/>
-              <a:t>2013/12/11</a:t>
+              <a:t>2013/12/12</a:t>
             </a:fld>
             <a:endParaRPr kumimoji="1" lang="ja-JP" altLang="en-US"/>
           </a:p>
@@ -2497,7 +2497,7 @@
           <a:p>
             <a:fld id="{AF2C9282-7945-4632-B5B1-6A81F81D4F10}" type="datetimeFigureOut">
               <a:rPr kumimoji="1" lang="ja-JP" altLang="en-US" smtClean="0"/>
-              <a:t>2013/12/11</a:t>
+              <a:t>2013/12/12</a:t>
             </a:fld>
             <a:endParaRPr kumimoji="1" lang="ja-JP" altLang="en-US"/>
           </a:p>
@@ -2592,7 +2592,7 @@
           <a:p>
             <a:fld id="{AF2C9282-7945-4632-B5B1-6A81F81D4F10}" type="datetimeFigureOut">
               <a:rPr kumimoji="1" lang="ja-JP" altLang="en-US" smtClean="0"/>
-              <a:t>2013/12/11</a:t>
+              <a:t>2013/12/12</a:t>
             </a:fld>
             <a:endParaRPr kumimoji="1" lang="ja-JP" altLang="en-US"/>
           </a:p>
@@ -2682,15 +2682,15 @@
         </p:nvSpPr>
         <p:spPr>
           <a:xfrm>
-            <a:off x="342900" y="364067"/>
-            <a:ext cx="2256235" cy="1549400"/>
+            <a:off x="480061" y="509694"/>
+            <a:ext cx="3158729" cy="2169160"/>
           </a:xfrm>
         </p:spPr>
         <p:txBody>
           <a:bodyPr anchor="b"/>
           <a:lstStyle>
             <a:lvl1pPr algn="l">
-              <a:defRPr sz="2000" b="1"/>
+              <a:defRPr sz="2800" b="1"/>
             </a:lvl1pPr>
           </a:lstStyle>
           <a:p>
@@ -2714,39 +2714,39 @@
         </p:nvSpPr>
         <p:spPr>
           <a:xfrm>
-            <a:off x="2681287" y="364067"/>
-            <a:ext cx="3833813" cy="7804151"/>
+            <a:off x="3753803" y="509695"/>
+            <a:ext cx="5367338" cy="10925811"/>
           </a:xfrm>
         </p:spPr>
         <p:txBody>
           <a:bodyPr/>
           <a:lstStyle>
             <a:lvl1pPr>
-              <a:defRPr sz="3200"/>
+              <a:defRPr sz="4500"/>
             </a:lvl1pPr>
             <a:lvl2pPr>
-              <a:defRPr sz="2800"/>
+              <a:defRPr sz="3900"/>
             </a:lvl2pPr>
             <a:lvl3pPr>
-              <a:defRPr sz="2400"/>
+              <a:defRPr sz="3400"/>
             </a:lvl3pPr>
             <a:lvl4pPr>
-              <a:defRPr sz="2000"/>
+              <a:defRPr sz="2800"/>
             </a:lvl4pPr>
             <a:lvl5pPr>
-              <a:defRPr sz="2000"/>
+              <a:defRPr sz="2800"/>
             </a:lvl5pPr>
             <a:lvl6pPr>
-              <a:defRPr sz="2000"/>
+              <a:defRPr sz="2800"/>
             </a:lvl6pPr>
             <a:lvl7pPr>
-              <a:defRPr sz="2000"/>
+              <a:defRPr sz="2800"/>
             </a:lvl7pPr>
             <a:lvl8pPr>
-              <a:defRPr sz="2000"/>
+              <a:defRPr sz="2800"/>
             </a:lvl8pPr>
             <a:lvl9pPr>
-              <a:defRPr sz="2000"/>
+              <a:defRPr sz="2800"/>
             </a:lvl9pPr>
           </a:lstStyle>
           <a:p>
@@ -2831,8 +2831,8 @@
         </p:nvSpPr>
         <p:spPr>
           <a:xfrm>
-            <a:off x="342900" y="1913467"/>
-            <a:ext cx="2256235" cy="6254751"/>
+            <a:off x="480061" y="2678855"/>
+            <a:ext cx="3158729" cy="8756651"/>
           </a:xfrm>
         </p:spPr>
         <p:txBody>
@@ -2840,39 +2840,39 @@
           <a:lstStyle>
             <a:lvl1pPr marL="0" indent="0">
               <a:buNone/>
+              <a:defRPr sz="2000"/>
+            </a:lvl1pPr>
+            <a:lvl2pPr marL="640080" indent="0">
+              <a:buNone/>
+              <a:defRPr sz="1700"/>
+            </a:lvl2pPr>
+            <a:lvl3pPr marL="1280160" indent="0">
+              <a:buNone/>
               <a:defRPr sz="1400"/>
-            </a:lvl1pPr>
-            <a:lvl2pPr marL="457200" indent="0">
+            </a:lvl3pPr>
+            <a:lvl4pPr marL="1920240" indent="0">
               <a:buNone/>
-              <a:defRPr sz="1200"/>
-            </a:lvl2pPr>
-            <a:lvl3pPr marL="914400" indent="0">
+              <a:defRPr sz="1300"/>
+            </a:lvl4pPr>
+            <a:lvl5pPr marL="2560320" indent="0">
               <a:buNone/>
-              <a:defRPr sz="1000"/>
-            </a:lvl3pPr>
-            <a:lvl4pPr marL="1371600" indent="0">
+              <a:defRPr sz="1300"/>
+            </a:lvl5pPr>
+            <a:lvl6pPr marL="3200400" indent="0">
               <a:buNone/>
-              <a:defRPr sz="900"/>
-            </a:lvl4pPr>
-            <a:lvl5pPr marL="1828800" indent="0">
+              <a:defRPr sz="1300"/>
+            </a:lvl6pPr>
+            <a:lvl7pPr marL="3840480" indent="0">
               <a:buNone/>
-              <a:defRPr sz="900"/>
-            </a:lvl5pPr>
-            <a:lvl6pPr marL="2286000" indent="0">
+              <a:defRPr sz="1300"/>
+            </a:lvl7pPr>
+            <a:lvl8pPr marL="4480560" indent="0">
               <a:buNone/>
-              <a:defRPr sz="900"/>
-            </a:lvl6pPr>
-            <a:lvl7pPr marL="2743200" indent="0">
+              <a:defRPr sz="1300"/>
+            </a:lvl8pPr>
+            <a:lvl9pPr marL="5120640" indent="0">
               <a:buNone/>
-              <a:defRPr sz="900"/>
-            </a:lvl7pPr>
-            <a:lvl8pPr marL="3200400" indent="0">
-              <a:buNone/>
-              <a:defRPr sz="900"/>
-            </a:lvl8pPr>
-            <a:lvl9pPr marL="3657600" indent="0">
-              <a:buNone/>
-              <a:defRPr sz="900"/>
+              <a:defRPr sz="1300"/>
             </a:lvl9pPr>
           </a:lstStyle>
           <a:p>
@@ -2901,7 +2901,7 @@
           <a:p>
             <a:fld id="{AF2C9282-7945-4632-B5B1-6A81F81D4F10}" type="datetimeFigureOut">
               <a:rPr kumimoji="1" lang="ja-JP" altLang="en-US" smtClean="0"/>
-              <a:t>2013/12/11</a:t>
+              <a:t>2013/12/12</a:t>
             </a:fld>
             <a:endParaRPr kumimoji="1" lang="ja-JP" altLang="en-US"/>
           </a:p>
@@ -2991,15 +2991,15 @@
         </p:nvSpPr>
         <p:spPr>
           <a:xfrm>
-            <a:off x="1344216" y="6400800"/>
-            <a:ext cx="4114800" cy="755651"/>
+            <a:off x="1881902" y="8961121"/>
+            <a:ext cx="5760720" cy="1057911"/>
           </a:xfrm>
         </p:spPr>
         <p:txBody>
           <a:bodyPr anchor="b"/>
           <a:lstStyle>
             <a:lvl1pPr algn="l">
-              <a:defRPr sz="2000" b="1"/>
+              <a:defRPr sz="2800" b="1"/>
             </a:lvl1pPr>
           </a:lstStyle>
           <a:p>
@@ -3023,8 +3023,8 @@
         </p:nvSpPr>
         <p:spPr>
           <a:xfrm>
-            <a:off x="1344216" y="817033"/>
-            <a:ext cx="4114800" cy="5486400"/>
+            <a:off x="1881902" y="1143846"/>
+            <a:ext cx="5760720" cy="7680960"/>
           </a:xfrm>
         </p:spPr>
         <p:txBody>
@@ -3032,39 +3032,39 @@
           <a:lstStyle>
             <a:lvl1pPr marL="0" indent="0">
               <a:buNone/>
-              <a:defRPr sz="3200"/>
+              <a:defRPr sz="4500"/>
             </a:lvl1pPr>
-            <a:lvl2pPr marL="457200" indent="0">
+            <a:lvl2pPr marL="640080" indent="0">
+              <a:buNone/>
+              <a:defRPr sz="3900"/>
+            </a:lvl2pPr>
+            <a:lvl3pPr marL="1280160" indent="0">
+              <a:buNone/>
+              <a:defRPr sz="3400"/>
+            </a:lvl3pPr>
+            <a:lvl4pPr marL="1920240" indent="0">
               <a:buNone/>
               <a:defRPr sz="2800"/>
-            </a:lvl2pPr>
-            <a:lvl3pPr marL="914400" indent="0">
+            </a:lvl4pPr>
+            <a:lvl5pPr marL="2560320" indent="0">
               <a:buNone/>
-              <a:defRPr sz="2400"/>
-            </a:lvl3pPr>
-            <a:lvl4pPr marL="1371600" indent="0">
+              <a:defRPr sz="2800"/>
+            </a:lvl5pPr>
+            <a:lvl6pPr marL="3200400" indent="0">
               <a:buNone/>
-              <a:defRPr sz="2000"/>
-            </a:lvl4pPr>
-            <a:lvl5pPr marL="1828800" indent="0">
+              <a:defRPr sz="2800"/>
+            </a:lvl6pPr>
+            <a:lvl7pPr marL="3840480" indent="0">
               <a:buNone/>
-              <a:defRPr sz="2000"/>
-            </a:lvl5pPr>
-            <a:lvl6pPr marL="2286000" indent="0">
+              <a:defRPr sz="2800"/>
+            </a:lvl7pPr>
+            <a:lvl8pPr marL="4480560" indent="0">
               <a:buNone/>
-              <a:defRPr sz="2000"/>
-            </a:lvl6pPr>
-            <a:lvl7pPr marL="2743200" indent="0">
+              <a:defRPr sz="2800"/>
+            </a:lvl8pPr>
+            <a:lvl9pPr marL="5120640" indent="0">
               <a:buNone/>
-              <a:defRPr sz="2000"/>
-            </a:lvl7pPr>
-            <a:lvl8pPr marL="3200400" indent="0">
-              <a:buNone/>
-              <a:defRPr sz="2000"/>
-            </a:lvl8pPr>
-            <a:lvl9pPr marL="3657600" indent="0">
-              <a:buNone/>
-              <a:defRPr sz="2000"/>
+              <a:defRPr sz="2800"/>
             </a:lvl9pPr>
           </a:lstStyle>
           <a:p>
@@ -3084,8 +3084,8 @@
         </p:nvSpPr>
         <p:spPr>
           <a:xfrm>
-            <a:off x="1344216" y="7156451"/>
-            <a:ext cx="4114800" cy="1073149"/>
+            <a:off x="1881902" y="10019032"/>
+            <a:ext cx="5760720" cy="1502409"/>
           </a:xfrm>
         </p:spPr>
         <p:txBody>
@@ -3093,39 +3093,39 @@
           <a:lstStyle>
             <a:lvl1pPr marL="0" indent="0">
               <a:buNone/>
+              <a:defRPr sz="2000"/>
+            </a:lvl1pPr>
+            <a:lvl2pPr marL="640080" indent="0">
+              <a:buNone/>
+              <a:defRPr sz="1700"/>
+            </a:lvl2pPr>
+            <a:lvl3pPr marL="1280160" indent="0">
+              <a:buNone/>
               <a:defRPr sz="1400"/>
-            </a:lvl1pPr>
-            <a:lvl2pPr marL="457200" indent="0">
+            </a:lvl3pPr>
+            <a:lvl4pPr marL="1920240" indent="0">
               <a:buNone/>
-              <a:defRPr sz="1200"/>
-            </a:lvl2pPr>
-            <a:lvl3pPr marL="914400" indent="0">
+              <a:defRPr sz="1300"/>
+            </a:lvl4pPr>
+            <a:lvl5pPr marL="2560320" indent="0">
               <a:buNone/>
-              <a:defRPr sz="1000"/>
-            </a:lvl3pPr>
-            <a:lvl4pPr marL="1371600" indent="0">
+              <a:defRPr sz="1300"/>
+            </a:lvl5pPr>
+            <a:lvl6pPr marL="3200400" indent="0">
               <a:buNone/>
-              <a:defRPr sz="900"/>
-            </a:lvl4pPr>
-            <a:lvl5pPr marL="1828800" indent="0">
+              <a:defRPr sz="1300"/>
+            </a:lvl6pPr>
+            <a:lvl7pPr marL="3840480" indent="0">
               <a:buNone/>
-              <a:defRPr sz="900"/>
-            </a:lvl5pPr>
-            <a:lvl6pPr marL="2286000" indent="0">
+              <a:defRPr sz="1300"/>
+            </a:lvl7pPr>
+            <a:lvl8pPr marL="4480560" indent="0">
               <a:buNone/>
-              <a:defRPr sz="900"/>
-            </a:lvl6pPr>
-            <a:lvl7pPr marL="2743200" indent="0">
+              <a:defRPr sz="1300"/>
+            </a:lvl8pPr>
+            <a:lvl9pPr marL="5120640" indent="0">
               <a:buNone/>
-              <a:defRPr sz="900"/>
-            </a:lvl7pPr>
-            <a:lvl8pPr marL="3200400" indent="0">
-              <a:buNone/>
-              <a:defRPr sz="900"/>
-            </a:lvl8pPr>
-            <a:lvl9pPr marL="3657600" indent="0">
-              <a:buNone/>
-              <a:defRPr sz="900"/>
+              <a:defRPr sz="1300"/>
             </a:lvl9pPr>
           </a:lstStyle>
           <a:p>
@@ -3154,7 +3154,7 @@
           <a:p>
             <a:fld id="{AF2C9282-7945-4632-B5B1-6A81F81D4F10}" type="datetimeFigureOut">
               <a:rPr kumimoji="1" lang="ja-JP" altLang="en-US" smtClean="0"/>
-              <a:t>2013/12/11</a:t>
+              <a:t>2013/12/12</a:t>
             </a:fld>
             <a:endParaRPr kumimoji="1" lang="ja-JP" altLang="en-US"/>
           </a:p>
@@ -3279,15 +3279,15 @@
         </p:nvSpPr>
         <p:spPr>
           <a:xfrm>
-            <a:off x="342900" y="366184"/>
-            <a:ext cx="6172200" cy="1524000"/>
+            <a:off x="480060" y="512658"/>
+            <a:ext cx="8641080" cy="2133600"/>
           </a:xfrm>
           <a:prstGeom prst="rect">
             <a:avLst/>
           </a:prstGeom>
         </p:spPr>
         <p:txBody>
-          <a:bodyPr vert="horz" lIns="91440" tIns="45720" rIns="91440" bIns="45720" rtlCol="0" anchor="ctr">
+          <a:bodyPr vert="horz" lIns="128016" tIns="64008" rIns="128016" bIns="64008" rtlCol="0" anchor="ctr">
             <a:normAutofit/>
           </a:bodyPr>
           <a:lstStyle/>
@@ -3312,15 +3312,15 @@
         </p:nvSpPr>
         <p:spPr>
           <a:xfrm>
-            <a:off x="342900" y="2133601"/>
-            <a:ext cx="6172200" cy="6034617"/>
+            <a:off x="480060" y="2987042"/>
+            <a:ext cx="8641080" cy="8448464"/>
           </a:xfrm>
           <a:prstGeom prst="rect">
             <a:avLst/>
           </a:prstGeom>
         </p:spPr>
         <p:txBody>
-          <a:bodyPr vert="horz" lIns="91440" tIns="45720" rIns="91440" bIns="45720" rtlCol="0">
+          <a:bodyPr vert="horz" lIns="128016" tIns="64008" rIns="128016" bIns="64008" rtlCol="0">
             <a:normAutofit/>
           </a:bodyPr>
           <a:lstStyle/>
@@ -3406,18 +3406,18 @@
         </p:nvSpPr>
         <p:spPr>
           <a:xfrm>
-            <a:off x="342900" y="8475134"/>
-            <a:ext cx="1600200" cy="486833"/>
+            <a:off x="480060" y="11865188"/>
+            <a:ext cx="2240280" cy="681566"/>
           </a:xfrm>
           <a:prstGeom prst="rect">
             <a:avLst/>
           </a:prstGeom>
         </p:spPr>
         <p:txBody>
-          <a:bodyPr vert="horz" lIns="91440" tIns="45720" rIns="91440" bIns="45720" rtlCol="0" anchor="ctr"/>
+          <a:bodyPr vert="horz" lIns="128016" tIns="64008" rIns="128016" bIns="64008" rtlCol="0" anchor="ctr"/>
           <a:lstStyle>
             <a:lvl1pPr algn="l">
-              <a:defRPr sz="1200">
+              <a:defRPr sz="1700">
                 <a:solidFill>
                   <a:schemeClr val="tx1">
                     <a:tint val="75000"/>
@@ -3429,7 +3429,7 @@
           <a:p>
             <a:fld id="{AF2C9282-7945-4632-B5B1-6A81F81D4F10}" type="datetimeFigureOut">
               <a:rPr kumimoji="1" lang="ja-JP" altLang="en-US" smtClean="0"/>
-              <a:t>2013/12/11</a:t>
+              <a:t>2013/12/12</a:t>
             </a:fld>
             <a:endParaRPr kumimoji="1" lang="ja-JP" altLang="en-US"/>
           </a:p>
@@ -3447,18 +3447,18 @@
         </p:nvSpPr>
         <p:spPr>
           <a:xfrm>
-            <a:off x="2343150" y="8475134"/>
-            <a:ext cx="2171700" cy="486833"/>
+            <a:off x="3280410" y="11865188"/>
+            <a:ext cx="3040380" cy="681566"/>
           </a:xfrm>
           <a:prstGeom prst="rect">
             <a:avLst/>
           </a:prstGeom>
         </p:spPr>
         <p:txBody>
-          <a:bodyPr vert="horz" lIns="91440" tIns="45720" rIns="91440" bIns="45720" rtlCol="0" anchor="ctr"/>
+          <a:bodyPr vert="horz" lIns="128016" tIns="64008" rIns="128016" bIns="64008" rtlCol="0" anchor="ctr"/>
           <a:lstStyle>
             <a:lvl1pPr algn="ctr">
-              <a:defRPr sz="1200">
+              <a:defRPr sz="1700">
                 <a:solidFill>
                   <a:schemeClr val="tx1">
                     <a:tint val="75000"/>
@@ -3484,18 +3484,18 @@
         </p:nvSpPr>
         <p:spPr>
           <a:xfrm>
-            <a:off x="4914900" y="8475134"/>
-            <a:ext cx="1600200" cy="486833"/>
+            <a:off x="6880860" y="11865188"/>
+            <a:ext cx="2240280" cy="681566"/>
           </a:xfrm>
           <a:prstGeom prst="rect">
             <a:avLst/>
           </a:prstGeom>
         </p:spPr>
         <p:txBody>
-          <a:bodyPr vert="horz" lIns="91440" tIns="45720" rIns="91440" bIns="45720" rtlCol="0" anchor="ctr"/>
+          <a:bodyPr vert="horz" lIns="128016" tIns="64008" rIns="128016" bIns="64008" rtlCol="0" anchor="ctr"/>
           <a:lstStyle>
             <a:lvl1pPr algn="r">
-              <a:defRPr sz="1200">
+              <a:defRPr sz="1700">
                 <a:solidFill>
                   <a:schemeClr val="tx1">
                     <a:tint val="75000"/>
@@ -3536,12 +3536,12 @@
   </p:sldLayoutIdLst>
   <p:txStyles>
     <p:titleStyle>
-      <a:lvl1pPr algn="ctr" defTabSz="914400" rtl="0" eaLnBrk="1" latinLnBrk="0" hangingPunct="1">
+      <a:lvl1pPr algn="ctr" defTabSz="1280160" rtl="0" eaLnBrk="1" latinLnBrk="0" hangingPunct="1">
         <a:spcBef>
           <a:spcPct val="0"/>
         </a:spcBef>
         <a:buNone/>
-        <a:defRPr kumimoji="1" sz="4400" kern="1200">
+        <a:defRPr kumimoji="1" sz="6200" kern="1200">
           <a:solidFill>
             <a:schemeClr val="tx1"/>
           </a:solidFill>
@@ -3552,13 +3552,13 @@
       </a:lvl1pPr>
     </p:titleStyle>
     <p:bodyStyle>
-      <a:lvl1pPr marL="342900" indent="-342900" algn="l" defTabSz="914400" rtl="0" eaLnBrk="1" latinLnBrk="0" hangingPunct="1">
+      <a:lvl1pPr marL="480060" indent="-480060" algn="l" defTabSz="1280160" rtl="0" eaLnBrk="1" latinLnBrk="0" hangingPunct="1">
         <a:spcBef>
           <a:spcPct val="20000"/>
         </a:spcBef>
         <a:buFont typeface="Arial" panose="020B0604020202020204" pitchFamily="34" charset="0"/>
         <a:buChar char="•"/>
-        <a:defRPr kumimoji="1" sz="3200" kern="1200">
+        <a:defRPr kumimoji="1" sz="4500" kern="1200">
           <a:solidFill>
             <a:schemeClr val="tx1"/>
           </a:solidFill>
@@ -3567,7 +3567,37 @@
           <a:cs typeface="+mn-cs"/>
         </a:defRPr>
       </a:lvl1pPr>
-      <a:lvl2pPr marL="742950" indent="-285750" algn="l" defTabSz="914400" rtl="0" eaLnBrk="1" latinLnBrk="0" hangingPunct="1">
+      <a:lvl2pPr marL="1040130" indent="-400050" algn="l" defTabSz="1280160" rtl="0" eaLnBrk="1" latinLnBrk="0" hangingPunct="1">
+        <a:spcBef>
+          <a:spcPct val="20000"/>
+        </a:spcBef>
+        <a:buFont typeface="Arial" panose="020B0604020202020204" pitchFamily="34" charset="0"/>
+        <a:buChar char="–"/>
+        <a:defRPr kumimoji="1" sz="3900" kern="1200">
+          <a:solidFill>
+            <a:schemeClr val="tx1"/>
+          </a:solidFill>
+          <a:latin typeface="+mn-lt"/>
+          <a:ea typeface="+mn-ea"/>
+          <a:cs typeface="+mn-cs"/>
+        </a:defRPr>
+      </a:lvl2pPr>
+      <a:lvl3pPr marL="1600200" indent="-320040" algn="l" defTabSz="1280160" rtl="0" eaLnBrk="1" latinLnBrk="0" hangingPunct="1">
+        <a:spcBef>
+          <a:spcPct val="20000"/>
+        </a:spcBef>
+        <a:buFont typeface="Arial" panose="020B0604020202020204" pitchFamily="34" charset="0"/>
+        <a:buChar char="•"/>
+        <a:defRPr kumimoji="1" sz="3400" kern="1200">
+          <a:solidFill>
+            <a:schemeClr val="tx1"/>
+          </a:solidFill>
+          <a:latin typeface="+mn-lt"/>
+          <a:ea typeface="+mn-ea"/>
+          <a:cs typeface="+mn-cs"/>
+        </a:defRPr>
+      </a:lvl3pPr>
+      <a:lvl4pPr marL="2240280" indent="-320040" algn="l" defTabSz="1280160" rtl="0" eaLnBrk="1" latinLnBrk="0" hangingPunct="1">
         <a:spcBef>
           <a:spcPct val="20000"/>
         </a:spcBef>
@@ -3581,44 +3611,14 @@
           <a:ea typeface="+mn-ea"/>
           <a:cs typeface="+mn-cs"/>
         </a:defRPr>
-      </a:lvl2pPr>
-      <a:lvl3pPr marL="1143000" indent="-228600" algn="l" defTabSz="914400" rtl="0" eaLnBrk="1" latinLnBrk="0" hangingPunct="1">
-        <a:spcBef>
-          <a:spcPct val="20000"/>
-        </a:spcBef>
-        <a:buFont typeface="Arial" panose="020B0604020202020204" pitchFamily="34" charset="0"/>
-        <a:buChar char="•"/>
-        <a:defRPr kumimoji="1" sz="2400" kern="1200">
-          <a:solidFill>
-            <a:schemeClr val="tx1"/>
-          </a:solidFill>
-          <a:latin typeface="+mn-lt"/>
-          <a:ea typeface="+mn-ea"/>
-          <a:cs typeface="+mn-cs"/>
-        </a:defRPr>
-      </a:lvl3pPr>
-      <a:lvl4pPr marL="1600200" indent="-228600" algn="l" defTabSz="914400" rtl="0" eaLnBrk="1" latinLnBrk="0" hangingPunct="1">
-        <a:spcBef>
-          <a:spcPct val="20000"/>
-        </a:spcBef>
-        <a:buFont typeface="Arial" panose="020B0604020202020204" pitchFamily="34" charset="0"/>
-        <a:buChar char="–"/>
-        <a:defRPr kumimoji="1" sz="2000" kern="1200">
-          <a:solidFill>
-            <a:schemeClr val="tx1"/>
-          </a:solidFill>
-          <a:latin typeface="+mn-lt"/>
-          <a:ea typeface="+mn-ea"/>
-          <a:cs typeface="+mn-cs"/>
-        </a:defRPr>
       </a:lvl4pPr>
-      <a:lvl5pPr marL="2057400" indent="-228600" algn="l" defTabSz="914400" rtl="0" eaLnBrk="1" latinLnBrk="0" hangingPunct="1">
+      <a:lvl5pPr marL="2880360" indent="-320040" algn="l" defTabSz="1280160" rtl="0" eaLnBrk="1" latinLnBrk="0" hangingPunct="1">
         <a:spcBef>
           <a:spcPct val="20000"/>
         </a:spcBef>
         <a:buFont typeface="Arial" panose="020B0604020202020204" pitchFamily="34" charset="0"/>
         <a:buChar char="»"/>
-        <a:defRPr kumimoji="1" sz="2000" kern="1200">
+        <a:defRPr kumimoji="1" sz="2800" kern="1200">
           <a:solidFill>
             <a:schemeClr val="tx1"/>
           </a:solidFill>
@@ -3627,13 +3627,13 @@
           <a:cs typeface="+mn-cs"/>
         </a:defRPr>
       </a:lvl5pPr>
-      <a:lvl6pPr marL="2514600" indent="-228600" algn="l" defTabSz="914400" rtl="0" eaLnBrk="1" latinLnBrk="0" hangingPunct="1">
+      <a:lvl6pPr marL="3520440" indent="-320040" algn="l" defTabSz="1280160" rtl="0" eaLnBrk="1" latinLnBrk="0" hangingPunct="1">
         <a:spcBef>
           <a:spcPct val="20000"/>
         </a:spcBef>
         <a:buFont typeface="Arial" panose="020B0604020202020204" pitchFamily="34" charset="0"/>
         <a:buChar char="•"/>
-        <a:defRPr kumimoji="1" sz="2000" kern="1200">
+        <a:defRPr kumimoji="1" sz="2800" kern="1200">
           <a:solidFill>
             <a:schemeClr val="tx1"/>
           </a:solidFill>
@@ -3642,13 +3642,13 @@
           <a:cs typeface="+mn-cs"/>
         </a:defRPr>
       </a:lvl6pPr>
-      <a:lvl7pPr marL="2971800" indent="-228600" algn="l" defTabSz="914400" rtl="0" eaLnBrk="1" latinLnBrk="0" hangingPunct="1">
+      <a:lvl7pPr marL="4160520" indent="-320040" algn="l" defTabSz="1280160" rtl="0" eaLnBrk="1" latinLnBrk="0" hangingPunct="1">
         <a:spcBef>
           <a:spcPct val="20000"/>
         </a:spcBef>
         <a:buFont typeface="Arial" panose="020B0604020202020204" pitchFamily="34" charset="0"/>
         <a:buChar char="•"/>
-        <a:defRPr kumimoji="1" sz="2000" kern="1200">
+        <a:defRPr kumimoji="1" sz="2800" kern="1200">
           <a:solidFill>
             <a:schemeClr val="tx1"/>
           </a:solidFill>
@@ -3657,13 +3657,13 @@
           <a:cs typeface="+mn-cs"/>
         </a:defRPr>
       </a:lvl7pPr>
-      <a:lvl8pPr marL="3429000" indent="-228600" algn="l" defTabSz="914400" rtl="0" eaLnBrk="1" latinLnBrk="0" hangingPunct="1">
+      <a:lvl8pPr marL="4800600" indent="-320040" algn="l" defTabSz="1280160" rtl="0" eaLnBrk="1" latinLnBrk="0" hangingPunct="1">
         <a:spcBef>
           <a:spcPct val="20000"/>
         </a:spcBef>
         <a:buFont typeface="Arial" panose="020B0604020202020204" pitchFamily="34" charset="0"/>
         <a:buChar char="•"/>
-        <a:defRPr kumimoji="1" sz="2000" kern="1200">
+        <a:defRPr kumimoji="1" sz="2800" kern="1200">
           <a:solidFill>
             <a:schemeClr val="tx1"/>
           </a:solidFill>
@@ -3672,13 +3672,13 @@
           <a:cs typeface="+mn-cs"/>
         </a:defRPr>
       </a:lvl8pPr>
-      <a:lvl9pPr marL="3886200" indent="-228600" algn="l" defTabSz="914400" rtl="0" eaLnBrk="1" latinLnBrk="0" hangingPunct="1">
+      <a:lvl9pPr marL="5440680" indent="-320040" algn="l" defTabSz="1280160" rtl="0" eaLnBrk="1" latinLnBrk="0" hangingPunct="1">
         <a:spcBef>
           <a:spcPct val="20000"/>
         </a:spcBef>
         <a:buFont typeface="Arial" panose="020B0604020202020204" pitchFamily="34" charset="0"/>
         <a:buChar char="•"/>
-        <a:defRPr kumimoji="1" sz="2000" kern="1200">
+        <a:defRPr kumimoji="1" sz="2800" kern="1200">
           <a:solidFill>
             <a:schemeClr val="tx1"/>
           </a:solidFill>
@@ -3692,8 +3692,8 @@
       <a:defPPr>
         <a:defRPr lang="ja-JP"/>
       </a:defPPr>
-      <a:lvl1pPr marL="0" algn="l" defTabSz="914400" rtl="0" eaLnBrk="1" latinLnBrk="0" hangingPunct="1">
-        <a:defRPr kumimoji="1" sz="1800" kern="1200">
+      <a:lvl1pPr marL="0" algn="l" defTabSz="1280160" rtl="0" eaLnBrk="1" latinLnBrk="0" hangingPunct="1">
+        <a:defRPr kumimoji="1" sz="2500" kern="1200">
           <a:solidFill>
             <a:schemeClr val="tx1"/>
           </a:solidFill>
@@ -3702,8 +3702,8 @@
           <a:cs typeface="+mn-cs"/>
         </a:defRPr>
       </a:lvl1pPr>
-      <a:lvl2pPr marL="457200" algn="l" defTabSz="914400" rtl="0" eaLnBrk="1" latinLnBrk="0" hangingPunct="1">
-        <a:defRPr kumimoji="1" sz="1800" kern="1200">
+      <a:lvl2pPr marL="640080" algn="l" defTabSz="1280160" rtl="0" eaLnBrk="1" latinLnBrk="0" hangingPunct="1">
+        <a:defRPr kumimoji="1" sz="2500" kern="1200">
           <a:solidFill>
             <a:schemeClr val="tx1"/>
           </a:solidFill>
@@ -3712,8 +3712,8 @@
           <a:cs typeface="+mn-cs"/>
         </a:defRPr>
       </a:lvl2pPr>
-      <a:lvl3pPr marL="914400" algn="l" defTabSz="914400" rtl="0" eaLnBrk="1" latinLnBrk="0" hangingPunct="1">
-        <a:defRPr kumimoji="1" sz="1800" kern="1200">
+      <a:lvl3pPr marL="1280160" algn="l" defTabSz="1280160" rtl="0" eaLnBrk="1" latinLnBrk="0" hangingPunct="1">
+        <a:defRPr kumimoji="1" sz="2500" kern="1200">
           <a:solidFill>
             <a:schemeClr val="tx1"/>
           </a:solidFill>
@@ -3722,8 +3722,8 @@
           <a:cs typeface="+mn-cs"/>
         </a:defRPr>
       </a:lvl3pPr>
-      <a:lvl4pPr marL="1371600" algn="l" defTabSz="914400" rtl="0" eaLnBrk="1" latinLnBrk="0" hangingPunct="1">
-        <a:defRPr kumimoji="1" sz="1800" kern="1200">
+      <a:lvl4pPr marL="1920240" algn="l" defTabSz="1280160" rtl="0" eaLnBrk="1" latinLnBrk="0" hangingPunct="1">
+        <a:defRPr kumimoji="1" sz="2500" kern="1200">
           <a:solidFill>
             <a:schemeClr val="tx1"/>
           </a:solidFill>
@@ -3732,8 +3732,8 @@
           <a:cs typeface="+mn-cs"/>
         </a:defRPr>
       </a:lvl4pPr>
-      <a:lvl5pPr marL="1828800" algn="l" defTabSz="914400" rtl="0" eaLnBrk="1" latinLnBrk="0" hangingPunct="1">
-        <a:defRPr kumimoji="1" sz="1800" kern="1200">
+      <a:lvl5pPr marL="2560320" algn="l" defTabSz="1280160" rtl="0" eaLnBrk="1" latinLnBrk="0" hangingPunct="1">
+        <a:defRPr kumimoji="1" sz="2500" kern="1200">
           <a:solidFill>
             <a:schemeClr val="tx1"/>
           </a:solidFill>
@@ -3742,8 +3742,8 @@
           <a:cs typeface="+mn-cs"/>
         </a:defRPr>
       </a:lvl5pPr>
-      <a:lvl6pPr marL="2286000" algn="l" defTabSz="914400" rtl="0" eaLnBrk="1" latinLnBrk="0" hangingPunct="1">
-        <a:defRPr kumimoji="1" sz="1800" kern="1200">
+      <a:lvl6pPr marL="3200400" algn="l" defTabSz="1280160" rtl="0" eaLnBrk="1" latinLnBrk="0" hangingPunct="1">
+        <a:defRPr kumimoji="1" sz="2500" kern="1200">
           <a:solidFill>
             <a:schemeClr val="tx1"/>
           </a:solidFill>
@@ -3752,8 +3752,8 @@
           <a:cs typeface="+mn-cs"/>
         </a:defRPr>
       </a:lvl6pPr>
-      <a:lvl7pPr marL="2743200" algn="l" defTabSz="914400" rtl="0" eaLnBrk="1" latinLnBrk="0" hangingPunct="1">
-        <a:defRPr kumimoji="1" sz="1800" kern="1200">
+      <a:lvl7pPr marL="3840480" algn="l" defTabSz="1280160" rtl="0" eaLnBrk="1" latinLnBrk="0" hangingPunct="1">
+        <a:defRPr kumimoji="1" sz="2500" kern="1200">
           <a:solidFill>
             <a:schemeClr val="tx1"/>
           </a:solidFill>
@@ -3762,8 +3762,8 @@
           <a:cs typeface="+mn-cs"/>
         </a:defRPr>
       </a:lvl7pPr>
-      <a:lvl8pPr marL="3200400" algn="l" defTabSz="914400" rtl="0" eaLnBrk="1" latinLnBrk="0" hangingPunct="1">
-        <a:defRPr kumimoji="1" sz="1800" kern="1200">
+      <a:lvl8pPr marL="4480560" algn="l" defTabSz="1280160" rtl="0" eaLnBrk="1" latinLnBrk="0" hangingPunct="1">
+        <a:defRPr kumimoji="1" sz="2500" kern="1200">
           <a:solidFill>
             <a:schemeClr val="tx1"/>
           </a:solidFill>
@@ -3772,8 +3772,8 @@
           <a:cs typeface="+mn-cs"/>
         </a:defRPr>
       </a:lvl8pPr>
-      <a:lvl9pPr marL="3657600" algn="l" defTabSz="914400" rtl="0" eaLnBrk="1" latinLnBrk="0" hangingPunct="1">
-        <a:defRPr kumimoji="1" sz="1800" kern="1200">
+      <a:lvl9pPr marL="5120640" algn="l" defTabSz="1280160" rtl="0" eaLnBrk="1" latinLnBrk="0" hangingPunct="1">
+        <a:defRPr kumimoji="1" sz="2500" kern="1200">
           <a:solidFill>
             <a:schemeClr val="tx1"/>
           </a:solidFill>
@@ -3812,8 +3812,8 @@
         </p:nvSpPr>
         <p:spPr>
           <a:xfrm>
-            <a:off x="116632" y="1155107"/>
-            <a:ext cx="6631936" cy="7881389"/>
+            <a:off x="163285" y="1617150"/>
+            <a:ext cx="9284710" cy="11033945"/>
           </a:xfrm>
           <a:prstGeom prst="roundRect">
             <a:avLst>
@@ -3847,7 +3847,7 @@
           </a:fontRef>
         </p:style>
         <p:txBody>
-          <a:bodyPr rtlCol="0" anchor="ctr"/>
+          <a:bodyPr lIns="128016" tIns="64008" rIns="128016" bIns="64008" rtlCol="0" anchor="ctr"/>
           <a:lstStyle/>
           <a:p>
             <a:pPr algn="ctr"/>
@@ -3863,8 +3863,8 @@
         </p:nvSpPr>
         <p:spPr>
           <a:xfrm>
-            <a:off x="109432" y="35496"/>
-            <a:ext cx="6631936" cy="1119610"/>
+            <a:off x="153205" y="49694"/>
+            <a:ext cx="9284710" cy="1701596"/>
           </a:xfrm>
           <a:prstGeom prst="horizontalScroll">
             <a:avLst/>
@@ -3896,7 +3896,7 @@
           </a:fontRef>
         </p:style>
         <p:txBody>
-          <a:bodyPr rtlCol="0" anchor="ctr"/>
+          <a:bodyPr lIns="128016" tIns="64008" rIns="128016" bIns="64008" rtlCol="0" anchor="ctr"/>
           <a:lstStyle/>
           <a:p>
             <a:pPr algn="ctr"/>
@@ -3912,8 +3912,8 @@
         </p:nvSpPr>
         <p:spPr>
           <a:xfrm>
-            <a:off x="4683330" y="643529"/>
-            <a:ext cx="2202054" cy="338554"/>
+            <a:off x="6556662" y="1000200"/>
+            <a:ext cx="3082876" cy="498598"/>
           </a:xfrm>
           <a:prstGeom prst="rect">
             <a:avLst/>
@@ -3921,27 +3921,27 @@
           <a:noFill/>
         </p:spPr>
         <p:txBody>
-          <a:bodyPr wrap="square" rtlCol="0">
+          <a:bodyPr wrap="square" lIns="128016" tIns="64008" rIns="128016" bIns="64008" rtlCol="0">
             <a:spAutoFit/>
           </a:bodyPr>
           <a:lstStyle/>
           <a:p>
             <a:pPr algn="ctr"/>
             <a:r>
-              <a:rPr kumimoji="1" lang="en-US" altLang="ja-JP" sz="1600" dirty="0" smtClean="0">
+              <a:rPr lang="en-US" altLang="ja-JP" sz="2400" b="1" dirty="0">
                 <a:latin typeface="小塚ゴシック Pr6N M" pitchFamily="34" charset="-128"/>
                 <a:ea typeface="小塚ゴシック Pr6N M" pitchFamily="34" charset="-128"/>
               </a:rPr>
               <a:t>1142064</a:t>
             </a:r>
             <a:r>
-              <a:rPr kumimoji="1" lang="ja-JP" altLang="en-US" sz="1600" dirty="0" smtClean="0">
+              <a:rPr lang="ja-JP" altLang="en-US" sz="2400" b="1" dirty="0">
                 <a:latin typeface="小塚ゴシック Pr6N M" pitchFamily="34" charset="-128"/>
                 <a:ea typeface="小塚ゴシック Pr6N M" pitchFamily="34" charset="-128"/>
               </a:rPr>
               <a:t>　鈴木淳子</a:t>
             </a:r>
-            <a:endParaRPr kumimoji="1" lang="ja-JP" altLang="en-US" sz="1600" dirty="0">
+            <a:endParaRPr lang="ja-JP" altLang="en-US" sz="2400" b="1" dirty="0">
               <a:latin typeface="小塚ゴシック Pr6N M" pitchFamily="34" charset="-128"/>
               <a:ea typeface="小塚ゴシック Pr6N M" pitchFamily="34" charset="-128"/>
             </a:endParaRPr>
@@ -3956,8 +3956,8 @@
         </p:nvSpPr>
         <p:spPr>
           <a:xfrm>
-            <a:off x="192367" y="212611"/>
-            <a:ext cx="5108841" cy="830997"/>
+            <a:off x="269315" y="297656"/>
+            <a:ext cx="7152377" cy="1237262"/>
           </a:xfrm>
           <a:prstGeom prst="rect">
             <a:avLst/>
@@ -3965,32 +3965,32 @@
           <a:noFill/>
         </p:spPr>
         <p:txBody>
-          <a:bodyPr wrap="square" rtlCol="0">
+          <a:bodyPr wrap="square" lIns="128016" tIns="64008" rIns="128016" bIns="64008" rtlCol="0">
             <a:spAutoFit/>
           </a:bodyPr>
           <a:lstStyle/>
           <a:p>
             <a:r>
-              <a:rPr kumimoji="1" lang="ja-JP" altLang="en-US" sz="2400" dirty="0" smtClean="0">
+              <a:rPr lang="ja-JP" altLang="en-US" sz="3600" dirty="0">
                 <a:latin typeface="小塚ゴシック Pr6N M" pitchFamily="34" charset="-128"/>
                 <a:ea typeface="小塚ゴシック Pr6N M" pitchFamily="34" charset="-128"/>
               </a:rPr>
               <a:t>物語を用いたプロジェクト</a:t>
             </a:r>
-            <a:endParaRPr lang="en-US" altLang="ja-JP" sz="2400" dirty="0">
+            <a:endParaRPr lang="en-US" altLang="ja-JP" sz="3600" dirty="0">
               <a:latin typeface="小塚ゴシック Pr6N M" pitchFamily="34" charset="-128"/>
               <a:ea typeface="小塚ゴシック Pr6N M" pitchFamily="34" charset="-128"/>
             </a:endParaRPr>
           </a:p>
           <a:p>
             <a:r>
-              <a:rPr kumimoji="1" lang="ja-JP" altLang="en-US" sz="2400" dirty="0" smtClean="0">
+              <a:rPr lang="ja-JP" altLang="en-US" sz="3600" dirty="0">
                 <a:latin typeface="小塚ゴシック Pr6N M" pitchFamily="34" charset="-128"/>
                 <a:ea typeface="小塚ゴシック Pr6N M" pitchFamily="34" charset="-128"/>
               </a:rPr>
               <a:t>マネジメント知識の取得について</a:t>
             </a:r>
-            <a:endParaRPr kumimoji="1" lang="ja-JP" altLang="en-US" sz="2400" dirty="0">
+            <a:endParaRPr lang="ja-JP" altLang="en-US" sz="3600" dirty="0">
               <a:latin typeface="小塚ゴシック Pr6N M" pitchFamily="34" charset="-128"/>
               <a:ea typeface="小塚ゴシック Pr6N M" pitchFamily="34" charset="-128"/>
             </a:endParaRPr>
@@ -4005,8 +4005,8 @@
         </p:nvGrpSpPr>
         <p:grpSpPr>
           <a:xfrm>
-            <a:off x="144818" y="1250921"/>
-            <a:ext cx="6452534" cy="2639357"/>
+            <a:off x="202745" y="1751290"/>
+            <a:ext cx="9033548" cy="3695100"/>
             <a:chOff x="224008" y="1170202"/>
             <a:chExt cx="5725272" cy="2639357"/>
           </a:xfrm>
@@ -4088,7 +4088,7 @@
           <p:spPr>
             <a:xfrm>
               <a:off x="224008" y="1170202"/>
-              <a:ext cx="5316932" cy="584775"/>
+              <a:ext cx="5316932" cy="560593"/>
             </a:xfrm>
             <a:prstGeom prst="rect">
               <a:avLst/>
@@ -4101,48 +4101,48 @@
             <a:lstStyle/>
             <a:p>
               <a:r>
-                <a:rPr lang="ja-JP" altLang="en-US" sz="3200" dirty="0" smtClean="0">
+                <a:rPr lang="ja-JP" altLang="en-US" sz="4500" b="1" dirty="0">
                   <a:latin typeface="小塚ゴシック Pr6N M" pitchFamily="34" charset="-128"/>
                   <a:ea typeface="小塚ゴシック Pr6N M" pitchFamily="34" charset="-128"/>
                 </a:rPr>
                 <a:t>物</a:t>
               </a:r>
               <a:r>
-                <a:rPr lang="ja-JP" altLang="en-US" sz="1600" dirty="0" smtClean="0">
+                <a:rPr lang="ja-JP" altLang="en-US" sz="2200" b="1" dirty="0">
                   <a:latin typeface="小塚ゴシック Pr6N M" pitchFamily="34" charset="-128"/>
                   <a:ea typeface="小塚ゴシック Pr6N M" pitchFamily="34" charset="-128"/>
                 </a:rPr>
                 <a:t>語</a:t>
               </a:r>
               <a:r>
-                <a:rPr lang="ja-JP" altLang="en-US" sz="1600" dirty="0">
+                <a:rPr lang="ja-JP" altLang="en-US" sz="2200" b="1" dirty="0">
                   <a:latin typeface="小塚ゴシック Pr6N M" pitchFamily="34" charset="-128"/>
                   <a:ea typeface="小塚ゴシック Pr6N M" pitchFamily="34" charset="-128"/>
                 </a:rPr>
                 <a:t>を用いた知識取得</a:t>
               </a:r>
               <a:r>
-                <a:rPr lang="ja-JP" altLang="en-US" sz="1600" dirty="0" smtClean="0">
+                <a:rPr lang="ja-JP" altLang="en-US" sz="2200" b="1" dirty="0">
                   <a:latin typeface="小塚ゴシック Pr6N M" pitchFamily="34" charset="-128"/>
                   <a:ea typeface="小塚ゴシック Pr6N M" pitchFamily="34" charset="-128"/>
                 </a:rPr>
                 <a:t>や能力の</a:t>
               </a:r>
               <a:r>
-                <a:rPr lang="ja-JP" altLang="en-US" sz="1600" dirty="0">
+                <a:rPr lang="ja-JP" altLang="en-US" sz="2200" b="1" dirty="0">
                   <a:latin typeface="小塚ゴシック Pr6N M" pitchFamily="34" charset="-128"/>
                   <a:ea typeface="小塚ゴシック Pr6N M" pitchFamily="34" charset="-128"/>
                 </a:rPr>
                 <a:t>向上方法に</a:t>
               </a:r>
               <a:r>
-                <a:rPr lang="ja-JP" altLang="en-US" sz="1600" dirty="0" smtClean="0">
+                <a:rPr lang="ja-JP" altLang="en-US" sz="2200" b="1" dirty="0">
                   <a:latin typeface="小塚ゴシック Pr6N M" pitchFamily="34" charset="-128"/>
                   <a:ea typeface="小塚ゴシック Pr6N M" pitchFamily="34" charset="-128"/>
                 </a:rPr>
                 <a:t>ついて</a:t>
               </a:r>
-              <a:endParaRPr lang="en-US" altLang="ja-JP" sz="1600" dirty="0" smtClean="0">
+              <a:endParaRPr lang="en-US" altLang="ja-JP" sz="2200" b="1" dirty="0">
                 <a:latin typeface="小塚ゴシック Pr6N M" pitchFamily="34" charset="-128"/>
                 <a:ea typeface="小塚ゴシック Pr6N M" pitchFamily="34" charset="-128"/>
               </a:endParaRPr>
@@ -4361,7 +4361,7 @@
             <a:lstStyle/>
             <a:p>
               <a:r>
-                <a:rPr lang="ja-JP" altLang="en-US" sz="1600" dirty="0" smtClean="0">
+                <a:rPr lang="ja-JP" altLang="en-US" sz="2200" b="1" dirty="0">
                   <a:solidFill>
                     <a:schemeClr val="tx1"/>
                   </a:solidFill>
@@ -4370,7 +4370,7 @@
                 </a:rPr>
                 <a:t>物語に沿って</a:t>
               </a:r>
-              <a:endParaRPr lang="en-US" altLang="ja-JP" sz="1600" dirty="0" smtClean="0">
+              <a:endParaRPr lang="en-US" altLang="ja-JP" sz="2200" b="1" dirty="0">
                 <a:solidFill>
                   <a:schemeClr val="tx1"/>
                 </a:solidFill>
@@ -4380,7 +4380,7 @@
             </a:p>
             <a:p>
               <a:r>
-                <a:rPr lang="ja-JP" altLang="en-US" sz="1600" dirty="0" smtClean="0">
+                <a:rPr lang="ja-JP" altLang="en-US" sz="2200" b="1" dirty="0">
                   <a:solidFill>
                     <a:schemeClr val="tx1"/>
                   </a:solidFill>
@@ -4389,7 +4389,7 @@
                 </a:rPr>
                 <a:t>プロジェクトマネジメントに触れる</a:t>
               </a:r>
-              <a:endParaRPr lang="en-US" altLang="ja-JP" sz="1600" dirty="0" smtClean="0">
+              <a:endParaRPr lang="en-US" altLang="ja-JP" sz="2200" b="1" dirty="0">
                 <a:solidFill>
                   <a:schemeClr val="tx1"/>
                 </a:solidFill>
@@ -4441,7 +4441,7 @@
             <a:lstStyle/>
             <a:p>
               <a:r>
-                <a:rPr lang="en-US" altLang="ja-JP" sz="3200" b="1" dirty="0" smtClean="0">
+                <a:rPr lang="en-US" altLang="ja-JP" sz="4500" b="1" dirty="0">
                   <a:solidFill>
                     <a:schemeClr val="tx1"/>
                   </a:solidFill>
@@ -4453,7 +4453,7 @@
             </a:p>
             <a:p>
               <a:r>
-                <a:rPr lang="ja-JP" altLang="en-US" sz="2400" b="1" dirty="0" smtClean="0">
+                <a:rPr lang="ja-JP" altLang="en-US" sz="3400" b="1" dirty="0">
                   <a:solidFill>
                     <a:schemeClr val="tx1"/>
                   </a:solidFill>
@@ -4462,7 +4462,7 @@
                 </a:rPr>
                 <a:t>　　桃太郎</a:t>
               </a:r>
-              <a:endParaRPr lang="en-US" altLang="ja-JP" sz="2400" b="1" dirty="0" smtClean="0">
+              <a:endParaRPr lang="en-US" altLang="ja-JP" sz="3400" b="1" dirty="0">
                 <a:solidFill>
                   <a:schemeClr val="tx1"/>
                 </a:solidFill>
@@ -4496,8 +4496,8 @@
         </p:blipFill>
         <p:spPr bwMode="auto">
           <a:xfrm>
-            <a:off x="5526161" y="1001066"/>
-            <a:ext cx="1215207" cy="1119898"/>
+            <a:off x="7736626" y="1401493"/>
+            <a:ext cx="1701290" cy="1567857"/>
           </a:xfrm>
           <a:prstGeom prst="rect">
             <a:avLst/>
@@ -4522,10 +4522,10 @@
         </p:nvGrpSpPr>
         <p:grpSpPr>
           <a:xfrm>
-            <a:off x="250074" y="4067944"/>
-            <a:ext cx="6369716" cy="1872208"/>
-            <a:chOff x="250074" y="4211960"/>
-            <a:chExt cx="6369716" cy="1872208"/>
+            <a:off x="350103" y="5695122"/>
+            <a:ext cx="8963562" cy="2621091"/>
+            <a:chOff x="250073" y="4211960"/>
+            <a:chExt cx="6402545" cy="1872208"/>
           </a:xfrm>
         </p:grpSpPr>
         <p:sp>
@@ -4536,8 +4536,8 @@
           </p:nvSpPr>
           <p:spPr>
             <a:xfrm>
-              <a:off x="250074" y="4211960"/>
-              <a:ext cx="6369716" cy="1872208"/>
+              <a:off x="250073" y="4211960"/>
+              <a:ext cx="6402545" cy="1872208"/>
             </a:xfrm>
             <a:prstGeom prst="rect">
               <a:avLst/>
@@ -4570,7 +4570,7 @@
             <a:lstStyle/>
             <a:p>
               <a:r>
-                <a:rPr lang="en-US" altLang="ja-JP" sz="3200" b="1" dirty="0" smtClean="0">
+                <a:rPr lang="en-US" altLang="ja-JP" sz="4500" b="1" dirty="0">
                   <a:solidFill>
                     <a:schemeClr val="tx1"/>
                   </a:solidFill>
@@ -4582,7 +4582,7 @@
             </a:p>
             <a:p>
               <a:r>
-                <a:rPr lang="ja-JP" altLang="en-US" sz="2400" b="1" dirty="0" smtClean="0">
+                <a:rPr lang="ja-JP" altLang="en-US" sz="3400" b="1" dirty="0">
                   <a:solidFill>
                     <a:schemeClr val="tx1"/>
                   </a:solidFill>
@@ -4591,7 +4591,7 @@
                 </a:rPr>
                 <a:t>桃太郎</a:t>
               </a:r>
-              <a:endParaRPr lang="en-US" altLang="ja-JP" sz="2400" b="1" dirty="0" smtClean="0">
+              <a:endParaRPr lang="en-US" altLang="ja-JP" sz="3400" b="1" dirty="0">
                 <a:solidFill>
                   <a:schemeClr val="tx1"/>
                 </a:solidFill>
@@ -4600,7 +4600,7 @@
               </a:endParaRPr>
             </a:p>
             <a:p>
-              <a:endParaRPr lang="en-US" altLang="ja-JP" sz="2000" b="1" dirty="0" smtClean="0">
+              <a:endParaRPr lang="en-US" altLang="ja-JP" sz="2800" b="1" dirty="0">
                 <a:solidFill>
                   <a:schemeClr val="tx1"/>
                 </a:solidFill>
@@ -4610,7 +4610,7 @@
             </a:p>
             <a:p>
               <a:r>
-                <a:rPr lang="en-US" altLang="ja-JP" sz="1400" b="1" dirty="0" smtClean="0">
+                <a:rPr lang="en-US" altLang="ja-JP" sz="2000" b="1" dirty="0">
                   <a:solidFill>
                     <a:schemeClr val="tx1"/>
                   </a:solidFill>
@@ -4622,7 +4622,7 @@
             </a:p>
             <a:p>
               <a:r>
-                <a:rPr lang="ja-JP" altLang="en-US" sz="1400" b="1" dirty="0" smtClean="0">
+                <a:rPr lang="ja-JP" altLang="en-US" sz="2000" b="1" dirty="0">
                   <a:solidFill>
                     <a:schemeClr val="tx1"/>
                   </a:solidFill>
@@ -4632,7 +4632,7 @@
                 <a:t>　　　～</a:t>
               </a:r>
               <a:r>
-                <a:rPr lang="en-US" altLang="ja-JP" sz="1400" b="1" dirty="0" smtClean="0">
+                <a:rPr lang="en-US" altLang="ja-JP" sz="2000" b="1" dirty="0">
                   <a:solidFill>
                     <a:schemeClr val="tx1"/>
                   </a:solidFill>
@@ -4652,10 +4652,10 @@
           </p:nvGrpSpPr>
           <p:grpSpPr>
             <a:xfrm>
-              <a:off x="2417156" y="4283968"/>
-              <a:ext cx="3995808" cy="1052757"/>
-              <a:chOff x="1700808" y="3618320"/>
-              <a:chExt cx="3995808" cy="1393168"/>
+              <a:off x="2417155" y="4283968"/>
+              <a:ext cx="4153190" cy="1052757"/>
+              <a:chOff x="1700807" y="3618320"/>
+              <a:chExt cx="4153190" cy="1393168"/>
             </a:xfrm>
           </p:grpSpPr>
           <p:sp>
@@ -4666,8 +4666,8 @@
             </p:nvSpPr>
             <p:spPr>
               <a:xfrm>
-                <a:off x="1700808" y="3618320"/>
-                <a:ext cx="1423130" cy="434890"/>
+                <a:off x="1700807" y="3618320"/>
+                <a:ext cx="1583238" cy="434890"/>
               </a:xfrm>
               <a:prstGeom prst="roundRect">
                 <a:avLst/>
@@ -4703,7 +4703,7 @@
               <a:p>
                 <a:pPr algn="ctr"/>
                 <a:r>
-                  <a:rPr kumimoji="1" lang="ja-JP" altLang="en-US" sz="1600" b="1" dirty="0" smtClean="0">
+                  <a:rPr lang="ja-JP" altLang="en-US" sz="2800" b="1" dirty="0">
                     <a:solidFill>
                       <a:schemeClr val="tx1"/>
                     </a:solidFill>
@@ -4712,7 +4712,7 @@
                   </a:rPr>
                   <a:t>物語の整理</a:t>
                 </a:r>
-                <a:endParaRPr kumimoji="1" lang="ja-JP" altLang="en-US" sz="1600" b="1" dirty="0">
+                <a:endParaRPr lang="ja-JP" altLang="en-US" sz="2800" b="1" dirty="0">
                   <a:solidFill>
                     <a:schemeClr val="tx1"/>
                   </a:solidFill>
@@ -4730,8 +4730,8 @@
             </p:nvSpPr>
             <p:spPr>
               <a:xfrm>
-                <a:off x="3566439" y="4111778"/>
-                <a:ext cx="2130177" cy="426168"/>
+                <a:off x="3484166" y="4111778"/>
+                <a:ext cx="2369831" cy="426168"/>
               </a:xfrm>
               <a:prstGeom prst="roundRect">
                 <a:avLst/>
@@ -4767,7 +4767,7 @@
               <a:p>
                 <a:pPr algn="ctr"/>
                 <a:r>
-                  <a:rPr kumimoji="1" lang="ja-JP" altLang="en-US" sz="1600" b="1" dirty="0" smtClean="0">
+                  <a:rPr lang="ja-JP" altLang="en-US" sz="2800" b="1" dirty="0">
                     <a:solidFill>
                       <a:schemeClr val="tx1"/>
                     </a:solidFill>
@@ -4777,7 +4777,7 @@
                   <a:t>基本計画書</a:t>
                 </a:r>
                 <a:r>
-                  <a:rPr lang="ja-JP" altLang="en-US" sz="1600" b="1" dirty="0">
+                  <a:rPr lang="ja-JP" altLang="en-US" sz="2800" b="1" dirty="0">
                     <a:solidFill>
                       <a:schemeClr val="tx1"/>
                     </a:solidFill>
@@ -4787,7 +4787,7 @@
                   <a:t>の</a:t>
                 </a:r>
                 <a:r>
-                  <a:rPr kumimoji="1" lang="ja-JP" altLang="en-US" sz="1600" b="1" dirty="0" smtClean="0">
+                  <a:rPr lang="ja-JP" altLang="en-US" sz="2800" b="1" dirty="0">
                     <a:solidFill>
                       <a:schemeClr val="tx1"/>
                     </a:solidFill>
@@ -4796,7 +4796,7 @@
                   </a:rPr>
                   <a:t>作成</a:t>
                 </a:r>
-                <a:endParaRPr kumimoji="1" lang="ja-JP" altLang="en-US" sz="1600" b="1" dirty="0">
+                <a:endParaRPr lang="ja-JP" altLang="en-US" sz="2800" b="1" dirty="0">
                   <a:solidFill>
                     <a:schemeClr val="tx1"/>
                   </a:solidFill>
@@ -4815,7 +4815,7 @@
             <p:spPr>
               <a:xfrm>
                 <a:off x="1700808" y="4576599"/>
-                <a:ext cx="1423130" cy="434889"/>
+                <a:ext cx="1583238" cy="434889"/>
               </a:xfrm>
               <a:prstGeom prst="roundRect">
                 <a:avLst/>
@@ -4851,7 +4851,7 @@
               <a:p>
                 <a:pPr algn="ctr"/>
                 <a:r>
-                  <a:rPr lang="ja-JP" altLang="en-US" sz="1600" b="1" dirty="0">
+                  <a:rPr lang="ja-JP" altLang="en-US" sz="2800" b="1" dirty="0">
                     <a:solidFill>
                       <a:schemeClr val="tx1"/>
                     </a:solidFill>
@@ -4861,7 +4861,7 @@
                   <a:t>役割</a:t>
                 </a:r>
                 <a:r>
-                  <a:rPr lang="ja-JP" altLang="en-US" sz="1600" b="1" dirty="0" smtClean="0">
+                  <a:rPr lang="ja-JP" altLang="en-US" sz="2800" b="1" dirty="0">
                     <a:solidFill>
                       <a:schemeClr val="tx1"/>
                     </a:solidFill>
@@ -4870,7 +4870,7 @@
                   </a:rPr>
                   <a:t>分担</a:t>
                 </a:r>
-                <a:endParaRPr kumimoji="1" lang="ja-JP" altLang="en-US" sz="1600" b="1" dirty="0">
+                <a:endParaRPr lang="ja-JP" altLang="en-US" sz="2800" b="1" dirty="0">
                   <a:solidFill>
                     <a:schemeClr val="tx1"/>
                   </a:solidFill>
@@ -4889,7 +4889,7 @@
             <p:spPr>
               <a:xfrm>
                 <a:off x="1700808" y="4103057"/>
-                <a:ext cx="1423130" cy="434889"/>
+                <a:ext cx="1583238" cy="434889"/>
               </a:xfrm>
               <a:prstGeom prst="roundRect">
                 <a:avLst/>
@@ -4925,7 +4925,7 @@
               <a:p>
                 <a:pPr algn="ctr"/>
                 <a:r>
-                  <a:rPr kumimoji="1" lang="ja-JP" altLang="en-US" sz="1600" b="1" dirty="0" smtClean="0">
+                  <a:rPr lang="ja-JP" altLang="en-US" sz="2800" b="1" dirty="0">
                     <a:solidFill>
                       <a:schemeClr val="tx1"/>
                     </a:solidFill>
@@ -4934,7 +4934,7 @@
                   </a:rPr>
                   <a:t>時系列</a:t>
                 </a:r>
-                <a:endParaRPr kumimoji="1" lang="ja-JP" altLang="en-US" sz="1600" b="1" dirty="0">
+                <a:endParaRPr lang="ja-JP" altLang="en-US" sz="2800" b="1" dirty="0">
                   <a:solidFill>
                     <a:schemeClr val="tx1"/>
                   </a:solidFill>
@@ -5038,7 +5038,7 @@
             <a:p>
               <a:pPr algn="ctr"/>
               <a:r>
-                <a:rPr kumimoji="1" lang="ja-JP" altLang="en-US" b="1" dirty="0" smtClean="0">
+                <a:rPr kumimoji="1" lang="ja-JP" altLang="en-US" sz="3200" b="1" dirty="0" smtClean="0">
                   <a:solidFill>
                     <a:schemeClr val="tx1"/>
                   </a:solidFill>
@@ -5047,7 +5047,7 @@
                 </a:rPr>
                 <a:t>絵本の作成（オリジナル）</a:t>
               </a:r>
-              <a:endParaRPr kumimoji="1" lang="ja-JP" altLang="en-US" b="1" dirty="0">
+              <a:endParaRPr kumimoji="1" lang="ja-JP" altLang="en-US" sz="3200" b="1" dirty="0">
                 <a:solidFill>
                   <a:schemeClr val="tx1"/>
                 </a:solidFill>
@@ -5096,8 +5096,8 @@
         </p:nvGrpSpPr>
         <p:grpSpPr>
           <a:xfrm>
-            <a:off x="281633" y="6228184"/>
-            <a:ext cx="6315719" cy="2501428"/>
+            <a:off x="394287" y="8719458"/>
+            <a:ext cx="8842007" cy="3501999"/>
             <a:chOff x="281633" y="5868144"/>
             <a:chExt cx="6315719" cy="2501428"/>
           </a:xfrm>
@@ -5141,7 +5141,7 @@
             <a:lstStyle/>
             <a:p>
               <a:pPr algn="ctr"/>
-              <a:endParaRPr kumimoji="1" lang="ja-JP" altLang="en-US" dirty="0">
+              <a:endParaRPr kumimoji="1" lang="ja-JP" altLang="en-US" sz="4800" dirty="0">
                 <a:latin typeface="小塚ゴシック Pr6N M" pitchFamily="34" charset="-128"/>
                 <a:ea typeface="小塚ゴシック Pr6N M" pitchFamily="34" charset="-128"/>
               </a:endParaRPr>
@@ -5156,8 +5156,8 @@
           </p:nvSpPr>
           <p:spPr>
             <a:xfrm>
-              <a:off x="440977" y="6903704"/>
-              <a:ext cx="2018358" cy="646331"/>
+              <a:off x="342942" y="6888616"/>
+              <a:ext cx="2126060" cy="769441"/>
             </a:xfrm>
             <a:prstGeom prst="rect">
               <a:avLst/>
@@ -5172,20 +5172,20 @@
             <a:p>
               <a:pPr algn="ctr"/>
               <a:r>
-                <a:rPr kumimoji="1" lang="en-US" altLang="ja-JP" b="1" dirty="0" smtClean="0">
+                <a:rPr kumimoji="1" lang="en-US" altLang="ja-JP" sz="3200" b="1" dirty="0" smtClean="0">
                   <a:latin typeface="小塚ゴシック Pr6N M" pitchFamily="34" charset="-128"/>
                   <a:ea typeface="小塚ゴシック Pr6N M" pitchFamily="34" charset="-128"/>
                 </a:rPr>
                 <a:t>1</a:t>
               </a:r>
               <a:r>
-                <a:rPr kumimoji="1" lang="ja-JP" altLang="en-US" b="1" dirty="0" smtClean="0">
+                <a:rPr kumimoji="1" lang="ja-JP" altLang="en-US" sz="3200" b="1" dirty="0" smtClean="0">
                   <a:latin typeface="小塚ゴシック Pr6N M" pitchFamily="34" charset="-128"/>
                   <a:ea typeface="小塚ゴシック Pr6N M" pitchFamily="34" charset="-128"/>
                 </a:rPr>
                 <a:t>年次</a:t>
               </a:r>
-              <a:endParaRPr kumimoji="1" lang="en-US" altLang="ja-JP" b="1" dirty="0" smtClean="0">
+              <a:endParaRPr kumimoji="1" lang="en-US" altLang="ja-JP" sz="3200" b="1" dirty="0" smtClean="0">
                 <a:latin typeface="小塚ゴシック Pr6N M" pitchFamily="34" charset="-128"/>
                 <a:ea typeface="小塚ゴシック Pr6N M" pitchFamily="34" charset="-128"/>
               </a:endParaRPr>
@@ -5193,20 +5193,20 @@
             <a:p>
               <a:pPr algn="ctr"/>
               <a:r>
-                <a:rPr kumimoji="1" lang="en-US" altLang="ja-JP" b="1" dirty="0" smtClean="0">
+                <a:rPr kumimoji="1" lang="en-US" altLang="ja-JP" sz="3200" b="1" dirty="0" smtClean="0">
                   <a:latin typeface="小塚ゴシック Pr6N M" pitchFamily="34" charset="-128"/>
                   <a:ea typeface="小塚ゴシック Pr6N M" pitchFamily="34" charset="-128"/>
                 </a:rPr>
                 <a:t>TDL</a:t>
               </a:r>
               <a:r>
-                <a:rPr kumimoji="1" lang="ja-JP" altLang="en-US" b="1" dirty="0" smtClean="0">
+                <a:rPr kumimoji="1" lang="ja-JP" altLang="en-US" sz="3200" b="1" dirty="0" smtClean="0">
                   <a:latin typeface="小塚ゴシック Pr6N M" pitchFamily="34" charset="-128"/>
                   <a:ea typeface="小塚ゴシック Pr6N M" pitchFamily="34" charset="-128"/>
                 </a:rPr>
                 <a:t>プロジェクト</a:t>
               </a:r>
-              <a:endParaRPr kumimoji="1" lang="ja-JP" altLang="en-US" b="1" dirty="0">
+              <a:endParaRPr kumimoji="1" lang="ja-JP" altLang="en-US" sz="3200" b="1" dirty="0">
                 <a:latin typeface="小塚ゴシック Pr6N M" pitchFamily="34" charset="-128"/>
                 <a:ea typeface="小塚ゴシック Pr6N M" pitchFamily="34" charset="-128"/>
               </a:endParaRPr>
@@ -5292,7 +5292,7 @@
           <p:spPr>
             <a:xfrm>
               <a:off x="2818200" y="5868144"/>
-              <a:ext cx="3779152" cy="2185214"/>
+              <a:ext cx="3779152" cy="2352292"/>
             </a:xfrm>
             <a:prstGeom prst="rect">
               <a:avLst/>
@@ -5311,141 +5311,141 @@
             <a:lstStyle/>
             <a:p>
               <a:r>
-                <a:rPr kumimoji="1" lang="ja-JP" altLang="en-US" sz="3200" dirty="0" smtClean="0">
+                <a:rPr lang="ja-JP" altLang="en-US" sz="4800" b="1" dirty="0">
                   <a:latin typeface="小塚ゴシック Pr6N M" pitchFamily="34" charset="-128"/>
                   <a:ea typeface="小塚ゴシック Pr6N M" pitchFamily="34" charset="-128"/>
                 </a:rPr>
                 <a:t>プ</a:t>
               </a:r>
               <a:r>
-                <a:rPr kumimoji="1" lang="ja-JP" altLang="en-US" b="1" dirty="0" smtClean="0">
+                <a:rPr kumimoji="1" lang="ja-JP" altLang="en-US" sz="2800" b="1" dirty="0" smtClean="0">
                   <a:latin typeface="小塚ゴシック Pr6N M" pitchFamily="34" charset="-128"/>
                   <a:ea typeface="小塚ゴシック Pr6N M" pitchFamily="34" charset="-128"/>
                 </a:rPr>
                 <a:t>ロジェクトの流れ</a:t>
               </a:r>
               <a:r>
-                <a:rPr lang="ja-JP" altLang="en-US" b="1" dirty="0" smtClean="0">
+                <a:rPr lang="ja-JP" altLang="en-US" sz="2800" b="1" dirty="0" smtClean="0">
                   <a:latin typeface="小塚ゴシック Pr6N M" pitchFamily="34" charset="-128"/>
                   <a:ea typeface="小塚ゴシック Pr6N M" pitchFamily="34" charset="-128"/>
                 </a:rPr>
                 <a:t>知識</a:t>
               </a:r>
-              <a:endParaRPr kumimoji="1" lang="en-US" altLang="ja-JP" b="1" dirty="0" smtClean="0">
+              <a:endParaRPr kumimoji="1" lang="en-US" altLang="ja-JP" sz="2800" b="1" dirty="0" smtClean="0">
                 <a:latin typeface="小塚ゴシック Pr6N M" pitchFamily="34" charset="-128"/>
                 <a:ea typeface="小塚ゴシック Pr6N M" pitchFamily="34" charset="-128"/>
               </a:endParaRPr>
             </a:p>
             <a:p>
-              <a:endParaRPr lang="en-US" altLang="ja-JP" b="1" dirty="0">
+              <a:endParaRPr lang="en-US" altLang="ja-JP" sz="2800" b="1" dirty="0">
                 <a:latin typeface="小塚ゴシック Pr6N M" pitchFamily="34" charset="-128"/>
                 <a:ea typeface="小塚ゴシック Pr6N M" pitchFamily="34" charset="-128"/>
               </a:endParaRPr>
             </a:p>
             <a:p>
               <a:r>
-                <a:rPr lang="ja-JP" altLang="en-US" sz="3200" dirty="0" smtClean="0">
+                <a:rPr lang="ja-JP" altLang="en-US" sz="4800" b="1" dirty="0">
                   <a:latin typeface="小塚ゴシック Pr6N M" pitchFamily="34" charset="-128"/>
                   <a:ea typeface="小塚ゴシック Pr6N M" pitchFamily="34" charset="-128"/>
                 </a:rPr>
                 <a:t>自</a:t>
               </a:r>
               <a:r>
-                <a:rPr lang="ja-JP" altLang="en-US" b="1" dirty="0" smtClean="0">
+                <a:rPr lang="ja-JP" altLang="en-US" sz="2800" b="1" dirty="0" smtClean="0">
                   <a:latin typeface="小塚ゴシック Pr6N M" pitchFamily="34" charset="-128"/>
                   <a:ea typeface="小塚ゴシック Pr6N M" pitchFamily="34" charset="-128"/>
                 </a:rPr>
                 <a:t>己</a:t>
               </a:r>
               <a:r>
-                <a:rPr lang="ja-JP" altLang="en-US" b="1" dirty="0">
+                <a:rPr lang="ja-JP" altLang="en-US" sz="2800" b="1" dirty="0">
                   <a:latin typeface="小塚ゴシック Pr6N M" pitchFamily="34" charset="-128"/>
                   <a:ea typeface="小塚ゴシック Pr6N M" pitchFamily="34" charset="-128"/>
                 </a:rPr>
                 <a:t>管理</a:t>
               </a:r>
               <a:r>
-                <a:rPr lang="ja-JP" altLang="en-US" b="1" dirty="0" smtClean="0">
+                <a:rPr lang="ja-JP" altLang="en-US" sz="2800" b="1" dirty="0" smtClean="0">
                   <a:latin typeface="小塚ゴシック Pr6N M" pitchFamily="34" charset="-128"/>
                   <a:ea typeface="小塚ゴシック Pr6N M" pitchFamily="34" charset="-128"/>
                 </a:rPr>
                 <a:t>能力</a:t>
               </a:r>
-              <a:endParaRPr lang="en-US" altLang="ja-JP" b="1" dirty="0">
+              <a:endParaRPr lang="en-US" altLang="ja-JP" sz="2800" b="1" dirty="0">
                 <a:latin typeface="小塚ゴシック Pr6N M" pitchFamily="34" charset="-128"/>
                 <a:ea typeface="小塚ゴシック Pr6N M" pitchFamily="34" charset="-128"/>
               </a:endParaRPr>
             </a:p>
             <a:p>
               <a:r>
-                <a:rPr lang="ja-JP" altLang="en-US" b="1" dirty="0">
+                <a:rPr lang="ja-JP" altLang="en-US" sz="2800" b="1" dirty="0">
                   <a:latin typeface="小塚ゴシック Pr6N M" pitchFamily="34" charset="-128"/>
                   <a:ea typeface="小塚ゴシック Pr6N M" pitchFamily="34" charset="-128"/>
                 </a:rPr>
                 <a:t>　</a:t>
               </a:r>
               <a:r>
-                <a:rPr lang="ja-JP" altLang="en-US" b="1" dirty="0" smtClean="0">
+                <a:rPr lang="ja-JP" altLang="en-US" sz="2800" b="1" dirty="0" smtClean="0">
                   <a:latin typeface="小塚ゴシック Pr6N M" pitchFamily="34" charset="-128"/>
                   <a:ea typeface="小塚ゴシック Pr6N M" pitchFamily="34" charset="-128"/>
                 </a:rPr>
                 <a:t>　</a:t>
               </a:r>
               <a:r>
-                <a:rPr kumimoji="1" lang="ja-JP" altLang="en-US" b="1" dirty="0" smtClean="0">
+                <a:rPr kumimoji="1" lang="ja-JP" altLang="en-US" sz="2800" b="1" dirty="0" smtClean="0">
                   <a:latin typeface="小塚ゴシック Pr6N M" pitchFamily="34" charset="-128"/>
                   <a:ea typeface="小塚ゴシック Pr6N M" pitchFamily="34" charset="-128"/>
                 </a:rPr>
                 <a:t>時間</a:t>
               </a:r>
               <a:r>
-                <a:rPr kumimoji="1" lang="ja-JP" altLang="en-US" b="1" dirty="0">
+                <a:rPr kumimoji="1" lang="ja-JP" altLang="en-US" sz="2800" b="1" dirty="0">
                   <a:latin typeface="小塚ゴシック Pr6N M" pitchFamily="34" charset="-128"/>
                   <a:ea typeface="小塚ゴシック Pr6N M" pitchFamily="34" charset="-128"/>
                 </a:rPr>
                 <a:t>管理</a:t>
               </a:r>
               <a:r>
-                <a:rPr kumimoji="1" lang="ja-JP" altLang="en-US" b="1" dirty="0" smtClean="0">
+                <a:rPr kumimoji="1" lang="ja-JP" altLang="en-US" sz="2800" b="1" dirty="0" smtClean="0">
                   <a:latin typeface="小塚ゴシック Pr6N M" pitchFamily="34" charset="-128"/>
                   <a:ea typeface="小塚ゴシック Pr6N M" pitchFamily="34" charset="-128"/>
                 </a:rPr>
                 <a:t>能力</a:t>
               </a:r>
-              <a:endParaRPr kumimoji="1" lang="en-US" altLang="ja-JP" b="1" dirty="0" smtClean="0">
+              <a:endParaRPr kumimoji="1" lang="en-US" altLang="ja-JP" sz="2800" b="1" dirty="0" smtClean="0">
                 <a:latin typeface="小塚ゴシック Pr6N M" pitchFamily="34" charset="-128"/>
                 <a:ea typeface="小塚ゴシック Pr6N M" pitchFamily="34" charset="-128"/>
               </a:endParaRPr>
             </a:p>
             <a:p>
               <a:r>
-                <a:rPr lang="ja-JP" altLang="en-US" b="1" dirty="0" smtClean="0">
+                <a:rPr lang="ja-JP" altLang="en-US" sz="2800" b="1" dirty="0" smtClean="0">
                   <a:latin typeface="小塚ゴシック Pr6N M" pitchFamily="34" charset="-128"/>
                   <a:ea typeface="小塚ゴシック Pr6N M" pitchFamily="34" charset="-128"/>
                 </a:rPr>
                 <a:t>　　　コミュニケーション能力</a:t>
               </a:r>
-              <a:endParaRPr lang="en-US" altLang="ja-JP" b="1" dirty="0" smtClean="0">
+              <a:endParaRPr lang="en-US" altLang="ja-JP" sz="2800" b="1" dirty="0" smtClean="0">
                 <a:latin typeface="小塚ゴシック Pr6N M" pitchFamily="34" charset="-128"/>
                 <a:ea typeface="小塚ゴシック Pr6N M" pitchFamily="34" charset="-128"/>
               </a:endParaRPr>
             </a:p>
             <a:p>
               <a:r>
-                <a:rPr kumimoji="1" lang="en-US" altLang="ja-JP" b="1" dirty="0" smtClean="0">
+                <a:rPr kumimoji="1" lang="en-US" altLang="ja-JP" sz="2800" b="1" dirty="0" smtClean="0">
                   <a:latin typeface="小塚ゴシック Pr6N M" pitchFamily="34" charset="-128"/>
                   <a:ea typeface="小塚ゴシック Pr6N M" pitchFamily="34" charset="-128"/>
                 </a:rPr>
                 <a:t>	</a:t>
               </a:r>
               <a:r>
-                <a:rPr kumimoji="1" lang="ja-JP" altLang="en-US" b="1" dirty="0" smtClean="0">
+                <a:rPr kumimoji="1" lang="ja-JP" altLang="en-US" sz="2800" b="1" dirty="0" smtClean="0">
                   <a:latin typeface="小塚ゴシック Pr6N M" pitchFamily="34" charset="-128"/>
                   <a:ea typeface="小塚ゴシック Pr6N M" pitchFamily="34" charset="-128"/>
                 </a:rPr>
                 <a:t>集中力</a:t>
               </a:r>
-              <a:endParaRPr kumimoji="1" lang="ja-JP" altLang="en-US" b="1" dirty="0">
+              <a:endParaRPr kumimoji="1" lang="ja-JP" altLang="en-US" sz="2800" b="1" dirty="0">
                 <a:latin typeface="小塚ゴシック Pr6N M" pitchFamily="34" charset="-128"/>
                 <a:ea typeface="小塚ゴシック Pr6N M" pitchFamily="34" charset="-128"/>
               </a:endParaRPr>
@@ -5498,8 +5498,8 @@
         </p:nvSpPr>
         <p:spPr>
           <a:xfrm>
-            <a:off x="116632" y="107504"/>
-            <a:ext cx="6631936" cy="8928991"/>
+            <a:off x="163285" y="150507"/>
+            <a:ext cx="9284710" cy="12500587"/>
           </a:xfrm>
           <a:prstGeom prst="roundRect">
             <a:avLst>
@@ -5533,7 +5533,7 @@
           </a:fontRef>
         </p:style>
         <p:txBody>
-          <a:bodyPr rtlCol="0" anchor="ctr"/>
+          <a:bodyPr lIns="128016" tIns="64008" rIns="128016" bIns="64008" rtlCol="0" anchor="ctr"/>
           <a:lstStyle/>
           <a:p>
             <a:pPr algn="ctr"/>
@@ -5549,113 +5549,113 @@
         </p:nvSpPr>
         <p:spPr>
           <a:xfrm>
-            <a:off x="116632" y="133053"/>
-            <a:ext cx="6624736" cy="1846659"/>
+            <a:off x="163285" y="186275"/>
+            <a:ext cx="9274630" cy="2585323"/>
           </a:xfrm>
           <a:prstGeom prst="rect">
             <a:avLst/>
           </a:prstGeom>
         </p:spPr>
         <p:txBody>
-          <a:bodyPr wrap="square">
+          <a:bodyPr wrap="square" lIns="128016" tIns="64008" rIns="128016" bIns="64008">
             <a:spAutoFit/>
           </a:bodyPr>
           <a:lstStyle/>
           <a:p>
             <a:r>
-              <a:rPr lang="en-US" altLang="ja-JP" sz="3600" b="1" dirty="0" smtClean="0">
+              <a:rPr lang="en-US" altLang="ja-JP" sz="5000" b="1" dirty="0">
                 <a:ea typeface="小塚ゴシック Pr6N M" pitchFamily="34" charset="-128"/>
               </a:rPr>
               <a:t>1</a:t>
             </a:r>
             <a:r>
-              <a:rPr lang="ja-JP" altLang="en-US" sz="1600" b="1" dirty="0" smtClean="0">
+              <a:rPr lang="ja-JP" altLang="en-US" sz="2200" b="1" dirty="0">
                 <a:latin typeface="小塚ゴシック Pr6N M" pitchFamily="34" charset="-128"/>
                 <a:ea typeface="小塚ゴシック Pr6N M" pitchFamily="34" charset="-128"/>
               </a:rPr>
               <a:t>日本</a:t>
             </a:r>
             <a:r>
-              <a:rPr lang="ja-JP" altLang="en-US" sz="1600" b="1" dirty="0">
+              <a:rPr lang="ja-JP" altLang="en-US" sz="2200" b="1" dirty="0">
                 <a:latin typeface="小塚ゴシック Pr6N M" pitchFamily="34" charset="-128"/>
                 <a:ea typeface="小塚ゴシック Pr6N M" pitchFamily="34" charset="-128"/>
               </a:rPr>
               <a:t>の様々な童話について調査し，整理</a:t>
             </a:r>
             <a:r>
-              <a:rPr lang="ja-JP" altLang="en-US" sz="1600" b="1" dirty="0" smtClean="0">
+              <a:rPr lang="ja-JP" altLang="en-US" sz="2200" b="1" dirty="0">
                 <a:latin typeface="小塚ゴシック Pr6N M" pitchFamily="34" charset="-128"/>
                 <a:ea typeface="小塚ゴシック Pr6N M" pitchFamily="34" charset="-128"/>
               </a:rPr>
               <a:t>する</a:t>
             </a:r>
-            <a:endParaRPr lang="en-US" altLang="ja-JP" sz="1600" b="1" dirty="0" smtClean="0">
+            <a:endParaRPr lang="en-US" altLang="ja-JP" sz="2200" b="1" dirty="0">
               <a:latin typeface="小塚ゴシック Pr6N M" pitchFamily="34" charset="-128"/>
               <a:ea typeface="小塚ゴシック Pr6N M" pitchFamily="34" charset="-128"/>
             </a:endParaRPr>
           </a:p>
           <a:p>
             <a:r>
-              <a:rPr lang="ja-JP" altLang="en-US" sz="2400" b="1" dirty="0">
+              <a:rPr lang="ja-JP" altLang="en-US" sz="3400" b="1" dirty="0">
                 <a:latin typeface="小塚ゴシック Pr6N M" pitchFamily="34" charset="-128"/>
                 <a:ea typeface="小塚ゴシック Pr6N M" pitchFamily="34" charset="-128"/>
               </a:rPr>
               <a:t> </a:t>
             </a:r>
             <a:r>
-              <a:rPr lang="ja-JP" altLang="en-US" sz="2400" b="1" dirty="0" smtClean="0">
+              <a:rPr lang="ja-JP" altLang="en-US" sz="3400" b="1" dirty="0">
                 <a:ea typeface="小塚ゴシック Pr6N M" pitchFamily="34" charset="-128"/>
               </a:rPr>
               <a:t>２</a:t>
             </a:r>
             <a:r>
-              <a:rPr lang="ja-JP" altLang="en-US" sz="1600" b="1" dirty="0" smtClean="0">
+              <a:rPr lang="ja-JP" altLang="en-US" sz="2200" b="1" dirty="0">
                 <a:latin typeface="小塚ゴシック Pr6N M" pitchFamily="34" charset="-128"/>
                 <a:ea typeface="小塚ゴシック Pr6N M" pitchFamily="34" charset="-128"/>
               </a:rPr>
               <a:t>プロジェクトマネジメント</a:t>
             </a:r>
             <a:r>
-              <a:rPr lang="ja-JP" altLang="en-US" sz="1600" b="1" dirty="0">
+              <a:rPr lang="ja-JP" altLang="en-US" sz="2200" b="1" dirty="0">
                 <a:latin typeface="小塚ゴシック Pr6N M" pitchFamily="34" charset="-128"/>
                 <a:ea typeface="小塚ゴシック Pr6N M" pitchFamily="34" charset="-128"/>
               </a:rPr>
               <a:t>知識を関連</a:t>
             </a:r>
             <a:r>
-              <a:rPr lang="ja-JP" altLang="en-US" sz="1600" b="1" dirty="0" smtClean="0">
+              <a:rPr lang="ja-JP" altLang="en-US" sz="2200" b="1" dirty="0">
                 <a:latin typeface="小塚ゴシック Pr6N M" pitchFamily="34" charset="-128"/>
                 <a:ea typeface="小塚ゴシック Pr6N M" pitchFamily="34" charset="-128"/>
               </a:rPr>
               <a:t>させる</a:t>
             </a:r>
-            <a:endParaRPr lang="en-US" altLang="ja-JP" sz="1600" b="1" dirty="0" smtClean="0">
+            <a:endParaRPr lang="en-US" altLang="ja-JP" sz="2200" b="1" dirty="0">
               <a:latin typeface="小塚ゴシック Pr6N M" pitchFamily="34" charset="-128"/>
               <a:ea typeface="小塚ゴシック Pr6N M" pitchFamily="34" charset="-128"/>
             </a:endParaRPr>
           </a:p>
           <a:p>
             <a:r>
-              <a:rPr lang="ja-JP" altLang="en-US" sz="2000" b="1" dirty="0" smtClean="0">
+              <a:rPr lang="ja-JP" altLang="en-US" sz="2800" b="1" dirty="0">
                 <a:latin typeface="小塚ゴシック Pr6N M" pitchFamily="34" charset="-128"/>
                 <a:ea typeface="小塚ゴシック Pr6N M" pitchFamily="34" charset="-128"/>
               </a:rPr>
               <a:t>   </a:t>
             </a:r>
             <a:r>
-              <a:rPr lang="ja-JP" altLang="en-US" sz="2000" b="1" dirty="0" smtClean="0">
+              <a:rPr lang="ja-JP" altLang="en-US" sz="2800" b="1" dirty="0">
                 <a:ea typeface="小塚ゴシック Pr6N M" pitchFamily="34" charset="-128"/>
               </a:rPr>
               <a:t>３</a:t>
             </a:r>
             <a:r>
-              <a:rPr lang="ja-JP" altLang="en-US" sz="1600" b="1" dirty="0" smtClean="0">
+              <a:rPr lang="ja-JP" altLang="en-US" sz="2200" b="1" dirty="0">
                 <a:latin typeface="小塚ゴシック Pr6N M" pitchFamily="34" charset="-128"/>
                 <a:ea typeface="小塚ゴシック Pr6N M" pitchFamily="34" charset="-128"/>
               </a:rPr>
               <a:t>世界の様々な童話について調査し，整理する</a:t>
             </a:r>
-            <a:endParaRPr lang="en-US" altLang="ja-JP" sz="1600" b="1" dirty="0" smtClean="0">
+            <a:endParaRPr lang="en-US" altLang="ja-JP" sz="2200" b="1" dirty="0">
               <a:latin typeface="小塚ゴシック Pr6N M" pitchFamily="34" charset="-128"/>
               <a:ea typeface="小塚ゴシック Pr6N M" pitchFamily="34" charset="-128"/>
             </a:endParaRPr>
@@ -5675,53 +5675,53 @@
               <a:t>４</a:t>
             </a:r>
             <a:r>
-              <a:rPr lang="ja-JP" altLang="en-US" sz="1600" b="1" dirty="0" smtClean="0">
+              <a:rPr lang="ja-JP" altLang="en-US" sz="2200" b="1" dirty="0">
                 <a:latin typeface="小塚ゴシック Pr6N M" pitchFamily="34" charset="-128"/>
                 <a:ea typeface="小塚ゴシック Pr6N M" pitchFamily="34" charset="-128"/>
               </a:rPr>
               <a:t>世界の童話について２と同様に作業する</a:t>
             </a:r>
-            <a:endParaRPr lang="en-US" altLang="ja-JP" sz="1600" b="1" dirty="0" smtClean="0">
+            <a:endParaRPr lang="en-US" altLang="ja-JP" sz="2200" b="1" dirty="0">
               <a:latin typeface="小塚ゴシック Pr6N M" pitchFamily="34" charset="-128"/>
               <a:ea typeface="小塚ゴシック Pr6N M" pitchFamily="34" charset="-128"/>
             </a:endParaRPr>
           </a:p>
           <a:p>
             <a:r>
-              <a:rPr lang="ja-JP" altLang="en-US" sz="1600" b="1" dirty="0" smtClean="0">
+              <a:rPr lang="ja-JP" altLang="en-US" sz="2200" b="1" dirty="0">
                 <a:latin typeface="小塚ゴシック Pr6N M" pitchFamily="34" charset="-128"/>
                 <a:ea typeface="小塚ゴシック Pr6N M" pitchFamily="34" charset="-128"/>
               </a:rPr>
               <a:t>       </a:t>
             </a:r>
             <a:r>
-              <a:rPr lang="ja-JP" altLang="en-US" sz="1600" b="1" dirty="0" smtClean="0">
+              <a:rPr lang="ja-JP" altLang="en-US" sz="2200" b="1" dirty="0">
                 <a:ea typeface="小塚ゴシック Pr6N M" pitchFamily="34" charset="-128"/>
               </a:rPr>
               <a:t>５</a:t>
             </a:r>
             <a:r>
-              <a:rPr lang="ja-JP" altLang="en-US" sz="1600" b="1" dirty="0" smtClean="0">
+              <a:rPr lang="ja-JP" altLang="en-US" sz="2200" b="1" dirty="0">
                 <a:latin typeface="小塚ゴシック Pr6N M" pitchFamily="34" charset="-128"/>
                 <a:ea typeface="小塚ゴシック Pr6N M" pitchFamily="34" charset="-128"/>
               </a:rPr>
               <a:t> </a:t>
             </a:r>
             <a:r>
-              <a:rPr lang="en-US" altLang="ja-JP" sz="1600" b="1" dirty="0" smtClean="0">
+              <a:rPr lang="en-US" altLang="ja-JP" sz="2200" b="1" dirty="0">
                 <a:latin typeface="小塚ゴシック Pr6N M" pitchFamily="34" charset="-128"/>
                 <a:ea typeface="小塚ゴシック Pr6N M" pitchFamily="34" charset="-128"/>
               </a:rPr>
               <a:t>1</a:t>
             </a:r>
             <a:r>
-              <a:rPr lang="ja-JP" altLang="en-US" sz="1600" b="1" dirty="0" smtClean="0">
+              <a:rPr lang="ja-JP" altLang="en-US" sz="2200" b="1" dirty="0">
                 <a:latin typeface="小塚ゴシック Pr6N M" pitchFamily="34" charset="-128"/>
                 <a:ea typeface="小塚ゴシック Pr6N M" pitchFamily="34" charset="-128"/>
               </a:rPr>
               <a:t>年次に行うプロジェクトに用いて検証する</a:t>
             </a:r>
-            <a:endParaRPr lang="en-US" altLang="ja-JP" sz="1600" b="1" dirty="0">
+            <a:endParaRPr lang="en-US" altLang="ja-JP" sz="2200" b="1" dirty="0">
               <a:latin typeface="小塚ゴシック Pr6N M" pitchFamily="34" charset="-128"/>
               <a:ea typeface="小塚ゴシック Pr6N M" pitchFamily="34" charset="-128"/>
             </a:endParaRPr>
@@ -5751,8 +5751,8 @@
         </p:blipFill>
         <p:spPr bwMode="auto">
           <a:xfrm>
-            <a:off x="4725144" y="314787"/>
-            <a:ext cx="1944216" cy="1599238"/>
+            <a:off x="6615202" y="440702"/>
+            <a:ext cx="2721902" cy="2238933"/>
           </a:xfrm>
           <a:prstGeom prst="rect">
             <a:avLst/>
@@ -5777,8 +5777,8 @@
         </p:nvSpPr>
         <p:spPr>
           <a:xfrm>
-            <a:off x="188640" y="1984809"/>
-            <a:ext cx="2088232" cy="543546"/>
+            <a:off x="264096" y="2778733"/>
+            <a:ext cx="2923525" cy="760964"/>
           </a:xfrm>
           <a:prstGeom prst="roundRect">
             <a:avLst/>
@@ -5808,12 +5808,12 @@
           </a:fontRef>
         </p:style>
         <p:txBody>
-          <a:bodyPr rtlCol="0" anchor="ctr"/>
+          <a:bodyPr lIns="128016" tIns="64008" rIns="128016" bIns="64008" rtlCol="0" anchor="ctr"/>
           <a:lstStyle/>
           <a:p>
             <a:pPr algn="ctr"/>
             <a:r>
-              <a:rPr lang="en-US" altLang="ja-JP" sz="2400" b="1" dirty="0" smtClean="0">
+              <a:rPr lang="en-US" altLang="ja-JP" sz="3400" b="1" dirty="0">
                 <a:solidFill>
                   <a:schemeClr val="accent6">
                     <a:lumMod val="75000"/>
@@ -5825,7 +5825,7 @@
               <a:t>PM</a:t>
             </a:r>
             <a:r>
-              <a:rPr lang="ja-JP" altLang="en-US" sz="2400" b="1" dirty="0" smtClean="0">
+              <a:rPr lang="ja-JP" altLang="en-US" sz="3400" b="1" dirty="0">
                 <a:solidFill>
                   <a:schemeClr val="accent6">
                     <a:lumMod val="75000"/>
@@ -5836,15 +5836,6 @@
               </a:rPr>
               <a:t>金太郎</a:t>
             </a:r>
-            <a:endParaRPr kumimoji="1" lang="ja-JP" altLang="en-US" sz="2400" b="1" dirty="0" smtClean="0">
-              <a:solidFill>
-                <a:schemeClr val="accent6">
-                  <a:lumMod val="75000"/>
-                </a:schemeClr>
-              </a:solidFill>
-              <a:latin typeface="小塚ゴシック Pr6N M" pitchFamily="34" charset="-128"/>
-              <a:ea typeface="小塚ゴシック Pr6N M" pitchFamily="34" charset="-128"/>
-            </a:endParaRPr>
           </a:p>
         </p:txBody>
       </p:sp>
@@ -5856,8 +5847,8 @@
         </p:nvSpPr>
         <p:spPr>
           <a:xfrm>
-            <a:off x="4437112" y="1979712"/>
-            <a:ext cx="2111744" cy="543546"/>
+            <a:off x="6211957" y="2771597"/>
+            <a:ext cx="2956442" cy="760964"/>
           </a:xfrm>
           <a:prstGeom prst="roundRect">
             <a:avLst/>
@@ -5887,12 +5878,12 @@
           </a:fontRef>
         </p:style>
         <p:txBody>
-          <a:bodyPr rtlCol="0" anchor="ctr"/>
+          <a:bodyPr lIns="128016" tIns="64008" rIns="128016" bIns="64008" rtlCol="0" anchor="ctr"/>
           <a:lstStyle/>
           <a:p>
             <a:pPr algn="ctr"/>
             <a:r>
-              <a:rPr lang="en-US" altLang="ja-JP" sz="2400" b="1" dirty="0" smtClean="0">
+              <a:rPr lang="en-US" altLang="ja-JP" sz="3400" b="1" dirty="0">
                 <a:solidFill>
                   <a:srgbClr val="0070C0"/>
                 </a:solidFill>
@@ -5902,7 +5893,7 @@
               <a:t>PM</a:t>
             </a:r>
             <a:r>
-              <a:rPr lang="ja-JP" altLang="en-US" sz="2400" b="1" dirty="0" smtClean="0">
+              <a:rPr lang="ja-JP" altLang="en-US" sz="3400" b="1" dirty="0">
                 <a:solidFill>
                   <a:srgbClr val="0070C0"/>
                 </a:solidFill>
@@ -5911,13 +5902,6 @@
               </a:rPr>
               <a:t>浦島太郎</a:t>
             </a:r>
-            <a:endParaRPr kumimoji="1" lang="ja-JP" altLang="en-US" sz="2400" b="1" dirty="0" smtClean="0">
-              <a:solidFill>
-                <a:srgbClr val="0070C0"/>
-              </a:solidFill>
-              <a:latin typeface="小塚ゴシック Pr6N M" pitchFamily="34" charset="-128"/>
-              <a:ea typeface="小塚ゴシック Pr6N M" pitchFamily="34" charset="-128"/>
-            </a:endParaRPr>
           </a:p>
         </p:txBody>
       </p:sp>
@@ -5929,8 +5913,8 @@
         </p:nvSpPr>
         <p:spPr>
           <a:xfrm>
-            <a:off x="2348880" y="1979712"/>
-            <a:ext cx="2016223" cy="543546"/>
+            <a:off x="3288433" y="2771597"/>
+            <a:ext cx="2822712" cy="760964"/>
           </a:xfrm>
           <a:prstGeom prst="roundRect">
             <a:avLst/>
@@ -5960,12 +5944,12 @@
           </a:fontRef>
         </p:style>
         <p:txBody>
-          <a:bodyPr rtlCol="0" anchor="ctr"/>
+          <a:bodyPr lIns="128016" tIns="64008" rIns="128016" bIns="64008" rtlCol="0" anchor="ctr"/>
           <a:lstStyle/>
           <a:p>
             <a:pPr algn="ctr"/>
             <a:r>
-              <a:rPr lang="en-US" altLang="ja-JP" sz="2400" b="1" dirty="0" smtClean="0">
+              <a:rPr lang="en-US" altLang="ja-JP" sz="3400" b="1" dirty="0">
                 <a:solidFill>
                   <a:srgbClr val="F7257F"/>
                 </a:solidFill>
@@ -5975,7 +5959,7 @@
               <a:t>PM</a:t>
             </a:r>
             <a:r>
-              <a:rPr lang="ja-JP" altLang="en-US" sz="2400" b="1" dirty="0" smtClean="0">
+              <a:rPr lang="ja-JP" altLang="en-US" sz="3400" b="1" dirty="0">
                 <a:solidFill>
                   <a:srgbClr val="F7257F"/>
                 </a:solidFill>
@@ -5984,13 +5968,6 @@
               </a:rPr>
               <a:t>桃太郎</a:t>
             </a:r>
-            <a:endParaRPr kumimoji="1" lang="ja-JP" altLang="en-US" sz="2400" b="1" dirty="0" smtClean="0">
-              <a:solidFill>
-                <a:srgbClr val="F7257F"/>
-              </a:solidFill>
-              <a:latin typeface="小塚ゴシック Pr6N M" pitchFamily="34" charset="-128"/>
-              <a:ea typeface="小塚ゴシック Pr6N M" pitchFamily="34" charset="-128"/>
-            </a:endParaRPr>
           </a:p>
         </p:txBody>
       </p:sp>
@@ -6002,8 +5979,8 @@
         </p:nvSpPr>
         <p:spPr>
           <a:xfrm>
-            <a:off x="188640" y="2595266"/>
-            <a:ext cx="2011602" cy="576064"/>
+            <a:off x="264096" y="3633372"/>
+            <a:ext cx="3427581" cy="806490"/>
           </a:xfrm>
           <a:prstGeom prst="roundRect">
             <a:avLst/>
@@ -6033,12 +6010,12 @@
           </a:fontRef>
         </p:style>
         <p:txBody>
-          <a:bodyPr rtlCol="0" anchor="ctr"/>
+          <a:bodyPr lIns="128016" tIns="64008" rIns="128016" bIns="64008" rtlCol="0" anchor="ctr"/>
           <a:lstStyle/>
           <a:p>
             <a:pPr algn="ctr"/>
             <a:r>
-              <a:rPr kumimoji="1" lang="ja-JP" altLang="en-US" sz="2400" b="1" dirty="0" smtClean="0">
+              <a:rPr lang="ja-JP" altLang="en-US" sz="3400" b="1" dirty="0">
                 <a:solidFill>
                   <a:schemeClr val="accent2">
                     <a:lumMod val="75000"/>
@@ -6047,7 +6024,7 @@
                 <a:latin typeface="小塚ゴシック Pr6N M" pitchFamily="34" charset="-128"/>
                 <a:ea typeface="小塚ゴシック Pr6N M" pitchFamily="34" charset="-128"/>
               </a:rPr>
-              <a:t>三匹の子豚</a:t>
+              <a:t>ＰＭ三匹の子豚</a:t>
             </a:r>
           </a:p>
         </p:txBody>
@@ -6060,8 +6037,8 @@
         </p:nvSpPr>
         <p:spPr>
           <a:xfrm>
-            <a:off x="2253360" y="2595266"/>
-            <a:ext cx="4295496" cy="576064"/>
+            <a:off x="3792488" y="3633372"/>
+            <a:ext cx="5375910" cy="806490"/>
           </a:xfrm>
           <a:prstGeom prst="roundRect">
             <a:avLst/>
@@ -6091,19 +6068,19 @@
           </a:fontRef>
         </p:style>
         <p:txBody>
-          <a:bodyPr rtlCol="0" anchor="ctr"/>
+          <a:bodyPr lIns="128016" tIns="64008" rIns="128016" bIns="64008" rtlCol="0" anchor="ctr"/>
           <a:lstStyle/>
           <a:p>
             <a:pPr algn="ctr"/>
             <a:r>
-              <a:rPr kumimoji="1" lang="ja-JP" altLang="en-US" sz="2400" b="1" dirty="0" smtClean="0">
+              <a:rPr lang="ja-JP" altLang="en-US" sz="3400" b="1" dirty="0">
                 <a:solidFill>
                   <a:srgbClr val="00B050"/>
                 </a:solidFill>
                 <a:latin typeface="小塚ゴシック Pr6N M" pitchFamily="34" charset="-128"/>
                 <a:ea typeface="小塚ゴシック Pr6N M" pitchFamily="34" charset="-128"/>
               </a:rPr>
-              <a:t>ヘンゼルとグレーテル</a:t>
+              <a:t>ＰＭヘンゼルとグレーテル</a:t>
             </a:r>
           </a:p>
         </p:txBody>
@@ -6116,8 +6093,8 @@
         </p:nvSpPr>
         <p:spPr>
           <a:xfrm>
-            <a:off x="265270" y="4211960"/>
-            <a:ext cx="6355595" cy="1323439"/>
+            <a:off x="371379" y="5896744"/>
+            <a:ext cx="8897833" cy="2283702"/>
           </a:xfrm>
           <a:prstGeom prst="rect">
             <a:avLst/>
@@ -6138,72 +6115,106 @@
           </a:fontRef>
         </p:style>
         <p:txBody>
-          <a:bodyPr wrap="square">
+          <a:bodyPr wrap="square" lIns="128016" tIns="64008" rIns="128016" bIns="64008">
             <a:spAutoFit/>
           </a:bodyPr>
           <a:lstStyle/>
           <a:p>
             <a:r>
-              <a:rPr lang="ja-JP" altLang="en-US" sz="2000" b="1" dirty="0" smtClean="0">
+              <a:rPr lang="ja-JP" altLang="en-US" sz="2800" b="1" dirty="0">
                 <a:latin typeface="小塚ゴシック Pr6N M" pitchFamily="34" charset="-128"/>
                 <a:ea typeface="小塚ゴシック Pr6N M" pitchFamily="34" charset="-128"/>
               </a:rPr>
-              <a:t>①バックストーリーをチームで作成及び整理する</a:t>
-            </a:r>
-            <a:endParaRPr lang="en-US" altLang="ja-JP" sz="2000" b="1" dirty="0" smtClean="0">
+              <a:t>①プロジェクトマネジメントの概要を理解する</a:t>
+            </a:r>
+            <a:endParaRPr lang="en-US" altLang="ja-JP" sz="2800" b="1" dirty="0">
               <a:latin typeface="小塚ゴシック Pr6N M" pitchFamily="34" charset="-128"/>
               <a:ea typeface="小塚ゴシック Pr6N M" pitchFamily="34" charset="-128"/>
             </a:endParaRPr>
           </a:p>
           <a:p>
             <a:r>
-              <a:rPr lang="ja-JP" altLang="en-US" sz="2000" b="1" dirty="0" smtClean="0">
+              <a:rPr lang="ja-JP" altLang="en-US" sz="2800" b="1" dirty="0">
                 <a:latin typeface="小塚ゴシック Pr6N M" pitchFamily="34" charset="-128"/>
                 <a:ea typeface="小塚ゴシック Pr6N M" pitchFamily="34" charset="-128"/>
               </a:rPr>
-              <a:t>②基本計画書・ガントチャートの作成をする</a:t>
-            </a:r>
-            <a:endParaRPr lang="en-US" altLang="ja-JP" sz="2000" b="1" dirty="0" smtClean="0">
+              <a:t>②バックストーリーを作成し，プロジェクトに結びつける</a:t>
+            </a:r>
+            <a:endParaRPr lang="en-US" altLang="ja-JP" sz="2800" b="1" dirty="0">
               <a:latin typeface="小塚ゴシック Pr6N M" pitchFamily="34" charset="-128"/>
               <a:ea typeface="小塚ゴシック Pr6N M" pitchFamily="34" charset="-128"/>
             </a:endParaRPr>
           </a:p>
           <a:p>
             <a:r>
-              <a:rPr lang="ja-JP" altLang="en-US" sz="2000" b="1" dirty="0" smtClean="0">
+              <a:rPr lang="ja-JP" altLang="en-US" sz="2800" b="1" dirty="0">
                 <a:latin typeface="小塚ゴシック Pr6N M" pitchFamily="34" charset="-128"/>
                 <a:ea typeface="小塚ゴシック Pr6N M" pitchFamily="34" charset="-128"/>
               </a:rPr>
-              <a:t>③行った作業の全てをまとめて</a:t>
-            </a:r>
-            <a:r>
-              <a:rPr lang="en-US" altLang="ja-JP" sz="2000" b="1" dirty="0" smtClean="0">
+              <a:t>③</a:t>
+            </a:r>
+            <a:r>
+              <a:rPr lang="ja-JP" altLang="en-US" sz="2800" b="1" dirty="0">
+                <a:latin typeface="小塚ゴシック Pr6N M" pitchFamily="34" charset="-128"/>
+                <a:ea typeface="小塚ゴシック Pr6N M" pitchFamily="34" charset="-128"/>
+              </a:rPr>
+              <a:t>基本計画書・ガントチャートを作成をする</a:t>
+            </a:r>
+            <a:endParaRPr lang="en-US" altLang="ja-JP" sz="2800" b="1" dirty="0">
+              <a:latin typeface="小塚ゴシック Pr6N M" pitchFamily="34" charset="-128"/>
+              <a:ea typeface="小塚ゴシック Pr6N M" pitchFamily="34" charset="-128"/>
+            </a:endParaRPr>
+          </a:p>
+          <a:p>
+            <a:r>
+              <a:rPr lang="ja-JP" altLang="en-US" sz="2800" b="1" dirty="0">
+                <a:latin typeface="小塚ゴシック Pr6N M" pitchFamily="34" charset="-128"/>
+                <a:ea typeface="小塚ゴシック Pr6N M" pitchFamily="34" charset="-128"/>
+              </a:rPr>
+              <a:t>④</a:t>
+            </a:r>
+            <a:r>
+              <a:rPr lang="ja-JP" altLang="en-US" sz="2800" b="1" dirty="0">
+                <a:latin typeface="小塚ゴシック Pr6N M" pitchFamily="34" charset="-128"/>
+                <a:ea typeface="小塚ゴシック Pr6N M" pitchFamily="34" charset="-128"/>
+              </a:rPr>
+              <a:t>行った作業の全てをまとめて</a:t>
+            </a:r>
+            <a:r>
+              <a:rPr lang="en-US" altLang="ja-JP" sz="2800" b="1" dirty="0">
                 <a:latin typeface="小塚ゴシック Pr6N M" pitchFamily="34" charset="-128"/>
                 <a:ea typeface="小塚ゴシック Pr6N M" pitchFamily="34" charset="-128"/>
               </a:rPr>
               <a:t>1</a:t>
             </a:r>
             <a:r>
-              <a:rPr lang="ja-JP" altLang="en-US" sz="2000" b="1" dirty="0" smtClean="0">
+              <a:rPr lang="ja-JP" altLang="en-US" sz="2800" b="1" dirty="0">
                 <a:latin typeface="小塚ゴシック Pr6N M" pitchFamily="34" charset="-128"/>
                 <a:ea typeface="小塚ゴシック Pr6N M" pitchFamily="34" charset="-128"/>
               </a:rPr>
               <a:t>枚のマップを作成する</a:t>
             </a:r>
-            <a:endParaRPr lang="en-US" altLang="ja-JP" sz="2000" b="1" dirty="0" smtClean="0">
+            <a:endParaRPr lang="en-US" altLang="ja-JP" sz="2800" b="1" dirty="0">
               <a:latin typeface="小塚ゴシック Pr6N M" pitchFamily="34" charset="-128"/>
               <a:ea typeface="小塚ゴシック Pr6N M" pitchFamily="34" charset="-128"/>
             </a:endParaRPr>
           </a:p>
           <a:p>
             <a:r>
-              <a:rPr lang="ja-JP" altLang="en-US" sz="2000" b="1" dirty="0" smtClean="0">
+              <a:rPr lang="ja-JP" altLang="en-US" sz="2800" b="1" dirty="0">
                 <a:latin typeface="小塚ゴシック Pr6N M" pitchFamily="34" charset="-128"/>
                 <a:ea typeface="小塚ゴシック Pr6N M" pitchFamily="34" charset="-128"/>
               </a:rPr>
-              <a:t>④ワークショップに対する評価をする</a:t>
-            </a:r>
-            <a:endParaRPr lang="en-US" altLang="ja-JP" sz="2000" b="1" dirty="0">
+              <a:t>⑤</a:t>
+            </a:r>
+            <a:r>
+              <a:rPr lang="ja-JP" altLang="en-US" sz="2800" b="1" dirty="0">
+                <a:latin typeface="小塚ゴシック Pr6N M" pitchFamily="34" charset="-128"/>
+                <a:ea typeface="小塚ゴシック Pr6N M" pitchFamily="34" charset="-128"/>
+              </a:rPr>
+              <a:t>ワークショップに対する評価をする</a:t>
+            </a:r>
+            <a:endParaRPr lang="en-US" altLang="ja-JP" sz="2800" b="1" dirty="0">
               <a:latin typeface="小塚ゴシック Pr6N M" pitchFamily="34" charset="-128"/>
               <a:ea typeface="小塚ゴシック Pr6N M" pitchFamily="34" charset="-128"/>
             </a:endParaRPr>
@@ -6218,8 +6229,8 @@
         </p:nvCxnSpPr>
         <p:spPr>
           <a:xfrm>
-            <a:off x="260648" y="3419872"/>
-            <a:ext cx="6355595" cy="0"/>
+            <a:off x="364908" y="4787821"/>
+            <a:ext cx="8897833" cy="0"/>
           </a:xfrm>
           <a:prstGeom prst="line">
             <a:avLst/>
@@ -6254,19 +6265,15 @@
         </p:nvSpPr>
         <p:spPr>
           <a:xfrm>
-            <a:off x="548680" y="3612089"/>
-            <a:ext cx="2736304" cy="455855"/>
+            <a:off x="163286" y="5056925"/>
+            <a:ext cx="3931635" cy="638197"/>
           </a:xfrm>
           <a:prstGeom prst="rect">
             <a:avLst/>
           </a:prstGeom>
-          <a:solidFill>
-            <a:schemeClr val="bg1"/>
-          </a:solidFill>
+          <a:noFill/>
           <a:ln>
-            <a:solidFill>
-              <a:schemeClr val="accent5"/>
-            </a:solidFill>
+            <a:noFill/>
           </a:ln>
         </p:spPr>
         <p:style>
@@ -6286,12 +6293,11 @@
           </a:fontRef>
         </p:style>
         <p:txBody>
-          <a:bodyPr rtlCol="0" anchor="ctr"/>
+          <a:bodyPr lIns="128016" tIns="64008" rIns="128016" bIns="64008" rtlCol="0" anchor="ctr"/>
           <a:lstStyle/>
           <a:p>
-            <a:pPr algn="ctr"/>
-            <a:r>
-              <a:rPr kumimoji="1" lang="ja-JP" altLang="en-US" sz="2800" b="1" cap="all" dirty="0" smtClean="0">
+            <a:r>
+              <a:rPr lang="ja-JP" altLang="en-US" sz="3400" b="1" cap="all" dirty="0">
                 <a:ln w="9000" cmpd="sng">
                   <a:solidFill>
                     <a:srgbClr val="D6F1F6"/>
@@ -6309,7 +6315,7 @@
               </a:rPr>
               <a:t>ＴＤＬプロジェクト</a:t>
             </a:r>
-            <a:endParaRPr kumimoji="1" lang="ja-JP" altLang="en-US" sz="2800" b="1" cap="all" dirty="0">
+            <a:endParaRPr lang="ja-JP" altLang="en-US" sz="3400" b="1" cap="all" dirty="0">
               <a:ln w="9000" cmpd="sng">
                 <a:solidFill>
                   <a:srgbClr val="D6F1F6"/>
@@ -6337,14 +6343,14 @@
           <p:nvPr>
             <p:extLst>
               <p:ext uri="{D42A27DB-BD31-4B8C-83A1-F6EECF244321}">
-                <p14:modId xmlns:p14="http://schemas.microsoft.com/office/powerpoint/2010/main" val="4023637618"/>
+                <p14:modId xmlns:p14="http://schemas.microsoft.com/office/powerpoint/2010/main" val="3415965186"/>
               </p:ext>
             </p:extLst>
           </p:nvPr>
         </p:nvGraphicFramePr>
         <p:xfrm>
-          <a:off x="332656" y="6481896"/>
-          <a:ext cx="6216200" cy="2194560"/>
+          <a:off x="465718" y="9377088"/>
+          <a:ext cx="8702680" cy="3072384"/>
         </p:xfrm>
         <a:graphic>
           <a:graphicData uri="http://schemas.openxmlformats.org/drawingml/2006/table">
@@ -6353,10 +6359,10 @@
                 <a:tableStyleId>{5C22544A-7EE6-4342-B048-85BDC9FD1C3A}</a:tableStyleId>
               </a:tblPr>
               <a:tblGrid>
-                <a:gridCol w="2386680"/>
-                <a:gridCol w="3829520"/>
+                <a:gridCol w="3341352"/>
+                <a:gridCol w="5361328"/>
               </a:tblGrid>
-              <a:tr h="345305">
+              <a:tr h="512064">
                 <a:tc>
                   <a:txBody>
                     <a:bodyPr/>
@@ -6364,17 +6370,17 @@
                     <a:p>
                       <a:pPr algn="ctr"/>
                       <a:r>
-                        <a:rPr kumimoji="1" lang="ja-JP" altLang="en-US" b="1" dirty="0" smtClean="0">
+                        <a:rPr kumimoji="1" lang="ja-JP" altLang="en-US" sz="2500" b="1" dirty="0" smtClean="0">
                           <a:ea typeface="小塚ゴシック Pr6N M"/>
                         </a:rPr>
                         <a:t>期間　２０１４年～</a:t>
                       </a:r>
-                      <a:endParaRPr kumimoji="1" lang="ja-JP" altLang="en-US" b="1" dirty="0">
+                      <a:endParaRPr kumimoji="1" lang="ja-JP" altLang="en-US" sz="2500" b="1" dirty="0">
                         <a:ea typeface="小塚ゴシック Pr6N M"/>
                       </a:endParaRPr>
                     </a:p>
                   </a:txBody>
-                  <a:tcPr/>
+                  <a:tcPr marL="128016" marR="128016" marT="64008" marB="64008"/>
                 </a:tc>
                 <a:tc>
                   <a:txBody>
@@ -6383,20 +6389,20 @@
                     <a:p>
                       <a:pPr algn="ctr"/>
                       <a:r>
-                        <a:rPr kumimoji="1" lang="ja-JP" altLang="en-US" b="1" dirty="0" smtClean="0">
+                        <a:rPr kumimoji="1" lang="ja-JP" altLang="en-US" sz="2500" b="1" dirty="0" smtClean="0">
                           <a:ea typeface="小塚ゴシック Pr6N M"/>
                         </a:rPr>
                         <a:t>内容</a:t>
                       </a:r>
-                      <a:endParaRPr kumimoji="1" lang="ja-JP" altLang="en-US" b="1" dirty="0">
+                      <a:endParaRPr kumimoji="1" lang="ja-JP" altLang="en-US" sz="2500" b="1" dirty="0">
                         <a:ea typeface="小塚ゴシック Pr6N M"/>
                       </a:endParaRPr>
                     </a:p>
                   </a:txBody>
-                  <a:tcPr/>
+                  <a:tcPr marL="128016" marR="128016" marT="64008" marB="64008"/>
                 </a:tc>
               </a:tr>
-              <a:tr h="345305">
+              <a:tr h="512064">
                 <a:tc>
                   <a:txBody>
                     <a:bodyPr/>
@@ -6404,39 +6410,18 @@
                     <a:p>
                       <a:pPr algn="l"/>
                       <a:r>
-                        <a:rPr kumimoji="1" lang="ja-JP" altLang="en-US" b="1" dirty="0" smtClean="0">
+                        <a:rPr kumimoji="1" lang="ja-JP" altLang="en-US" sz="2500" b="1" dirty="0" smtClean="0">
                           <a:ea typeface="小塚ゴシック Pr6N M"/>
                         </a:rPr>
                         <a:t>１月～２月</a:t>
                       </a:r>
-                      <a:endParaRPr kumimoji="1" lang="ja-JP" altLang="en-US" b="1" dirty="0">
+                      <a:endParaRPr kumimoji="1" lang="ja-JP" altLang="en-US" sz="2500" b="1" dirty="0">
                         <a:ea typeface="小塚ゴシック Pr6N M"/>
                       </a:endParaRPr>
                     </a:p>
                   </a:txBody>
-                  <a:tcPr/>
+                  <a:tcPr marL="128016" marR="128016" marT="64008" marB="64008"/>
                 </a:tc>
-                <a:tc>
-                  <a:txBody>
-                    <a:bodyPr/>
-                    <a:lstStyle/>
-                    <a:p>
-                      <a:pPr algn="r"/>
-                      <a:r>
-                        <a:rPr kumimoji="1" lang="ja-JP" altLang="en-US" b="1" dirty="0" smtClean="0">
-                          <a:ea typeface="小塚ゴシック Pr6N M"/>
-                        </a:rPr>
-                        <a:t>ＴＤＬワークショップを一人で行う</a:t>
-                      </a:r>
-                      <a:endParaRPr kumimoji="1" lang="ja-JP" altLang="en-US" b="1" dirty="0">
-                        <a:ea typeface="小塚ゴシック Pr6N M"/>
-                      </a:endParaRPr>
-                    </a:p>
-                  </a:txBody>
-                  <a:tcPr/>
-                </a:tc>
-              </a:tr>
-              <a:tr h="345305">
                 <a:tc>
                   <a:txBody>
                     <a:bodyPr/>
@@ -6444,39 +6429,20 @@
                     <a:p>
                       <a:pPr algn="l"/>
                       <a:r>
-                        <a:rPr kumimoji="1" lang="ja-JP" altLang="en-US" b="1" dirty="0" smtClean="0">
+                        <a:rPr kumimoji="1" lang="ja-JP" altLang="en-US" sz="2500" b="1" dirty="0" smtClean="0">
                           <a:ea typeface="小塚ゴシック Pr6N M"/>
                         </a:rPr>
-                        <a:t>３月～４月</a:t>
+                        <a:t>ＴＤＬワークショップを一人で行う</a:t>
                       </a:r>
-                      <a:endParaRPr kumimoji="1" lang="ja-JP" altLang="en-US" b="1" dirty="0">
+                      <a:endParaRPr kumimoji="1" lang="ja-JP" altLang="en-US" sz="2500" b="1" dirty="0">
                         <a:ea typeface="小塚ゴシック Pr6N M"/>
                       </a:endParaRPr>
                     </a:p>
                   </a:txBody>
-                  <a:tcPr/>
-                </a:tc>
-                <a:tc>
-                  <a:txBody>
-                    <a:bodyPr/>
-                    <a:lstStyle/>
-                    <a:p>
-                      <a:pPr algn="r"/>
-                      <a:r>
-                        <a:rPr kumimoji="1" lang="ja-JP" altLang="en-US" b="1" dirty="0" smtClean="0">
-                          <a:ea typeface="小塚ゴシック Pr6N M"/>
-                        </a:rPr>
-                        <a:t>ワークショップの計画及び準備</a:t>
-                      </a:r>
-                      <a:endParaRPr kumimoji="1" lang="ja-JP" altLang="en-US" b="1" dirty="0">
-                        <a:ea typeface="小塚ゴシック Pr6N M"/>
-                      </a:endParaRPr>
-                    </a:p>
-                  </a:txBody>
-                  <a:tcPr/>
+                  <a:tcPr marL="128016" marR="128016" marT="64008" marB="64008"/>
                 </a:tc>
               </a:tr>
-              <a:tr h="345305">
+              <a:tr h="512064">
                 <a:tc>
                   <a:txBody>
                     <a:bodyPr/>
@@ -6484,39 +6450,18 @@
                     <a:p>
                       <a:pPr algn="l"/>
                       <a:r>
-                        <a:rPr kumimoji="1" lang="ja-JP" altLang="en-US" b="1" dirty="0" smtClean="0">
+                        <a:rPr kumimoji="1" lang="ja-JP" altLang="en-US" sz="2500" b="1" dirty="0" smtClean="0">
                           <a:ea typeface="小塚ゴシック Pr6N M"/>
                         </a:rPr>
-                        <a:t>４月～７月</a:t>
+                        <a:t>３月～４月</a:t>
                       </a:r>
-                      <a:endParaRPr kumimoji="1" lang="ja-JP" altLang="en-US" b="1" dirty="0">
+                      <a:endParaRPr kumimoji="1" lang="ja-JP" altLang="en-US" sz="2500" b="1" dirty="0">
                         <a:ea typeface="小塚ゴシック Pr6N M"/>
                       </a:endParaRPr>
                     </a:p>
                   </a:txBody>
-                  <a:tcPr/>
+                  <a:tcPr marL="128016" marR="128016" marT="64008" marB="64008"/>
                 </a:tc>
-                <a:tc>
-                  <a:txBody>
-                    <a:bodyPr/>
-                    <a:lstStyle/>
-                    <a:p>
-                      <a:pPr algn="r"/>
-                      <a:r>
-                        <a:rPr kumimoji="1" lang="ja-JP" altLang="en-US" b="1" dirty="0" smtClean="0">
-                          <a:ea typeface="小塚ゴシック Pr6N M"/>
-                        </a:rPr>
-                        <a:t>ワークショップの実践</a:t>
-                      </a:r>
-                      <a:endParaRPr kumimoji="1" lang="ja-JP" altLang="en-US" b="1" dirty="0">
-                        <a:ea typeface="小塚ゴシック Pr6N M"/>
-                      </a:endParaRPr>
-                    </a:p>
-                  </a:txBody>
-                  <a:tcPr/>
-                </a:tc>
-              </a:tr>
-              <a:tr h="345305">
                 <a:tc>
                   <a:txBody>
                     <a:bodyPr/>
@@ -6524,39 +6469,20 @@
                     <a:p>
                       <a:pPr algn="l"/>
                       <a:r>
-                        <a:rPr kumimoji="1" lang="ja-JP" altLang="en-US" b="1" dirty="0" smtClean="0">
+                        <a:rPr kumimoji="1" lang="ja-JP" altLang="en-US" sz="2500" b="1" dirty="0" smtClean="0">
                           <a:ea typeface="小塚ゴシック Pr6N M"/>
                         </a:rPr>
-                        <a:t>８月～９月</a:t>
+                        <a:t>ワークショップの計画及び準備</a:t>
                       </a:r>
-                      <a:endParaRPr kumimoji="1" lang="ja-JP" altLang="en-US" b="1" dirty="0">
+                      <a:endParaRPr kumimoji="1" lang="ja-JP" altLang="en-US" sz="2500" b="1" dirty="0">
                         <a:ea typeface="小塚ゴシック Pr6N M"/>
                       </a:endParaRPr>
                     </a:p>
                   </a:txBody>
-                  <a:tcPr/>
-                </a:tc>
-                <a:tc>
-                  <a:txBody>
-                    <a:bodyPr/>
-                    <a:lstStyle/>
-                    <a:p>
-                      <a:pPr algn="r"/>
-                      <a:r>
-                        <a:rPr kumimoji="1" lang="ja-JP" altLang="en-US" b="1" dirty="0" smtClean="0">
-                          <a:ea typeface="小塚ゴシック Pr6N M"/>
-                        </a:rPr>
-                        <a:t>ワークショップのまとめ</a:t>
-                      </a:r>
-                      <a:endParaRPr kumimoji="1" lang="ja-JP" altLang="en-US" b="1" dirty="0">
-                        <a:ea typeface="小塚ゴシック Pr6N M"/>
-                      </a:endParaRPr>
-                    </a:p>
-                  </a:txBody>
-                  <a:tcPr/>
+                  <a:tcPr marL="128016" marR="128016" marT="64008" marB="64008"/>
                 </a:tc>
               </a:tr>
-              <a:tr h="345305">
+              <a:tr h="512064">
                 <a:tc>
                   <a:txBody>
                     <a:bodyPr/>
@@ -6564,36 +6490,116 @@
                     <a:p>
                       <a:pPr algn="l"/>
                       <a:r>
-                        <a:rPr kumimoji="1" lang="ja-JP" altLang="en-US" b="1" dirty="0" smtClean="0">
+                        <a:rPr kumimoji="1" lang="ja-JP" altLang="en-US" sz="2500" b="1" dirty="0" smtClean="0">
                           <a:ea typeface="小塚ゴシック Pr6N M"/>
                         </a:rPr>
-                        <a:t>１０月～</a:t>
+                        <a:t>４月～７月</a:t>
                       </a:r>
-                      <a:endParaRPr kumimoji="1" lang="ja-JP" altLang="en-US" b="1" dirty="0">
+                      <a:endParaRPr kumimoji="1" lang="ja-JP" altLang="en-US" sz="2500" b="1" dirty="0">
                         <a:ea typeface="小塚ゴシック Pr6N M"/>
                       </a:endParaRPr>
                     </a:p>
                   </a:txBody>
-                  <a:tcPr/>
+                  <a:tcPr marL="128016" marR="128016" marT="64008" marB="64008"/>
                 </a:tc>
                 <a:tc>
                   <a:txBody>
                     <a:bodyPr/>
                     <a:lstStyle/>
                     <a:p>
-                      <a:pPr algn="r"/>
+                      <a:pPr algn="l"/>
                       <a:r>
-                        <a:rPr kumimoji="1" lang="ja-JP" altLang="en-US" b="1" dirty="0" smtClean="0">
+                        <a:rPr kumimoji="1" lang="ja-JP" altLang="en-US" sz="2500" b="1" dirty="0" smtClean="0">
+                          <a:ea typeface="小塚ゴシック Pr6N M"/>
+                        </a:rPr>
+                        <a:t>ワークショップの実践</a:t>
+                      </a:r>
+                      <a:endParaRPr kumimoji="1" lang="ja-JP" altLang="en-US" sz="2500" b="1" dirty="0">
+                        <a:ea typeface="小塚ゴシック Pr6N M"/>
+                      </a:endParaRPr>
+                    </a:p>
+                  </a:txBody>
+                  <a:tcPr marL="128016" marR="128016" marT="64008" marB="64008"/>
+                </a:tc>
+              </a:tr>
+              <a:tr h="512064">
+                <a:tc>
+                  <a:txBody>
+                    <a:bodyPr/>
+                    <a:lstStyle/>
+                    <a:p>
+                      <a:pPr algn="l"/>
+                      <a:r>
+                        <a:rPr kumimoji="1" lang="ja-JP" altLang="en-US" sz="2500" b="1" dirty="0" smtClean="0">
+                          <a:ea typeface="小塚ゴシック Pr6N M"/>
+                        </a:rPr>
+                        <a:t>８月～９月</a:t>
+                      </a:r>
+                      <a:endParaRPr kumimoji="1" lang="ja-JP" altLang="en-US" sz="2500" b="1" dirty="0">
+                        <a:ea typeface="小塚ゴシック Pr6N M"/>
+                      </a:endParaRPr>
+                    </a:p>
+                  </a:txBody>
+                  <a:tcPr marL="128016" marR="128016" marT="64008" marB="64008"/>
+                </a:tc>
+                <a:tc>
+                  <a:txBody>
+                    <a:bodyPr/>
+                    <a:lstStyle/>
+                    <a:p>
+                      <a:pPr algn="l"/>
+                      <a:r>
+                        <a:rPr kumimoji="1" lang="ja-JP" altLang="en-US" sz="2500" b="1" dirty="0" smtClean="0">
+                          <a:ea typeface="小塚ゴシック Pr6N M"/>
+                        </a:rPr>
+                        <a:t>ワークショップのまとめ</a:t>
+                      </a:r>
+                      <a:endParaRPr kumimoji="1" lang="ja-JP" altLang="en-US" sz="2500" b="1" dirty="0">
+                        <a:ea typeface="小塚ゴシック Pr6N M"/>
+                      </a:endParaRPr>
+                    </a:p>
+                  </a:txBody>
+                  <a:tcPr marL="128016" marR="128016" marT="64008" marB="64008"/>
+                </a:tc>
+              </a:tr>
+              <a:tr h="512064">
+                <a:tc>
+                  <a:txBody>
+                    <a:bodyPr/>
+                    <a:lstStyle/>
+                    <a:p>
+                      <a:pPr algn="l"/>
+                      <a:r>
+                        <a:rPr kumimoji="1" lang="ja-JP" altLang="en-US" sz="2500" b="1" dirty="0" smtClean="0">
+                          <a:ea typeface="小塚ゴシック Pr6N M"/>
+                        </a:rPr>
+                        <a:t>１０月～</a:t>
+                      </a:r>
+                      <a:endParaRPr kumimoji="1" lang="ja-JP" altLang="en-US" sz="2500" b="1" dirty="0">
+                        <a:ea typeface="小塚ゴシック Pr6N M"/>
+                      </a:endParaRPr>
+                    </a:p>
+                  </a:txBody>
+                  <a:tcPr marL="128016" marR="128016" marT="64008" marB="64008"/>
+                </a:tc>
+                <a:tc>
+                  <a:txBody>
+                    <a:bodyPr/>
+                    <a:lstStyle/>
+                    <a:p>
+                      <a:pPr algn="l"/>
+                      <a:r>
+                        <a:rPr kumimoji="1" lang="ja-JP" altLang="en-US" sz="2500" b="1" dirty="0" smtClean="0">
                           <a:ea typeface="小塚ゴシック Pr6N M"/>
                         </a:rPr>
                         <a:t>卒論執筆開始</a:t>
                       </a:r>
-                      <a:endParaRPr kumimoji="1" lang="ja-JP" altLang="en-US" b="1" dirty="0">
+                      <a:endParaRPr kumimoji="1" lang="ja-JP" altLang="en-US" sz="2500" b="1" dirty="0">
                         <a:ea typeface="小塚ゴシック Pr6N M"/>
                       </a:endParaRPr>
                     </a:p>
                   </a:txBody>
-                  <a:tcPr/>
+                  <a:tcPr marL="128016" marR="128016" marT="64008" marB="64008"/>
                 </a:tc>
               </a:tr>
             </a:tbl>
@@ -6623,8 +6629,8 @@
         </p:blipFill>
         <p:spPr bwMode="auto">
           <a:xfrm>
-            <a:off x="4758330" y="5204711"/>
-            <a:ext cx="1911030" cy="1383513"/>
+            <a:off x="7018447" y="8114411"/>
+            <a:ext cx="2506736" cy="1814782"/>
           </a:xfrm>
           <a:prstGeom prst="rect">
             <a:avLst/>
@@ -6649,12 +6655,13 @@
         </p:nvSpPr>
         <p:spPr>
           <a:xfrm>
-            <a:off x="332656" y="5868145"/>
-            <a:ext cx="1872208" cy="504055"/>
+            <a:off x="264096" y="8618649"/>
+            <a:ext cx="2009753" cy="705677"/>
           </a:xfrm>
           <a:prstGeom prst="rect">
             <a:avLst/>
           </a:prstGeom>
+          <a:noFill/>
           <a:ln>
             <a:noFill/>
           </a:ln>
@@ -6674,12 +6681,12 @@
           </a:fontRef>
         </p:style>
         <p:txBody>
-          <a:bodyPr rtlCol="0" anchor="ctr"/>
+          <a:bodyPr lIns="128016" tIns="64008" rIns="128016" bIns="64008" rtlCol="0" anchor="ctr"/>
           <a:lstStyle/>
           <a:p>
             <a:pPr algn="ctr"/>
             <a:r>
-              <a:rPr kumimoji="1" lang="ja-JP" altLang="en-US" sz="3600" b="1" cap="all" dirty="0" smtClean="0">
+              <a:rPr lang="ja-JP" altLang="en-US" sz="3400" b="1" cap="all" dirty="0">
                 <a:ln w="9000" cmpd="sng">
                   <a:solidFill>
                     <a:srgbClr val="B3E5EF"/>
@@ -6697,7 +6704,7 @@
               </a:rPr>
               <a:t>これから</a:t>
             </a:r>
-            <a:endParaRPr kumimoji="1" lang="ja-JP" altLang="en-US" sz="3600" b="1" cap="all" dirty="0">
+            <a:endParaRPr lang="ja-JP" altLang="en-US" sz="3400" b="1" cap="all" dirty="0">
               <a:ln w="9000" cmpd="sng">
                 <a:solidFill>
                   <a:srgbClr val="B3E5EF"/>
